--- a/FoodBridge.pptx
+++ b/FoodBridge.pptx
@@ -5,22 +5,18 @@
     <p:sldMasterId id="2147483648" r:id="rId1"/>
   </p:sldMasterIdLst>
   <p:sldIdLst>
-    <p:sldId id="262" r:id="rId2"/>
-    <p:sldId id="263" r:id="rId3"/>
-    <p:sldId id="264" r:id="rId4"/>
-    <p:sldId id="265" r:id="rId5"/>
-    <p:sldId id="266" r:id="rId6"/>
-    <p:sldId id="257" r:id="rId7"/>
-    <p:sldId id="267" r:id="rId8"/>
-    <p:sldId id="268" r:id="rId9"/>
-    <p:sldId id="269" r:id="rId10"/>
-    <p:sldId id="270" r:id="rId11"/>
-    <p:sldId id="272" r:id="rId12"/>
-    <p:sldId id="271" r:id="rId13"/>
-    <p:sldId id="273" r:id="rId14"/>
-    <p:sldId id="258" r:id="rId15"/>
-    <p:sldId id="259" r:id="rId16"/>
-    <p:sldId id="260" r:id="rId17"/>
+    <p:sldId id="263" r:id="rId2"/>
+    <p:sldId id="264" r:id="rId3"/>
+    <p:sldId id="274" r:id="rId4"/>
+    <p:sldId id="275" r:id="rId5"/>
+    <p:sldId id="265" r:id="rId6"/>
+    <p:sldId id="276" r:id="rId7"/>
+    <p:sldId id="257" r:id="rId8"/>
+    <p:sldId id="269" r:id="rId9"/>
+    <p:sldId id="270" r:id="rId10"/>
+    <p:sldId id="272" r:id="rId11"/>
+    <p:sldId id="271" r:id="rId12"/>
+    <p:sldId id="273" r:id="rId13"/>
   </p:sldIdLst>
   <p:sldSz cx="12192000" cy="6858000"/>
   <p:notesSz cx="6858000" cy="9144000"/>
@@ -119,6 +115,11 @@
       </a:defRPr>
     </a:lvl9pPr>
   </p:defaultTextStyle>
+  <p:extLst>
+    <p:ext uri="{EFAFB233-063F-42B5-8137-9DF3F51BA10A}">
+      <p15:sldGuideLst xmlns:p15="http://schemas.microsoft.com/office/powerpoint/2012/main"/>
+    </p:ext>
+  </p:extLst>
 </p:presentation>
 </file>
 
@@ -271,7 +272,7 @@
           <a:p>
             <a:fld id="{054268B9-F606-45B6-BF5B-4221F97DDD9A}" type="datetimeFigureOut">
               <a:rPr lang="en-IN" smtClean="0"/>
-              <a:t>08-03-2024</a:t>
+              <a:t>09-03-2024</a:t>
             </a:fld>
             <a:endParaRPr lang="en-IN"/>
           </a:p>
@@ -471,7 +472,7 @@
           <a:p>
             <a:fld id="{054268B9-F606-45B6-BF5B-4221F97DDD9A}" type="datetimeFigureOut">
               <a:rPr lang="en-IN" smtClean="0"/>
-              <a:t>08-03-2024</a:t>
+              <a:t>09-03-2024</a:t>
             </a:fld>
             <a:endParaRPr lang="en-IN"/>
           </a:p>
@@ -681,7 +682,7 @@
           <a:p>
             <a:fld id="{054268B9-F606-45B6-BF5B-4221F97DDD9A}" type="datetimeFigureOut">
               <a:rPr lang="en-IN" smtClean="0"/>
-              <a:t>08-03-2024</a:t>
+              <a:t>09-03-2024</a:t>
             </a:fld>
             <a:endParaRPr lang="en-IN"/>
           </a:p>
@@ -881,7 +882,7 @@
           <a:p>
             <a:fld id="{054268B9-F606-45B6-BF5B-4221F97DDD9A}" type="datetimeFigureOut">
               <a:rPr lang="en-IN" smtClean="0"/>
-              <a:t>08-03-2024</a:t>
+              <a:t>09-03-2024</a:t>
             </a:fld>
             <a:endParaRPr lang="en-IN"/>
           </a:p>
@@ -1157,7 +1158,7 @@
           <a:p>
             <a:fld id="{054268B9-F606-45B6-BF5B-4221F97DDD9A}" type="datetimeFigureOut">
               <a:rPr lang="en-IN" smtClean="0"/>
-              <a:t>08-03-2024</a:t>
+              <a:t>09-03-2024</a:t>
             </a:fld>
             <a:endParaRPr lang="en-IN"/>
           </a:p>
@@ -1425,7 +1426,7 @@
           <a:p>
             <a:fld id="{054268B9-F606-45B6-BF5B-4221F97DDD9A}" type="datetimeFigureOut">
               <a:rPr lang="en-IN" smtClean="0"/>
-              <a:t>08-03-2024</a:t>
+              <a:t>09-03-2024</a:t>
             </a:fld>
             <a:endParaRPr lang="en-IN"/>
           </a:p>
@@ -1840,7 +1841,7 @@
           <a:p>
             <a:fld id="{054268B9-F606-45B6-BF5B-4221F97DDD9A}" type="datetimeFigureOut">
               <a:rPr lang="en-IN" smtClean="0"/>
-              <a:t>08-03-2024</a:t>
+              <a:t>09-03-2024</a:t>
             </a:fld>
             <a:endParaRPr lang="en-IN"/>
           </a:p>
@@ -1982,7 +1983,7 @@
           <a:p>
             <a:fld id="{054268B9-F606-45B6-BF5B-4221F97DDD9A}" type="datetimeFigureOut">
               <a:rPr lang="en-IN" smtClean="0"/>
-              <a:t>08-03-2024</a:t>
+              <a:t>09-03-2024</a:t>
             </a:fld>
             <a:endParaRPr lang="en-IN"/>
           </a:p>
@@ -2095,7 +2096,7 @@
           <a:p>
             <a:fld id="{054268B9-F606-45B6-BF5B-4221F97DDD9A}" type="datetimeFigureOut">
               <a:rPr lang="en-IN" smtClean="0"/>
-              <a:t>08-03-2024</a:t>
+              <a:t>09-03-2024</a:t>
             </a:fld>
             <a:endParaRPr lang="en-IN"/>
           </a:p>
@@ -2408,7 +2409,7 @@
           <a:p>
             <a:fld id="{054268B9-F606-45B6-BF5B-4221F97DDD9A}" type="datetimeFigureOut">
               <a:rPr lang="en-IN" smtClean="0"/>
-              <a:t>08-03-2024</a:t>
+              <a:t>09-03-2024</a:t>
             </a:fld>
             <a:endParaRPr lang="en-IN"/>
           </a:p>
@@ -2697,7 +2698,7 @@
           <a:p>
             <a:fld id="{054268B9-F606-45B6-BF5B-4221F97DDD9A}" type="datetimeFigureOut">
               <a:rPr lang="en-IN" smtClean="0"/>
-              <a:t>08-03-2024</a:t>
+              <a:t>09-03-2024</a:t>
             </a:fld>
             <a:endParaRPr lang="en-IN"/>
           </a:p>
@@ -2940,7 +2941,7 @@
           <a:p>
             <a:fld id="{054268B9-F606-45B6-BF5B-4221F97DDD9A}" type="datetimeFigureOut">
               <a:rPr lang="en-IN" smtClean="0"/>
-              <a:t>08-03-2024</a:t>
+              <a:t>09-03-2024</a:t>
             </a:fld>
             <a:endParaRPr lang="en-IN"/>
           </a:p>
@@ -3343,6 +3344,41 @@
 <file path=ppt/slides/slide1.xml><?xml version="1.0" encoding="utf-8"?>
 <p:sld xmlns:a="http://schemas.openxmlformats.org/drawingml/2006/main" xmlns:r="http://schemas.openxmlformats.org/officeDocument/2006/relationships" xmlns:p="http://schemas.openxmlformats.org/presentationml/2006/main">
   <p:cSld>
+    <p:bg>
+      <p:bgPr>
+        <a:gradFill flip="none" rotWithShape="1">
+          <a:gsLst>
+            <a:gs pos="0">
+              <a:schemeClr val="accent1">
+                <a:lumMod val="5000"/>
+                <a:lumOff val="95000"/>
+              </a:schemeClr>
+            </a:gs>
+            <a:gs pos="86000">
+              <a:schemeClr val="accent1">
+                <a:lumMod val="45000"/>
+                <a:lumOff val="55000"/>
+              </a:schemeClr>
+            </a:gs>
+            <a:gs pos="94000">
+              <a:schemeClr val="accent1">
+                <a:lumMod val="45000"/>
+                <a:lumOff val="55000"/>
+              </a:schemeClr>
+            </a:gs>
+            <a:gs pos="100000">
+              <a:schemeClr val="accent1">
+                <a:lumMod val="30000"/>
+                <a:lumOff val="70000"/>
+              </a:schemeClr>
+            </a:gs>
+          </a:gsLst>
+          <a:lin ang="5400000" scaled="1"/>
+          <a:tileRect/>
+        </a:gradFill>
+        <a:effectLst/>
+      </p:bgPr>
+    </p:bg>
     <p:spTree>
       <p:nvGrpSpPr>
         <p:cNvPr id="1" name=""/>
@@ -3357,10 +3393,158 @@
           <a:chExt cx="0" cy="0"/>
         </a:xfrm>
       </p:grpSpPr>
+      <p:pic>
+        <p:nvPicPr>
+          <p:cNvPr id="5" name="Picture 4">
+            <a:extLst>
+              <a:ext uri="{FF2B5EF4-FFF2-40B4-BE49-F238E27FC236}">
+                <a16:creationId xmlns:a16="http://schemas.microsoft.com/office/drawing/2014/main" id="{9EAFA791-EA4B-AE3E-C853-E15D9371B283}"/>
+              </a:ext>
+            </a:extLst>
+          </p:cNvPr>
+          <p:cNvPicPr>
+            <a:picLocks noChangeAspect="1"/>
+          </p:cNvPicPr>
+          <p:nvPr/>
+        </p:nvPicPr>
+        <p:blipFill rotWithShape="1">
+          <a:blip r:embed="rId2">
+            <a:alphaModFix amt="48000"/>
+            <a:extLst>
+              <a:ext uri="{28A0092B-C50C-407E-A947-70E740481C1C}">
+                <a14:useLocalDpi xmlns:a14="http://schemas.microsoft.com/office/drawing/2010/main" val="0"/>
+              </a:ext>
+            </a:extLst>
+          </a:blip>
+          <a:srcRect l="-399" r="242" b="8659"/>
+          <a:stretch/>
+        </p:blipFill>
+        <p:spPr>
+          <a:xfrm>
+            <a:off x="2919752" y="1352511"/>
+            <a:ext cx="6084289" cy="4531454"/>
+          </a:xfrm>
+          <a:prstGeom prst="rect">
+            <a:avLst/>
+          </a:prstGeom>
+        </p:spPr>
+      </p:pic>
+      <p:sp>
+        <p:nvSpPr>
+          <p:cNvPr id="2" name="Title 1">
+            <a:extLst>
+              <a:ext uri="{FF2B5EF4-FFF2-40B4-BE49-F238E27FC236}">
+                <a16:creationId xmlns:a16="http://schemas.microsoft.com/office/drawing/2014/main" id="{C8224271-FE33-4DE8-9E7B-2471D6188043}"/>
+              </a:ext>
+            </a:extLst>
+          </p:cNvPr>
+          <p:cNvSpPr>
+            <a:spLocks noGrp="1"/>
+          </p:cNvSpPr>
+          <p:nvPr>
+            <p:ph type="title"/>
+          </p:nvPr>
+        </p:nvSpPr>
+        <p:spPr/>
+        <p:txBody>
+          <a:bodyPr>
+            <a:normAutofit/>
+          </a:bodyPr>
+          <a:lstStyle/>
+          <a:p>
+            <a:r>
+              <a:rPr lang="en-IN" sz="4000" dirty="0">
+                <a:solidFill>
+                  <a:srgbClr val="002060"/>
+                </a:solidFill>
+                <a:latin typeface="+mn-lt"/>
+              </a:rPr>
+              <a:t>FOOD BRIDGE - </a:t>
+            </a:r>
+            <a:r>
+              <a:rPr lang="en-US" sz="4000" dirty="0">
+                <a:solidFill>
+                  <a:srgbClr val="002060"/>
+                </a:solidFill>
+                <a:latin typeface="+mn-lt"/>
+              </a:rPr>
+              <a:t>Bridging The Gap Between Food Sources And People In Need</a:t>
+            </a:r>
+            <a:endParaRPr lang="en-IN" sz="4000" dirty="0">
+              <a:solidFill>
+                <a:srgbClr val="002060"/>
+              </a:solidFill>
+              <a:latin typeface="+mn-lt"/>
+            </a:endParaRPr>
+          </a:p>
+        </p:txBody>
+      </p:sp>
+      <p:sp>
+        <p:nvSpPr>
+          <p:cNvPr id="3" name="Content Placeholder 2">
+            <a:extLst>
+              <a:ext uri="{FF2B5EF4-FFF2-40B4-BE49-F238E27FC236}">
+                <a16:creationId xmlns:a16="http://schemas.microsoft.com/office/drawing/2014/main" id="{729B9D56-B68A-0500-3220-98759D2B09DA}"/>
+              </a:ext>
+            </a:extLst>
+          </p:cNvPr>
+          <p:cNvSpPr>
+            <a:spLocks noGrp="1"/>
+          </p:cNvSpPr>
+          <p:nvPr>
+            <p:ph idx="1"/>
+          </p:nvPr>
+        </p:nvSpPr>
+        <p:spPr>
+          <a:xfrm>
+            <a:off x="838200" y="5041127"/>
+            <a:ext cx="8165841" cy="1685676"/>
+          </a:xfrm>
+        </p:spPr>
+        <p:txBody>
+          <a:bodyPr/>
+          <a:lstStyle/>
+          <a:p>
+            <a:pPr marL="0" indent="0">
+              <a:buNone/>
+            </a:pPr>
+            <a:r>
+              <a:rPr lang="en-IN" dirty="0"/>
+              <a:t>By</a:t>
+            </a:r>
+          </a:p>
+          <a:p>
+            <a:pPr marL="0" indent="0">
+              <a:buNone/>
+            </a:pPr>
+            <a:r>
+              <a:rPr lang="en-IN" dirty="0"/>
+              <a:t>Sriram V (2231MCA0011)</a:t>
+            </a:r>
+          </a:p>
+          <a:p>
+            <a:pPr marL="0" indent="0">
+              <a:buNone/>
+            </a:pPr>
+            <a:r>
+              <a:rPr lang="en-IN" dirty="0"/>
+              <a:t>Guide Name: </a:t>
+            </a:r>
+            <a:r>
+              <a:rPr lang="en-IN" dirty="0" err="1"/>
+              <a:t>Dr.</a:t>
+            </a:r>
+            <a:r>
+              <a:rPr lang="en-IN" dirty="0"/>
+              <a:t> Geetha P (Associate Professor, IST)</a:t>
+            </a:r>
+          </a:p>
+        </p:txBody>
+      </p:sp>
     </p:spTree>
     <p:extLst>
       <p:ext uri="{BB962C8B-B14F-4D97-AF65-F5344CB8AC3E}">
-        <p14:creationId xmlns:p14="http://schemas.microsoft.com/office/powerpoint/2010/main" val="1998250991"/>
+        <p14:creationId xmlns:p14="http://schemas.microsoft.com/office/powerpoint/2010/main" val="3861379335"/>
       </p:ext>
     </p:extLst>
   </p:cSld>
@@ -3426,7 +3610,7 @@
           <p:cNvPr id="2" name="Title 1">
             <a:extLst>
               <a:ext uri="{FF2B5EF4-FFF2-40B4-BE49-F238E27FC236}">
-                <a16:creationId xmlns:a16="http://schemas.microsoft.com/office/drawing/2014/main" id="{56B6D8E8-610E-90C9-2A59-7B083558350B}"/>
+                <a16:creationId xmlns:a16="http://schemas.microsoft.com/office/drawing/2014/main" id="{125074F2-6E9A-05EE-D212-BECC784699A4}"/>
               </a:ext>
             </a:extLst>
           </p:cNvPr>
@@ -3448,280 +3632,61 @@
                   <a:srgbClr val="002060"/>
                 </a:solidFill>
               </a:rPr>
-              <a:t>UML Diagram</a:t>
-            </a:r>
-          </a:p>
-        </p:txBody>
-      </p:sp>
-      <p:sp>
-        <p:nvSpPr>
-          <p:cNvPr id="3" name="Rectangle 2">
-            <a:extLst>
-              <a:ext uri="{FF2B5EF4-FFF2-40B4-BE49-F238E27FC236}">
-                <a16:creationId xmlns:a16="http://schemas.microsoft.com/office/drawing/2014/main" id="{F5DD1303-0B21-62A3-A0CD-672E8E41FAC0}"/>
-              </a:ext>
-            </a:extLst>
-          </p:cNvPr>
-          <p:cNvSpPr/>
-          <p:nvPr/>
-        </p:nvSpPr>
-        <p:spPr>
-          <a:xfrm>
-            <a:off x="838200" y="1690689"/>
-            <a:ext cx="2642118" cy="2955956"/>
-          </a:xfrm>
-          <a:prstGeom prst="rect">
-            <a:avLst/>
-          </a:prstGeom>
-        </p:spPr>
-        <p:style>
-          <a:lnRef idx="2">
-            <a:schemeClr val="accent1">
-              <a:shade val="15000"/>
-            </a:schemeClr>
-          </a:lnRef>
-          <a:fillRef idx="1">
-            <a:schemeClr val="accent1"/>
-          </a:fillRef>
-          <a:effectRef idx="0">
-            <a:schemeClr val="accent1"/>
-          </a:effectRef>
-          <a:fontRef idx="minor">
-            <a:schemeClr val="lt1"/>
-          </a:fontRef>
-        </p:style>
-        <p:txBody>
-          <a:bodyPr rtlCol="0" anchor="ctr"/>
-          <a:lstStyle/>
-          <a:p>
-            <a:pPr algn="ctr"/>
-            <a:r>
-              <a:rPr lang="en-IN" sz="2000" b="1" dirty="0"/>
-              <a:t>User details</a:t>
-            </a:r>
-          </a:p>
-          <a:p>
-            <a:pPr marL="285750" indent="-285750">
-              <a:buFont typeface="Arial" panose="020B0604020202020204" pitchFamily="34" charset="0"/>
-              <a:buChar char="•"/>
-            </a:pPr>
-            <a:r>
-              <a:rPr lang="en-IN" dirty="0" err="1"/>
-              <a:t>user_name</a:t>
-            </a:r>
-            <a:endParaRPr lang="en-IN" dirty="0"/>
-          </a:p>
-          <a:p>
-            <a:pPr marL="285750" indent="-285750">
-              <a:buFont typeface="Arial" panose="020B0604020202020204" pitchFamily="34" charset="0"/>
-              <a:buChar char="•"/>
-            </a:pPr>
-            <a:r>
-              <a:rPr lang="en-IN" dirty="0" err="1"/>
-              <a:t>contact_number</a:t>
-            </a:r>
-            <a:endParaRPr lang="en-IN" dirty="0"/>
-          </a:p>
-          <a:p>
-            <a:pPr marL="285750" indent="-285750">
-              <a:buFont typeface="Arial" panose="020B0604020202020204" pitchFamily="34" charset="0"/>
-              <a:buChar char="•"/>
-            </a:pPr>
-            <a:r>
-              <a:rPr lang="en-IN" dirty="0" err="1"/>
-              <a:t>organization_type</a:t>
-            </a:r>
-            <a:endParaRPr lang="en-IN" dirty="0"/>
-          </a:p>
-          <a:p>
-            <a:pPr marL="285750" indent="-285750">
-              <a:buFont typeface="Arial" panose="020B0604020202020204" pitchFamily="34" charset="0"/>
-              <a:buChar char="•"/>
-            </a:pPr>
-            <a:r>
-              <a:rPr lang="en-IN" dirty="0" err="1"/>
-              <a:t>organization_name</a:t>
-            </a:r>
-            <a:endParaRPr lang="en-IN" dirty="0"/>
-          </a:p>
-          <a:p>
-            <a:pPr marL="285750" indent="-285750">
-              <a:buFont typeface="Arial" panose="020B0604020202020204" pitchFamily="34" charset="0"/>
-              <a:buChar char="•"/>
-            </a:pPr>
-            <a:r>
-              <a:rPr lang="en-IN" dirty="0" err="1"/>
-              <a:t>user_address</a:t>
-            </a:r>
-            <a:endParaRPr lang="en-IN" dirty="0"/>
-          </a:p>
-        </p:txBody>
-      </p:sp>
-      <p:sp>
-        <p:nvSpPr>
-          <p:cNvPr id="4" name="Rectangle 3">
-            <a:extLst>
-              <a:ext uri="{FF2B5EF4-FFF2-40B4-BE49-F238E27FC236}">
-                <a16:creationId xmlns:a16="http://schemas.microsoft.com/office/drawing/2014/main" id="{18A4F943-97E0-48D6-7601-2A656D598A0D}"/>
-              </a:ext>
-            </a:extLst>
-          </p:cNvPr>
-          <p:cNvSpPr/>
-          <p:nvPr/>
-        </p:nvSpPr>
-        <p:spPr>
-          <a:xfrm>
-            <a:off x="5645020" y="1690688"/>
-            <a:ext cx="2530151" cy="2955957"/>
-          </a:xfrm>
-          <a:prstGeom prst="rect">
-            <a:avLst/>
-          </a:prstGeom>
-        </p:spPr>
-        <p:style>
-          <a:lnRef idx="2">
-            <a:schemeClr val="accent1">
-              <a:shade val="15000"/>
-            </a:schemeClr>
-          </a:lnRef>
-          <a:fillRef idx="1">
-            <a:schemeClr val="accent1"/>
-          </a:fillRef>
-          <a:effectRef idx="0">
-            <a:schemeClr val="accent1"/>
-          </a:effectRef>
-          <a:fontRef idx="minor">
-            <a:schemeClr val="lt1"/>
-          </a:fontRef>
-        </p:style>
-        <p:txBody>
-          <a:bodyPr rtlCol="0" anchor="ctr"/>
-          <a:lstStyle/>
-          <a:p>
-            <a:pPr algn="ctr"/>
-            <a:r>
-              <a:rPr lang="en-IN" sz="2000" b="1" dirty="0"/>
-              <a:t>Request</a:t>
-            </a:r>
-          </a:p>
-          <a:p>
-            <a:pPr marL="285750" indent="-285750">
-              <a:buFont typeface="Arial" panose="020B0604020202020204" pitchFamily="34" charset="0"/>
-              <a:buChar char="•"/>
-            </a:pPr>
-            <a:r>
-              <a:rPr lang="en-IN" dirty="0" err="1"/>
-              <a:t>request_id</a:t>
-            </a:r>
-            <a:endParaRPr lang="en-IN" dirty="0"/>
-          </a:p>
-          <a:p>
-            <a:pPr marL="285750" indent="-285750">
-              <a:buFont typeface="Arial" panose="020B0604020202020204" pitchFamily="34" charset="0"/>
-              <a:buChar char="•"/>
-            </a:pPr>
-            <a:r>
-              <a:rPr lang="en-IN" dirty="0" err="1"/>
-              <a:t>user_name</a:t>
-            </a:r>
-            <a:endParaRPr lang="en-IN" dirty="0"/>
-          </a:p>
-          <a:p>
-            <a:pPr marL="285750" indent="-285750">
-              <a:buFont typeface="Arial" panose="020B0604020202020204" pitchFamily="34" charset="0"/>
-              <a:buChar char="•"/>
-            </a:pPr>
-            <a:r>
-              <a:rPr lang="en-IN" dirty="0" err="1"/>
-              <a:t>contact_number</a:t>
-            </a:r>
-            <a:endParaRPr lang="en-IN" dirty="0"/>
-          </a:p>
-          <a:p>
-            <a:pPr marL="285750" indent="-285750">
-              <a:buFont typeface="Arial" panose="020B0604020202020204" pitchFamily="34" charset="0"/>
-              <a:buChar char="•"/>
-            </a:pPr>
-            <a:r>
-              <a:rPr lang="en-IN" dirty="0" err="1"/>
-              <a:t>organization_name</a:t>
-            </a:r>
-            <a:endParaRPr lang="en-IN" dirty="0"/>
-          </a:p>
-          <a:p>
-            <a:pPr marL="285750" indent="-285750">
-              <a:buFont typeface="Arial" panose="020B0604020202020204" pitchFamily="34" charset="0"/>
-              <a:buChar char="•"/>
-            </a:pPr>
-            <a:r>
-              <a:rPr lang="en-IN" dirty="0" err="1"/>
-              <a:t>user_address</a:t>
-            </a:r>
-            <a:endParaRPr lang="en-IN" dirty="0"/>
-          </a:p>
-          <a:p>
-            <a:pPr marL="285750" indent="-285750">
-              <a:buFont typeface="Arial" panose="020B0604020202020204" pitchFamily="34" charset="0"/>
-              <a:buChar char="•"/>
-            </a:pPr>
-            <a:r>
-              <a:rPr lang="en-IN" dirty="0" err="1"/>
-              <a:t>food_count</a:t>
-            </a:r>
-            <a:endParaRPr lang="en-IN" dirty="0"/>
-          </a:p>
-        </p:txBody>
-      </p:sp>
-      <p:sp>
-        <p:nvSpPr>
-          <p:cNvPr id="5" name="Arrow: Right 4">
-            <a:extLst>
-              <a:ext uri="{FF2B5EF4-FFF2-40B4-BE49-F238E27FC236}">
-                <a16:creationId xmlns:a16="http://schemas.microsoft.com/office/drawing/2014/main" id="{1855BE3F-3F3A-F3B3-0D34-0F02B344A73F}"/>
-              </a:ext>
-            </a:extLst>
-          </p:cNvPr>
-          <p:cNvSpPr/>
-          <p:nvPr/>
-        </p:nvSpPr>
-        <p:spPr>
-          <a:xfrm>
-            <a:off x="3666930" y="2916739"/>
-            <a:ext cx="1782147" cy="512261"/>
-          </a:xfrm>
-          <a:prstGeom prst="rightArrow">
-            <a:avLst/>
-          </a:prstGeom>
-        </p:spPr>
-        <p:style>
-          <a:lnRef idx="2">
-            <a:schemeClr val="accent1">
-              <a:shade val="15000"/>
-            </a:schemeClr>
-          </a:lnRef>
-          <a:fillRef idx="1">
-            <a:schemeClr val="accent1"/>
-          </a:fillRef>
-          <a:effectRef idx="0">
-            <a:schemeClr val="accent1"/>
-          </a:effectRef>
-          <a:fontRef idx="minor">
-            <a:schemeClr val="lt1"/>
-          </a:fontRef>
-        </p:style>
-        <p:txBody>
-          <a:bodyPr rtlCol="0" anchor="ctr"/>
-          <a:lstStyle/>
-          <a:p>
-            <a:pPr algn="ctr"/>
-            <a:endParaRPr lang="en-IN"/>
+              <a:t>Work done so far</a:t>
+            </a:r>
+          </a:p>
+        </p:txBody>
+      </p:sp>
+      <p:sp>
+        <p:nvSpPr>
+          <p:cNvPr id="3" name="Content Placeholder 2">
+            <a:extLst>
+              <a:ext uri="{FF2B5EF4-FFF2-40B4-BE49-F238E27FC236}">
+                <a16:creationId xmlns:a16="http://schemas.microsoft.com/office/drawing/2014/main" id="{F365973D-61B5-4F0C-AA8D-7D8C35E65935}"/>
+              </a:ext>
+            </a:extLst>
+          </p:cNvPr>
+          <p:cNvSpPr>
+            <a:spLocks noGrp="1"/>
+          </p:cNvSpPr>
+          <p:nvPr>
+            <p:ph idx="1"/>
+          </p:nvPr>
+        </p:nvSpPr>
+        <p:spPr/>
+        <p:txBody>
+          <a:bodyPr/>
+          <a:lstStyle/>
+          <a:p>
+            <a:r>
+              <a:rPr lang="en-IN" dirty="0"/>
+              <a:t>Have created Basic design and pages</a:t>
+            </a:r>
+          </a:p>
+          <a:p>
+            <a:r>
+              <a:rPr lang="en-IN" dirty="0"/>
+              <a:t>Created Login function</a:t>
+            </a:r>
+          </a:p>
+          <a:p>
+            <a:r>
+              <a:rPr lang="en-IN" dirty="0"/>
+              <a:t>Navigations between the pages are done</a:t>
+            </a:r>
+          </a:p>
+          <a:p>
+            <a:r>
+              <a:rPr lang="en-IN" dirty="0"/>
+              <a:t>Request creation for Orphanage/Home users is done</a:t>
+            </a:r>
           </a:p>
         </p:txBody>
       </p:sp>
     </p:spTree>
     <p:extLst>
       <p:ext uri="{BB962C8B-B14F-4D97-AF65-F5344CB8AC3E}">
-        <p14:creationId xmlns:p14="http://schemas.microsoft.com/office/powerpoint/2010/main" val="4254367455"/>
+        <p14:creationId xmlns:p14="http://schemas.microsoft.com/office/powerpoint/2010/main" val="2678606210"/>
       </p:ext>
     </p:extLst>
   </p:cSld>
@@ -3787,7 +3752,7 @@
           <p:cNvPr id="2" name="Title 1">
             <a:extLst>
               <a:ext uri="{FF2B5EF4-FFF2-40B4-BE49-F238E27FC236}">
-                <a16:creationId xmlns:a16="http://schemas.microsoft.com/office/drawing/2014/main" id="{125074F2-6E9A-05EE-D212-BECC784699A4}"/>
+                <a16:creationId xmlns:a16="http://schemas.microsoft.com/office/drawing/2014/main" id="{77EB3D63-A638-301B-8CE0-F92E8E58285A}"/>
               </a:ext>
             </a:extLst>
           </p:cNvPr>
@@ -3809,7 +3774,7 @@
                   <a:srgbClr val="002060"/>
                 </a:solidFill>
               </a:rPr>
-              <a:t>Work done so far</a:t>
+              <a:t>Work to be done</a:t>
             </a:r>
           </a:p>
         </p:txBody>
@@ -3819,7 +3784,7 @@
           <p:cNvPr id="3" name="Content Placeholder 2">
             <a:extLst>
               <a:ext uri="{FF2B5EF4-FFF2-40B4-BE49-F238E27FC236}">
-                <a16:creationId xmlns:a16="http://schemas.microsoft.com/office/drawing/2014/main" id="{F365973D-61B5-4F0C-AA8D-7D8C35E65935}"/>
+                <a16:creationId xmlns:a16="http://schemas.microsoft.com/office/drawing/2014/main" id="{CA54982E-AB61-054D-362F-AE404AAD5213}"/>
               </a:ext>
             </a:extLst>
           </p:cNvPr>
@@ -3837,25 +3802,31 @@
           <a:p>
             <a:r>
               <a:rPr lang="en-IN" dirty="0"/>
-              <a:t>Have created Basic design and pages</a:t>
+              <a:t>To create the Request module for Hotel/Orphanage user</a:t>
             </a:r>
           </a:p>
           <a:p>
             <a:r>
               <a:rPr lang="en-IN" dirty="0"/>
-              <a:t>Created Login function</a:t>
+              <a:t>To create the Request Accept and Cancel process for Hotel/Orphanage</a:t>
             </a:r>
           </a:p>
           <a:p>
             <a:r>
               <a:rPr lang="en-IN" dirty="0"/>
-              <a:t>Navigations between the pages are done</a:t>
+              <a:t> To finish the Contact sharing between users</a:t>
             </a:r>
           </a:p>
           <a:p>
             <a:r>
               <a:rPr lang="en-IN" dirty="0"/>
-              <a:t>Request creation for Orphanage/Home users is done</a:t>
+              <a:t>To make Request not visible to other hotels when a request is Accepted by a hotel</a:t>
+            </a:r>
+          </a:p>
+          <a:p>
+            <a:r>
+              <a:rPr lang="en-IN" dirty="0"/>
+              <a:t>To make Request still visible to other hotels when one hotel cancelled the request</a:t>
             </a:r>
           </a:p>
         </p:txBody>
@@ -3863,7 +3834,7 @@
     </p:spTree>
     <p:extLst>
       <p:ext uri="{BB962C8B-B14F-4D97-AF65-F5344CB8AC3E}">
-        <p14:creationId xmlns:p14="http://schemas.microsoft.com/office/powerpoint/2010/main" val="2678606210"/>
+        <p14:creationId xmlns:p14="http://schemas.microsoft.com/office/powerpoint/2010/main" val="2763129124"/>
       </p:ext>
     </p:extLst>
   </p:cSld>
@@ -3874,6 +3845,109 @@
 </file>
 
 <file path=ppt/slides/slide12.xml><?xml version="1.0" encoding="utf-8"?>
+<p:sld xmlns:a="http://schemas.openxmlformats.org/drawingml/2006/main" xmlns:r="http://schemas.openxmlformats.org/officeDocument/2006/relationships" xmlns:p="http://schemas.openxmlformats.org/presentationml/2006/main">
+  <p:cSld>
+    <p:bg>
+      <p:bgPr>
+        <a:gradFill>
+          <a:gsLst>
+            <a:gs pos="0">
+              <a:schemeClr val="accent1">
+                <a:lumMod val="5000"/>
+                <a:lumOff val="95000"/>
+              </a:schemeClr>
+            </a:gs>
+            <a:gs pos="69000">
+              <a:schemeClr val="accent1">
+                <a:lumMod val="45000"/>
+                <a:lumOff val="55000"/>
+              </a:schemeClr>
+            </a:gs>
+            <a:gs pos="85000">
+              <a:schemeClr val="accent1">
+                <a:lumMod val="45000"/>
+                <a:lumOff val="55000"/>
+              </a:schemeClr>
+            </a:gs>
+            <a:gs pos="100000">
+              <a:schemeClr val="accent1">
+                <a:lumMod val="30000"/>
+                <a:lumOff val="70000"/>
+              </a:schemeClr>
+            </a:gs>
+          </a:gsLst>
+          <a:lin ang="5400000" scaled="1"/>
+        </a:gradFill>
+        <a:effectLst/>
+      </p:bgPr>
+    </p:bg>
+    <p:spTree>
+      <p:nvGrpSpPr>
+        <p:cNvPr id="1" name=""/>
+        <p:cNvGrpSpPr/>
+        <p:nvPr/>
+      </p:nvGrpSpPr>
+      <p:grpSpPr>
+        <a:xfrm>
+          <a:off x="0" y="0"/>
+          <a:ext cx="0" cy="0"/>
+          <a:chOff x="0" y="0"/>
+          <a:chExt cx="0" cy="0"/>
+        </a:xfrm>
+      </p:grpSpPr>
+      <p:sp>
+        <p:nvSpPr>
+          <p:cNvPr id="2" name="Title 1">
+            <a:extLst>
+              <a:ext uri="{FF2B5EF4-FFF2-40B4-BE49-F238E27FC236}">
+                <a16:creationId xmlns:a16="http://schemas.microsoft.com/office/drawing/2014/main" id="{1E047D2B-3E3F-BEEC-0F7E-AA00B36CB248}"/>
+              </a:ext>
+            </a:extLst>
+          </p:cNvPr>
+          <p:cNvSpPr>
+            <a:spLocks noGrp="1"/>
+          </p:cNvSpPr>
+          <p:nvPr>
+            <p:ph type="title"/>
+          </p:nvPr>
+        </p:nvSpPr>
+        <p:spPr>
+          <a:xfrm>
+            <a:off x="1136779" y="2679117"/>
+            <a:ext cx="9882674" cy="1325563"/>
+          </a:xfrm>
+        </p:spPr>
+        <p:txBody>
+          <a:bodyPr>
+            <a:normAutofit/>
+          </a:bodyPr>
+          <a:lstStyle/>
+          <a:p>
+            <a:r>
+              <a:rPr lang="en-IN" sz="4800" b="1" dirty="0">
+                <a:solidFill>
+                  <a:srgbClr val="002060"/>
+                </a:solidFill>
+              </a:rPr>
+              <a:t>Thank You</a:t>
+            </a:r>
+          </a:p>
+        </p:txBody>
+      </p:sp>
+    </p:spTree>
+    <p:extLst>
+      <p:ext uri="{BB962C8B-B14F-4D97-AF65-F5344CB8AC3E}">
+        <p14:creationId xmlns:p14="http://schemas.microsoft.com/office/powerpoint/2010/main" val="866735357"/>
+      </p:ext>
+    </p:extLst>
+  </p:cSld>
+  <p:clrMapOvr>
+    <a:masterClrMapping/>
+  </p:clrMapOvr>
+</p:sld>
+</file>
+
+<file path=ppt/slides/slide2.xml><?xml version="1.0" encoding="utf-8"?>
 <p:sld xmlns:a="http://schemas.openxmlformats.org/drawingml/2006/main" xmlns:r="http://schemas.openxmlformats.org/officeDocument/2006/relationships" xmlns:p="http://schemas.openxmlformats.org/presentationml/2006/main">
   <p:cSld>
     <p:bg>
@@ -3926,10 +4000,10 @@
       </p:grpSpPr>
       <p:sp>
         <p:nvSpPr>
-          <p:cNvPr id="2" name="Title 1">
-            <a:extLst>
-              <a:ext uri="{FF2B5EF4-FFF2-40B4-BE49-F238E27FC236}">
-                <a16:creationId xmlns:a16="http://schemas.microsoft.com/office/drawing/2014/main" id="{77EB3D63-A638-301B-8CE0-F92E8E58285A}"/>
+          <p:cNvPr id="8" name="Title 7">
+            <a:extLst>
+              <a:ext uri="{FF2B5EF4-FFF2-40B4-BE49-F238E27FC236}">
+                <a16:creationId xmlns:a16="http://schemas.microsoft.com/office/drawing/2014/main" id="{AA507EBC-5814-1A92-1D60-3DEBF717A330}"/>
               </a:ext>
             </a:extLst>
           </p:cNvPr>
@@ -3951,59 +4025,7 @@
                   <a:srgbClr val="002060"/>
                 </a:solidFill>
               </a:rPr>
-              <a:t>Work to be done</a:t>
-            </a:r>
-          </a:p>
-        </p:txBody>
-      </p:sp>
-      <p:sp>
-        <p:nvSpPr>
-          <p:cNvPr id="3" name="Content Placeholder 2">
-            <a:extLst>
-              <a:ext uri="{FF2B5EF4-FFF2-40B4-BE49-F238E27FC236}">
-                <a16:creationId xmlns:a16="http://schemas.microsoft.com/office/drawing/2014/main" id="{CA54982E-AB61-054D-362F-AE404AAD5213}"/>
-              </a:ext>
-            </a:extLst>
-          </p:cNvPr>
-          <p:cNvSpPr>
-            <a:spLocks noGrp="1"/>
-          </p:cNvSpPr>
-          <p:nvPr>
-            <p:ph idx="1"/>
-          </p:nvPr>
-        </p:nvSpPr>
-        <p:spPr/>
-        <p:txBody>
-          <a:bodyPr/>
-          <a:lstStyle/>
-          <a:p>
-            <a:r>
-              <a:rPr lang="en-IN" dirty="0"/>
-              <a:t>To create the Request module for Hotel/Orphanage user</a:t>
-            </a:r>
-          </a:p>
-          <a:p>
-            <a:r>
-              <a:rPr lang="en-IN" dirty="0"/>
-              <a:t>To create the Request Accept and Cancel process for Hotel/Orphanage</a:t>
-            </a:r>
-          </a:p>
-          <a:p>
-            <a:r>
-              <a:rPr lang="en-IN" dirty="0"/>
-              <a:t> To finish the Contact sharing between users</a:t>
-            </a:r>
-          </a:p>
-          <a:p>
-            <a:r>
-              <a:rPr lang="en-IN" dirty="0"/>
-              <a:t>To make Request not visible to other hotels when a request is Accepted by a hotel</a:t>
-            </a:r>
-          </a:p>
-          <a:p>
-            <a:r>
-              <a:rPr lang="en-IN" dirty="0"/>
-              <a:t>To make Request still visible to other hotels when one hotel cancelled the request</a:t>
+              <a:t>Guide PPT Approval</a:t>
             </a:r>
           </a:p>
         </p:txBody>
@@ -4011,644 +4033,7 @@
     </p:spTree>
     <p:extLst>
       <p:ext uri="{BB962C8B-B14F-4D97-AF65-F5344CB8AC3E}">
-        <p14:creationId xmlns:p14="http://schemas.microsoft.com/office/powerpoint/2010/main" val="2763129124"/>
-      </p:ext>
-    </p:extLst>
-  </p:cSld>
-  <p:clrMapOvr>
-    <a:masterClrMapping/>
-  </p:clrMapOvr>
-</p:sld>
-</file>
-
-<file path=ppt/slides/slide13.xml><?xml version="1.0" encoding="utf-8"?>
-<p:sld xmlns:a="http://schemas.openxmlformats.org/drawingml/2006/main" xmlns:r="http://schemas.openxmlformats.org/officeDocument/2006/relationships" xmlns:p="http://schemas.openxmlformats.org/presentationml/2006/main">
-  <p:cSld>
-    <p:bg>
-      <p:bgPr>
-        <a:gradFill>
-          <a:gsLst>
-            <a:gs pos="0">
-              <a:schemeClr val="accent1">
-                <a:lumMod val="5000"/>
-                <a:lumOff val="95000"/>
-              </a:schemeClr>
-            </a:gs>
-            <a:gs pos="69000">
-              <a:schemeClr val="accent1">
-                <a:lumMod val="45000"/>
-                <a:lumOff val="55000"/>
-              </a:schemeClr>
-            </a:gs>
-            <a:gs pos="85000">
-              <a:schemeClr val="accent1">
-                <a:lumMod val="45000"/>
-                <a:lumOff val="55000"/>
-              </a:schemeClr>
-            </a:gs>
-            <a:gs pos="100000">
-              <a:schemeClr val="accent1">
-                <a:lumMod val="30000"/>
-                <a:lumOff val="70000"/>
-              </a:schemeClr>
-            </a:gs>
-          </a:gsLst>
-          <a:lin ang="5400000" scaled="1"/>
-        </a:gradFill>
-        <a:effectLst/>
-      </p:bgPr>
-    </p:bg>
-    <p:spTree>
-      <p:nvGrpSpPr>
-        <p:cNvPr id="1" name=""/>
-        <p:cNvGrpSpPr/>
-        <p:nvPr/>
-      </p:nvGrpSpPr>
-      <p:grpSpPr>
-        <a:xfrm>
-          <a:off x="0" y="0"/>
-          <a:ext cx="0" cy="0"/>
-          <a:chOff x="0" y="0"/>
-          <a:chExt cx="0" cy="0"/>
-        </a:xfrm>
-      </p:grpSpPr>
-      <p:sp>
-        <p:nvSpPr>
-          <p:cNvPr id="2" name="Title 1">
-            <a:extLst>
-              <a:ext uri="{FF2B5EF4-FFF2-40B4-BE49-F238E27FC236}">
-                <a16:creationId xmlns:a16="http://schemas.microsoft.com/office/drawing/2014/main" id="{1E047D2B-3E3F-BEEC-0F7E-AA00B36CB248}"/>
-              </a:ext>
-            </a:extLst>
-          </p:cNvPr>
-          <p:cNvSpPr>
-            <a:spLocks noGrp="1"/>
-          </p:cNvSpPr>
-          <p:nvPr>
-            <p:ph type="title"/>
-          </p:nvPr>
-        </p:nvSpPr>
-        <p:spPr>
-          <a:xfrm>
-            <a:off x="1136779" y="2679117"/>
-            <a:ext cx="9882674" cy="1325563"/>
-          </a:xfrm>
-        </p:spPr>
-        <p:txBody>
-          <a:bodyPr>
-            <a:normAutofit/>
-          </a:bodyPr>
-          <a:lstStyle/>
-          <a:p>
-            <a:r>
-              <a:rPr lang="en-IN" sz="4800" b="1" dirty="0">
-                <a:solidFill>
-                  <a:srgbClr val="002060"/>
-                </a:solidFill>
-              </a:rPr>
-              <a:t>Thank You</a:t>
-            </a:r>
-          </a:p>
-        </p:txBody>
-      </p:sp>
-    </p:spTree>
-    <p:extLst>
-      <p:ext uri="{BB962C8B-B14F-4D97-AF65-F5344CB8AC3E}">
-        <p14:creationId xmlns:p14="http://schemas.microsoft.com/office/powerpoint/2010/main" val="866735357"/>
-      </p:ext>
-    </p:extLst>
-  </p:cSld>
-  <p:clrMapOvr>
-    <a:masterClrMapping/>
-  </p:clrMapOvr>
-</p:sld>
-</file>
-
-<file path=ppt/slides/slide14.xml><?xml version="1.0" encoding="utf-8"?>
-<p:sld xmlns:a="http://schemas.openxmlformats.org/drawingml/2006/main" xmlns:r="http://schemas.openxmlformats.org/officeDocument/2006/relationships" xmlns:p="http://schemas.openxmlformats.org/presentationml/2006/main">
-  <p:cSld>
-    <p:spTree>
-      <p:nvGrpSpPr>
-        <p:cNvPr id="1" name=""/>
-        <p:cNvGrpSpPr/>
-        <p:nvPr/>
-      </p:nvGrpSpPr>
-      <p:grpSpPr>
-        <a:xfrm>
-          <a:off x="0" y="0"/>
-          <a:ext cx="0" cy="0"/>
-          <a:chOff x="0" y="0"/>
-          <a:chExt cx="0" cy="0"/>
-        </a:xfrm>
-      </p:grpSpPr>
-    </p:spTree>
-    <p:extLst>
-      <p:ext uri="{BB962C8B-B14F-4D97-AF65-F5344CB8AC3E}">
-        <p14:creationId xmlns:p14="http://schemas.microsoft.com/office/powerpoint/2010/main" val="2698627393"/>
-      </p:ext>
-    </p:extLst>
-  </p:cSld>
-  <p:clrMapOvr>
-    <a:masterClrMapping/>
-  </p:clrMapOvr>
-</p:sld>
-</file>
-
-<file path=ppt/slides/slide15.xml><?xml version="1.0" encoding="utf-8"?>
-<p:sld xmlns:a="http://schemas.openxmlformats.org/drawingml/2006/main" xmlns:r="http://schemas.openxmlformats.org/officeDocument/2006/relationships" xmlns:p="http://schemas.openxmlformats.org/presentationml/2006/main">
-  <p:cSld>
-    <p:spTree>
-      <p:nvGrpSpPr>
-        <p:cNvPr id="1" name=""/>
-        <p:cNvGrpSpPr/>
-        <p:nvPr/>
-      </p:nvGrpSpPr>
-      <p:grpSpPr>
-        <a:xfrm>
-          <a:off x="0" y="0"/>
-          <a:ext cx="0" cy="0"/>
-          <a:chOff x="0" y="0"/>
-          <a:chExt cx="0" cy="0"/>
-        </a:xfrm>
-      </p:grpSpPr>
-      <p:sp>
-        <p:nvSpPr>
-          <p:cNvPr id="2" name="TextBox 1">
-            <a:extLst>
-              <a:ext uri="{FF2B5EF4-FFF2-40B4-BE49-F238E27FC236}">
-                <a16:creationId xmlns:a16="http://schemas.microsoft.com/office/drawing/2014/main" id="{D123D7EB-E419-5142-92DF-836A783E841A}"/>
-              </a:ext>
-            </a:extLst>
-          </p:cNvPr>
-          <p:cNvSpPr txBox="1"/>
-          <p:nvPr/>
-        </p:nvSpPr>
-        <p:spPr>
-          <a:xfrm>
-            <a:off x="1660849" y="1324947"/>
-            <a:ext cx="8201608" cy="5078313"/>
-          </a:xfrm>
-          <a:prstGeom prst="rect">
-            <a:avLst/>
-          </a:prstGeom>
-          <a:noFill/>
-        </p:spPr>
-        <p:txBody>
-          <a:bodyPr wrap="square" rtlCol="0">
-            <a:spAutoFit/>
-          </a:bodyPr>
-          <a:lstStyle/>
-          <a:p>
-            <a:pPr marL="342900" indent="-342900">
-              <a:buAutoNum type="arabicPeriod"/>
-            </a:pPr>
-            <a:r>
-              <a:rPr lang="en-IN" dirty="0"/>
-              <a:t>Title of the Project: FOOD BRIDGE - </a:t>
-            </a:r>
-            <a:r>
-              <a:rPr lang="en-US" dirty="0"/>
-              <a:t>Bridging The Gap Between Food Sources And People In Need</a:t>
-            </a:r>
-            <a:endParaRPr lang="en-IN" dirty="0"/>
-          </a:p>
-          <a:p>
-            <a:pPr marL="342900" indent="-342900">
-              <a:buAutoNum type="arabicPeriod"/>
-            </a:pPr>
-            <a:endParaRPr lang="en-IN" dirty="0"/>
-          </a:p>
-          <a:p>
-            <a:pPr marL="342900" indent="-342900">
-              <a:buAutoNum type="arabicPeriod"/>
-            </a:pPr>
-            <a:r>
-              <a:rPr lang="en-IN" dirty="0"/>
-              <a:t>Problem Definition / Abstract</a:t>
-            </a:r>
-          </a:p>
-          <a:p>
-            <a:pPr marL="342900" indent="-342900">
-              <a:buAutoNum type="arabicPeriod"/>
-            </a:pPr>
-            <a:endParaRPr lang="en-IN" dirty="0"/>
-          </a:p>
-          <a:p>
-            <a:pPr marL="342900" indent="-342900">
-              <a:buAutoNum type="arabicPeriod"/>
-            </a:pPr>
-            <a:r>
-              <a:rPr lang="en-IN" dirty="0"/>
-              <a:t>Related Work / Existing System</a:t>
-            </a:r>
-          </a:p>
-          <a:p>
-            <a:pPr marL="342900" indent="-342900">
-              <a:buAutoNum type="arabicPeriod"/>
-            </a:pPr>
-            <a:endParaRPr lang="en-IN" dirty="0"/>
-          </a:p>
-          <a:p>
-            <a:pPr marL="342900" indent="-342900">
-              <a:buAutoNum type="arabicPeriod"/>
-            </a:pPr>
-            <a:r>
-              <a:rPr lang="en-IN" dirty="0"/>
-              <a:t>Objectives and Scope of the proposal</a:t>
-            </a:r>
-          </a:p>
-          <a:p>
-            <a:pPr marL="342900" indent="-342900">
-              <a:buAutoNum type="arabicPeriod"/>
-            </a:pPr>
-            <a:endParaRPr lang="en-IN" dirty="0"/>
-          </a:p>
-          <a:p>
-            <a:pPr marL="342900" indent="-342900">
-              <a:buAutoNum type="arabicPeriod"/>
-            </a:pPr>
-            <a:r>
-              <a:rPr lang="en-IN" dirty="0"/>
-              <a:t>Block Diagram</a:t>
-            </a:r>
-          </a:p>
-          <a:p>
-            <a:pPr marL="342900" indent="-342900">
-              <a:buAutoNum type="arabicPeriod"/>
-            </a:pPr>
-            <a:endParaRPr lang="en-IN" dirty="0"/>
-          </a:p>
-          <a:p>
-            <a:pPr marL="342900" indent="-342900">
-              <a:buAutoNum type="arabicPeriod"/>
-            </a:pPr>
-            <a:r>
-              <a:rPr lang="en-IN" dirty="0"/>
-              <a:t>Algorithm / Technique Proposed or Solution methodology</a:t>
-            </a:r>
-          </a:p>
-          <a:p>
-            <a:pPr marL="342900" indent="-342900">
-              <a:buAutoNum type="arabicPeriod"/>
-            </a:pPr>
-            <a:endParaRPr lang="en-IN" dirty="0"/>
-          </a:p>
-          <a:p>
-            <a:pPr marL="342900" indent="-342900">
-              <a:buAutoNum type="arabicPeriod"/>
-            </a:pPr>
-            <a:r>
-              <a:rPr lang="en-IN" dirty="0"/>
-              <a:t>Analysis and Design</a:t>
-            </a:r>
-          </a:p>
-          <a:p>
-            <a:r>
-              <a:rPr lang="en-IN" dirty="0"/>
-              <a:t>	Hardware:</a:t>
-            </a:r>
-          </a:p>
-          <a:p>
-            <a:r>
-              <a:rPr lang="en-IN" dirty="0"/>
-              <a:t>	Software:</a:t>
-            </a:r>
-          </a:p>
-          <a:p>
-            <a:r>
-              <a:rPr lang="en-IN" dirty="0"/>
-              <a:t>	UML Diagram and ER diagram</a:t>
-            </a:r>
-          </a:p>
-          <a:p>
-            <a:r>
-              <a:rPr lang="en-IN" dirty="0"/>
-              <a:t>	Database Table design</a:t>
-            </a:r>
-          </a:p>
-        </p:txBody>
-      </p:sp>
-    </p:spTree>
-    <p:extLst>
-      <p:ext uri="{BB962C8B-B14F-4D97-AF65-F5344CB8AC3E}">
-        <p14:creationId xmlns:p14="http://schemas.microsoft.com/office/powerpoint/2010/main" val="1594646699"/>
-      </p:ext>
-    </p:extLst>
-  </p:cSld>
-  <p:clrMapOvr>
-    <a:masterClrMapping/>
-  </p:clrMapOvr>
-</p:sld>
-</file>
-
-<file path=ppt/slides/slide16.xml><?xml version="1.0" encoding="utf-8"?>
-<p:sld xmlns:a="http://schemas.openxmlformats.org/drawingml/2006/main" xmlns:r="http://schemas.openxmlformats.org/officeDocument/2006/relationships" xmlns:p="http://schemas.openxmlformats.org/presentationml/2006/main">
-  <p:cSld>
-    <p:spTree>
-      <p:nvGrpSpPr>
-        <p:cNvPr id="1" name=""/>
-        <p:cNvGrpSpPr/>
-        <p:nvPr/>
-      </p:nvGrpSpPr>
-      <p:grpSpPr>
-        <a:xfrm>
-          <a:off x="0" y="0"/>
-          <a:ext cx="0" cy="0"/>
-          <a:chOff x="0" y="0"/>
-          <a:chExt cx="0" cy="0"/>
-        </a:xfrm>
-      </p:grpSpPr>
-      <p:sp>
-        <p:nvSpPr>
-          <p:cNvPr id="2" name="TextBox 1">
-            <a:extLst>
-              <a:ext uri="{FF2B5EF4-FFF2-40B4-BE49-F238E27FC236}">
-                <a16:creationId xmlns:a16="http://schemas.microsoft.com/office/drawing/2014/main" id="{B174D76A-A617-BA10-E015-7DC9CB3C53CA}"/>
-              </a:ext>
-            </a:extLst>
-          </p:cNvPr>
-          <p:cNvSpPr txBox="1"/>
-          <p:nvPr/>
-        </p:nvSpPr>
-        <p:spPr>
-          <a:xfrm>
-            <a:off x="1212980" y="1026367"/>
-            <a:ext cx="9834465" cy="2585323"/>
-          </a:xfrm>
-          <a:prstGeom prst="rect">
-            <a:avLst/>
-          </a:prstGeom>
-          <a:noFill/>
-        </p:spPr>
-        <p:txBody>
-          <a:bodyPr wrap="square" rtlCol="0">
-            <a:spAutoFit/>
-          </a:bodyPr>
-          <a:lstStyle/>
-          <a:p>
-            <a:r>
-              <a:rPr lang="en-IN" dirty="0"/>
-              <a:t>8. Work Plan</a:t>
-            </a:r>
-          </a:p>
-          <a:p>
-            <a:endParaRPr lang="en-IN" dirty="0"/>
-          </a:p>
-          <a:p>
-            <a:r>
-              <a:rPr lang="en-IN" dirty="0"/>
-              <a:t>9. Work done so far</a:t>
-            </a:r>
-          </a:p>
-          <a:p>
-            <a:endParaRPr lang="en-IN" dirty="0"/>
-          </a:p>
-          <a:p>
-            <a:r>
-              <a:rPr lang="en-IN" dirty="0"/>
-              <a:t>10. Work to be done</a:t>
-            </a:r>
-          </a:p>
-          <a:p>
-            <a:endParaRPr lang="en-IN" dirty="0"/>
-          </a:p>
-          <a:p>
-            <a:r>
-              <a:rPr lang="en-IN" dirty="0"/>
-              <a:t>11. Time schedule</a:t>
-            </a:r>
-          </a:p>
-          <a:p>
-            <a:endParaRPr lang="en-IN" dirty="0"/>
-          </a:p>
-          <a:p>
-            <a:r>
-              <a:rPr lang="en-IN" dirty="0"/>
-              <a:t>12. Reference</a:t>
-            </a:r>
-          </a:p>
-        </p:txBody>
-      </p:sp>
-    </p:spTree>
-    <p:extLst>
-      <p:ext uri="{BB962C8B-B14F-4D97-AF65-F5344CB8AC3E}">
-        <p14:creationId xmlns:p14="http://schemas.microsoft.com/office/powerpoint/2010/main" val="2303954010"/>
-      </p:ext>
-    </p:extLst>
-  </p:cSld>
-  <p:clrMapOvr>
-    <a:masterClrMapping/>
-  </p:clrMapOvr>
-</p:sld>
-</file>
-
-<file path=ppt/slides/slide2.xml><?xml version="1.0" encoding="utf-8"?>
-<p:sld xmlns:a="http://schemas.openxmlformats.org/drawingml/2006/main" xmlns:r="http://schemas.openxmlformats.org/officeDocument/2006/relationships" xmlns:p="http://schemas.openxmlformats.org/presentationml/2006/main">
-  <p:cSld>
-    <p:bg>
-      <p:bgPr>
-        <a:gradFill flip="none" rotWithShape="1">
-          <a:gsLst>
-            <a:gs pos="0">
-              <a:schemeClr val="accent1">
-                <a:lumMod val="5000"/>
-                <a:lumOff val="95000"/>
-              </a:schemeClr>
-            </a:gs>
-            <a:gs pos="86000">
-              <a:schemeClr val="accent1">
-                <a:lumMod val="45000"/>
-                <a:lumOff val="55000"/>
-              </a:schemeClr>
-            </a:gs>
-            <a:gs pos="94000">
-              <a:schemeClr val="accent1">
-                <a:lumMod val="45000"/>
-                <a:lumOff val="55000"/>
-              </a:schemeClr>
-            </a:gs>
-            <a:gs pos="100000">
-              <a:schemeClr val="accent1">
-                <a:lumMod val="30000"/>
-                <a:lumOff val="70000"/>
-              </a:schemeClr>
-            </a:gs>
-          </a:gsLst>
-          <a:lin ang="5400000" scaled="1"/>
-          <a:tileRect/>
-        </a:gradFill>
-        <a:effectLst/>
-      </p:bgPr>
-    </p:bg>
-    <p:spTree>
-      <p:nvGrpSpPr>
-        <p:cNvPr id="1" name=""/>
-        <p:cNvGrpSpPr/>
-        <p:nvPr/>
-      </p:nvGrpSpPr>
-      <p:grpSpPr>
-        <a:xfrm>
-          <a:off x="0" y="0"/>
-          <a:ext cx="0" cy="0"/>
-          <a:chOff x="0" y="0"/>
-          <a:chExt cx="0" cy="0"/>
-        </a:xfrm>
-      </p:grpSpPr>
-      <p:pic>
-        <p:nvPicPr>
-          <p:cNvPr id="5" name="Picture 4">
-            <a:extLst>
-              <a:ext uri="{FF2B5EF4-FFF2-40B4-BE49-F238E27FC236}">
-                <a16:creationId xmlns:a16="http://schemas.microsoft.com/office/drawing/2014/main" id="{9EAFA791-EA4B-AE3E-C853-E15D9371B283}"/>
-              </a:ext>
-            </a:extLst>
-          </p:cNvPr>
-          <p:cNvPicPr>
-            <a:picLocks noChangeAspect="1"/>
-          </p:cNvPicPr>
-          <p:nvPr/>
-        </p:nvPicPr>
-        <p:blipFill rotWithShape="1">
-          <a:blip r:embed="rId2">
-            <a:extLst>
-              <a:ext uri="{28A0092B-C50C-407E-A947-70E740481C1C}">
-                <a14:useLocalDpi xmlns:a14="http://schemas.microsoft.com/office/drawing/2010/main" val="0"/>
-              </a:ext>
-            </a:extLst>
-          </a:blip>
-          <a:srcRect l="-399" r="242" b="8659"/>
-          <a:stretch/>
-        </p:blipFill>
-        <p:spPr>
-          <a:xfrm>
-            <a:off x="2248678" y="1089524"/>
-            <a:ext cx="6811346" cy="5072952"/>
-          </a:xfrm>
-          <a:prstGeom prst="rect">
-            <a:avLst/>
-          </a:prstGeom>
-        </p:spPr>
-      </p:pic>
-      <p:sp>
-        <p:nvSpPr>
-          <p:cNvPr id="2" name="Title 1">
-            <a:extLst>
-              <a:ext uri="{FF2B5EF4-FFF2-40B4-BE49-F238E27FC236}">
-                <a16:creationId xmlns:a16="http://schemas.microsoft.com/office/drawing/2014/main" id="{C8224271-FE33-4DE8-9E7B-2471D6188043}"/>
-              </a:ext>
-            </a:extLst>
-          </p:cNvPr>
-          <p:cNvSpPr>
-            <a:spLocks noGrp="1"/>
-          </p:cNvSpPr>
-          <p:nvPr>
-            <p:ph type="title"/>
-          </p:nvPr>
-        </p:nvSpPr>
-        <p:spPr/>
-        <p:txBody>
-          <a:bodyPr/>
-          <a:lstStyle/>
-          <a:p>
-            <a:r>
-              <a:rPr lang="en-IN" dirty="0">
-                <a:solidFill>
-                  <a:srgbClr val="002060"/>
-                </a:solidFill>
-                <a:latin typeface="+mn-lt"/>
-              </a:rPr>
-              <a:t>FOOD BRIDGE - </a:t>
-            </a:r>
-            <a:r>
-              <a:rPr lang="en-US" dirty="0">
-                <a:solidFill>
-                  <a:srgbClr val="002060"/>
-                </a:solidFill>
-                <a:latin typeface="+mn-lt"/>
-              </a:rPr>
-              <a:t>Bridging The Gap Between Food Sources And People In Need</a:t>
-            </a:r>
-            <a:endParaRPr lang="en-IN" dirty="0">
-              <a:solidFill>
-                <a:srgbClr val="002060"/>
-              </a:solidFill>
-              <a:latin typeface="+mn-lt"/>
-            </a:endParaRPr>
-          </a:p>
-        </p:txBody>
-      </p:sp>
-      <p:sp>
-        <p:nvSpPr>
-          <p:cNvPr id="3" name="Content Placeholder 2">
-            <a:extLst>
-              <a:ext uri="{FF2B5EF4-FFF2-40B4-BE49-F238E27FC236}">
-                <a16:creationId xmlns:a16="http://schemas.microsoft.com/office/drawing/2014/main" id="{729B9D56-B68A-0500-3220-98759D2B09DA}"/>
-              </a:ext>
-            </a:extLst>
-          </p:cNvPr>
-          <p:cNvSpPr>
-            <a:spLocks noGrp="1"/>
-          </p:cNvSpPr>
-          <p:nvPr>
-            <p:ph idx="1"/>
-          </p:nvPr>
-        </p:nvSpPr>
-        <p:spPr>
-          <a:xfrm>
-            <a:off x="838200" y="4621201"/>
-            <a:ext cx="8165841" cy="2186538"/>
-          </a:xfrm>
-        </p:spPr>
-        <p:txBody>
-          <a:bodyPr/>
-          <a:lstStyle/>
-          <a:p>
-            <a:pPr marL="0" indent="0">
-              <a:buNone/>
-            </a:pPr>
-            <a:r>
-              <a:rPr lang="en-IN" dirty="0"/>
-              <a:t>By</a:t>
-            </a:r>
-          </a:p>
-          <a:p>
-            <a:pPr marL="0" indent="0">
-              <a:buNone/>
-            </a:pPr>
-            <a:r>
-              <a:rPr lang="en-IN" dirty="0"/>
-              <a:t>Sriram V (2231MCA0011)</a:t>
-            </a:r>
-          </a:p>
-          <a:p>
-            <a:pPr marL="0" indent="0">
-              <a:buNone/>
-            </a:pPr>
-            <a:endParaRPr lang="en-IN" dirty="0"/>
-          </a:p>
-          <a:p>
-            <a:pPr marL="0" indent="0">
-              <a:buNone/>
-            </a:pPr>
-            <a:r>
-              <a:rPr lang="en-IN" dirty="0"/>
-              <a:t>Guide Name: </a:t>
-            </a:r>
-            <a:r>
-              <a:rPr lang="en-IN" dirty="0" err="1"/>
-              <a:t>Dr.</a:t>
-            </a:r>
-            <a:r>
-              <a:rPr lang="en-IN" dirty="0"/>
-              <a:t> Geetha P (Associate Professor, IST)</a:t>
-            </a:r>
-          </a:p>
-        </p:txBody>
-      </p:sp>
-    </p:spTree>
-    <p:extLst>
-      <p:ext uri="{BB962C8B-B14F-4D97-AF65-F5344CB8AC3E}">
-        <p14:creationId xmlns:p14="http://schemas.microsoft.com/office/powerpoint/2010/main" val="3861379335"/>
+        <p14:creationId xmlns:p14="http://schemas.microsoft.com/office/powerpoint/2010/main" val="3433909"/>
       </p:ext>
     </p:extLst>
   </p:cSld>
@@ -4757,14 +4142,183 @@
             <p:ph idx="1"/>
           </p:nvPr>
         </p:nvSpPr>
-        <p:spPr/>
-        <p:txBody>
-          <a:bodyPr/>
-          <a:lstStyle/>
-          <a:p>
-            <a:r>
-              <a:rPr lang="en-IN" dirty="0"/>
-              <a:t>--abstract--</a:t>
+        <p:spPr>
+          <a:xfrm>
+            <a:off x="838200" y="1478943"/>
+            <a:ext cx="10515600" cy="4698020"/>
+          </a:xfrm>
+        </p:spPr>
+        <p:txBody>
+          <a:bodyPr>
+            <a:normAutofit fontScale="92500" lnSpcReduction="10000"/>
+          </a:bodyPr>
+          <a:lstStyle/>
+          <a:p>
+            <a:pPr marL="0" marR="0">
+              <a:lnSpc>
+                <a:spcPct val="107000"/>
+              </a:lnSpc>
+              <a:spcBef>
+                <a:spcPts val="0"/>
+              </a:spcBef>
+              <a:spcAft>
+                <a:spcPts val="800"/>
+              </a:spcAft>
+            </a:pPr>
+            <a:r>
+              <a:rPr lang="en-IN" sz="1800" kern="100" dirty="0">
+                <a:effectLst/>
+                <a:latin typeface="Calibri" panose="020F0502020204030204" pitchFamily="34" charset="0"/>
+                <a:ea typeface="Calibri" panose="020F0502020204030204" pitchFamily="34" charset="0"/>
+                <a:cs typeface="Times New Roman" panose="02020603050405020304" pitchFamily="18" charset="0"/>
+              </a:rPr>
+              <a:t>Food Bridge addresses the critical issue of food waste and hunger by facilitating a seamless connection between hotels with excess food and nearby orphanages in need. This project introduces a web application that acts as a communication bridge, sending real-time alerts to orphanages and other relevant organizations about available surplus food at hotels.</a:t>
+            </a:r>
+          </a:p>
+          <a:p>
+            <a:pPr marL="0" marR="0" indent="0">
+              <a:lnSpc>
+                <a:spcPct val="107000"/>
+              </a:lnSpc>
+              <a:spcBef>
+                <a:spcPts val="200"/>
+              </a:spcBef>
+              <a:spcAft>
+                <a:spcPts val="0"/>
+              </a:spcAft>
+              <a:buNone/>
+            </a:pPr>
+            <a:r>
+              <a:rPr lang="en-IN" sz="1800" b="1" kern="100" dirty="0">
+                <a:solidFill>
+                  <a:srgbClr val="2F5496"/>
+                </a:solidFill>
+                <a:effectLst/>
+                <a:latin typeface="Calibri Light" panose="020F0302020204030204" pitchFamily="34" charset="0"/>
+                <a:ea typeface="Times New Roman" panose="02020603050405020304" pitchFamily="18" charset="0"/>
+                <a:cs typeface="Times New Roman" panose="02020603050405020304" pitchFamily="18" charset="0"/>
+              </a:rPr>
+              <a:t>Motivation:</a:t>
+            </a:r>
+          </a:p>
+          <a:p>
+            <a:pPr marL="0" marR="0">
+              <a:lnSpc>
+                <a:spcPct val="107000"/>
+              </a:lnSpc>
+              <a:spcBef>
+                <a:spcPts val="0"/>
+              </a:spcBef>
+              <a:spcAft>
+                <a:spcPts val="800"/>
+              </a:spcAft>
+            </a:pPr>
+            <a:r>
+              <a:rPr lang="en-IN" sz="1800" kern="100" dirty="0">
+                <a:effectLst/>
+                <a:latin typeface="Calibri" panose="020F0502020204030204" pitchFamily="34" charset="0"/>
+                <a:ea typeface="Calibri" panose="020F0502020204030204" pitchFamily="34" charset="0"/>
+                <a:cs typeface="Times New Roman" panose="02020603050405020304" pitchFamily="18" charset="0"/>
+              </a:rPr>
+              <a:t>Millions of tons of edible food are discarded annually by hotels, while many individuals and organizations struggle with food insecurity. Food Bridge aims to bridge this gap by creating a sustainable and efficient system for food redistribution.</a:t>
+            </a:r>
+          </a:p>
+          <a:p>
+            <a:pPr marL="0" marR="0" indent="0">
+              <a:lnSpc>
+                <a:spcPct val="107000"/>
+              </a:lnSpc>
+              <a:spcBef>
+                <a:spcPts val="200"/>
+              </a:spcBef>
+              <a:spcAft>
+                <a:spcPts val="0"/>
+              </a:spcAft>
+              <a:buNone/>
+            </a:pPr>
+            <a:r>
+              <a:rPr lang="en-IN" sz="1800" b="1" kern="100" dirty="0">
+                <a:solidFill>
+                  <a:srgbClr val="2F5496"/>
+                </a:solidFill>
+                <a:effectLst/>
+                <a:latin typeface="Calibri Light" panose="020F0302020204030204" pitchFamily="34" charset="0"/>
+                <a:ea typeface="Times New Roman" panose="02020603050405020304" pitchFamily="18" charset="0"/>
+                <a:cs typeface="Times New Roman" panose="02020603050405020304" pitchFamily="18" charset="0"/>
+              </a:rPr>
+              <a:t>Methodology:</a:t>
+            </a:r>
+          </a:p>
+          <a:p>
+            <a:pPr marL="342900" marR="0" lvl="0" indent="-342900">
+              <a:lnSpc>
+                <a:spcPct val="107000"/>
+              </a:lnSpc>
+              <a:spcBef>
+                <a:spcPts val="0"/>
+              </a:spcBef>
+              <a:spcAft>
+                <a:spcPts val="0"/>
+              </a:spcAft>
+              <a:buFont typeface="Symbol" panose="05050102010706020507" pitchFamily="18" charset="2"/>
+              <a:buChar char=""/>
+            </a:pPr>
+            <a:r>
+              <a:rPr lang="en-IN" sz="1800" kern="100" dirty="0">
+                <a:effectLst/>
+                <a:latin typeface="Calibri" panose="020F0502020204030204" pitchFamily="34" charset="0"/>
+                <a:ea typeface="Calibri" panose="020F0502020204030204" pitchFamily="34" charset="0"/>
+                <a:cs typeface="Times New Roman" panose="02020603050405020304" pitchFamily="18" charset="0"/>
+              </a:rPr>
+              <a:t>Web application development: Food Bridge offers a user-friendly interface for both hotels and orphanages to register and manage their needs.</a:t>
+            </a:r>
+          </a:p>
+          <a:p>
+            <a:pPr marL="342900" marR="0" lvl="0" indent="-342900">
+              <a:lnSpc>
+                <a:spcPct val="107000"/>
+              </a:lnSpc>
+              <a:spcBef>
+                <a:spcPts val="0"/>
+              </a:spcBef>
+              <a:spcAft>
+                <a:spcPts val="0"/>
+              </a:spcAft>
+              <a:buFont typeface="Symbol" panose="05050102010706020507" pitchFamily="18" charset="2"/>
+              <a:buChar char=""/>
+            </a:pPr>
+            <a:r>
+              <a:rPr lang="en-IN" sz="1800" kern="100" dirty="0">
+                <a:effectLst/>
+                <a:latin typeface="Calibri" panose="020F0502020204030204" pitchFamily="34" charset="0"/>
+                <a:ea typeface="Calibri" panose="020F0502020204030204" pitchFamily="34" charset="0"/>
+                <a:cs typeface="Times New Roman" panose="02020603050405020304" pitchFamily="18" charset="0"/>
+              </a:rPr>
+              <a:t>Real-time notification system: Hotels can post alerts about available surplus food, specifying type, quantity, and pickup time. Orphanages and other authorized recipients receive instant notifications based on their location and preferences.</a:t>
+            </a:r>
+          </a:p>
+          <a:p>
+            <a:pPr marL="342900" marR="0" lvl="0" indent="-342900">
+              <a:lnSpc>
+                <a:spcPct val="107000"/>
+              </a:lnSpc>
+              <a:spcBef>
+                <a:spcPts val="0"/>
+              </a:spcBef>
+              <a:spcAft>
+                <a:spcPts val="800"/>
+              </a:spcAft>
+              <a:buFont typeface="Symbol" panose="05050102010706020507" pitchFamily="18" charset="2"/>
+              <a:buChar char=""/>
+            </a:pPr>
+            <a:r>
+              <a:rPr lang="en-IN" sz="1800" kern="100" dirty="0">
+                <a:effectLst/>
+                <a:latin typeface="Calibri" panose="020F0502020204030204" pitchFamily="34" charset="0"/>
+                <a:ea typeface="Calibri" panose="020F0502020204030204" pitchFamily="34" charset="0"/>
+                <a:cs typeface="Times New Roman" panose="02020603050405020304" pitchFamily="18" charset="0"/>
+              </a:rPr>
+              <a:t>Coordination and logistics: The system facilitates communication and coordination between donors and recipients, ensuring smooth food pick-up and delivery.</a:t>
             </a:r>
           </a:p>
         </p:txBody>
@@ -4772,7 +4326,7 @@
     </p:spTree>
     <p:extLst>
       <p:ext uri="{BB962C8B-B14F-4D97-AF65-F5344CB8AC3E}">
-        <p14:creationId xmlns:p14="http://schemas.microsoft.com/office/powerpoint/2010/main" val="3433909"/>
+        <p14:creationId xmlns:p14="http://schemas.microsoft.com/office/powerpoint/2010/main" val="4200265523"/>
       </p:ext>
     </p:extLst>
   </p:cSld>
@@ -4838,7 +4392,7 @@
           <p:cNvPr id="2" name="Title 1">
             <a:extLst>
               <a:ext uri="{FF2B5EF4-FFF2-40B4-BE49-F238E27FC236}">
-                <a16:creationId xmlns:a16="http://schemas.microsoft.com/office/drawing/2014/main" id="{55E1E938-7C4B-DAD4-21CB-97ED317E0C0C}"/>
+                <a16:creationId xmlns:a16="http://schemas.microsoft.com/office/drawing/2014/main" id="{47108610-B5B5-0633-C9DE-F126FDF2A5BA}"/>
               </a:ext>
             </a:extLst>
           </p:cNvPr>
@@ -4860,7 +4414,7 @@
                   <a:srgbClr val="002060"/>
                 </a:solidFill>
               </a:rPr>
-              <a:t>Objectives and Scope of the Project</a:t>
+              <a:t>Abstract</a:t>
             </a:r>
           </a:p>
         </p:txBody>
@@ -4870,7 +4424,7 @@
           <p:cNvPr id="3" name="Content Placeholder 2">
             <a:extLst>
               <a:ext uri="{FF2B5EF4-FFF2-40B4-BE49-F238E27FC236}">
-                <a16:creationId xmlns:a16="http://schemas.microsoft.com/office/drawing/2014/main" id="{7CCD58A4-F4E1-8B86-0E00-F4C4A7584A0C}"/>
+                <a16:creationId xmlns:a16="http://schemas.microsoft.com/office/drawing/2014/main" id="{1B9BAFAC-F35B-9E32-A33E-DAC189BC2CBA}"/>
               </a:ext>
             </a:extLst>
           </p:cNvPr>
@@ -4881,22 +4435,159 @@
             <p:ph idx="1"/>
           </p:nvPr>
         </p:nvSpPr>
-        <p:spPr/>
-        <p:txBody>
-          <a:bodyPr/>
-          <a:lstStyle/>
-          <a:p>
-            <a:r>
-              <a:rPr lang="en-IN" dirty="0"/>
-              <a:t>--Content--</a:t>
-            </a:r>
+        <p:spPr>
+          <a:xfrm>
+            <a:off x="838200" y="1606163"/>
+            <a:ext cx="10515600" cy="4602605"/>
+          </a:xfrm>
+        </p:spPr>
+        <p:txBody>
+          <a:bodyPr>
+            <a:normAutofit/>
+          </a:bodyPr>
+          <a:lstStyle/>
+          <a:p>
+            <a:pPr marL="0" marR="0" indent="0">
+              <a:lnSpc>
+                <a:spcPct val="107000"/>
+              </a:lnSpc>
+              <a:spcBef>
+                <a:spcPts val="200"/>
+              </a:spcBef>
+              <a:spcAft>
+                <a:spcPts val="0"/>
+              </a:spcAft>
+              <a:buNone/>
+            </a:pPr>
+            <a:r>
+              <a:rPr lang="en-IN" sz="1800" b="1" kern="100" dirty="0">
+                <a:solidFill>
+                  <a:srgbClr val="2F5496"/>
+                </a:solidFill>
+                <a:effectLst/>
+                <a:latin typeface="Calibri Light" panose="020F0302020204030204" pitchFamily="34" charset="0"/>
+                <a:ea typeface="Times New Roman" panose="02020603050405020304" pitchFamily="18" charset="0"/>
+                <a:cs typeface="Times New Roman" panose="02020603050405020304" pitchFamily="18" charset="0"/>
+              </a:rPr>
+              <a:t>Expected Impact:</a:t>
+            </a:r>
+          </a:p>
+          <a:p>
+            <a:pPr marL="342900" marR="0" lvl="0" indent="-342900">
+              <a:lnSpc>
+                <a:spcPct val="107000"/>
+              </a:lnSpc>
+              <a:spcBef>
+                <a:spcPts val="0"/>
+              </a:spcBef>
+              <a:spcAft>
+                <a:spcPts val="0"/>
+              </a:spcAft>
+              <a:buFont typeface="Symbol" panose="05050102010706020507" pitchFamily="18" charset="2"/>
+              <a:buChar char=""/>
+            </a:pPr>
+            <a:r>
+              <a:rPr lang="en-IN" sz="1800" kern="100" dirty="0">
+                <a:effectLst/>
+                <a:latin typeface="Calibri" panose="020F0502020204030204" pitchFamily="34" charset="0"/>
+                <a:ea typeface="Calibri" panose="020F0502020204030204" pitchFamily="34" charset="0"/>
+                <a:cs typeface="Times New Roman" panose="02020603050405020304" pitchFamily="18" charset="0"/>
+              </a:rPr>
+              <a:t>Reduced food waste: Food Bridge diverts edible food from landfills, promoting environmental sustainability.</a:t>
+            </a:r>
+          </a:p>
+          <a:p>
+            <a:pPr marL="342900" marR="0" lvl="0" indent="-342900">
+              <a:lnSpc>
+                <a:spcPct val="107000"/>
+              </a:lnSpc>
+              <a:spcBef>
+                <a:spcPts val="0"/>
+              </a:spcBef>
+              <a:spcAft>
+                <a:spcPts val="0"/>
+              </a:spcAft>
+              <a:buFont typeface="Symbol" panose="05050102010706020507" pitchFamily="18" charset="2"/>
+              <a:buChar char=""/>
+            </a:pPr>
+            <a:r>
+              <a:rPr lang="en-IN" sz="1800" kern="100" dirty="0">
+                <a:effectLst/>
+                <a:latin typeface="Calibri" panose="020F0502020204030204" pitchFamily="34" charset="0"/>
+                <a:ea typeface="Calibri" panose="020F0502020204030204" pitchFamily="34" charset="0"/>
+                <a:cs typeface="Times New Roman" panose="02020603050405020304" pitchFamily="18" charset="0"/>
+              </a:rPr>
+              <a:t>Enhanced food security: Orphanages and other vulnerable communities gain access to nutritious meals, improving their well-being.</a:t>
+            </a:r>
+          </a:p>
+          <a:p>
+            <a:pPr marL="342900" marR="0" lvl="0" indent="-342900">
+              <a:lnSpc>
+                <a:spcPct val="107000"/>
+              </a:lnSpc>
+              <a:spcBef>
+                <a:spcPts val="0"/>
+              </a:spcBef>
+              <a:spcAft>
+                <a:spcPts val="800"/>
+              </a:spcAft>
+              <a:buFont typeface="Symbol" panose="05050102010706020507" pitchFamily="18" charset="2"/>
+              <a:buChar char=""/>
+            </a:pPr>
+            <a:r>
+              <a:rPr lang="en-IN" sz="1800" kern="100" dirty="0">
+                <a:effectLst/>
+                <a:latin typeface="Calibri" panose="020F0502020204030204" pitchFamily="34" charset="0"/>
+                <a:ea typeface="Calibri" panose="020F0502020204030204" pitchFamily="34" charset="0"/>
+                <a:cs typeface="Times New Roman" panose="02020603050405020304" pitchFamily="18" charset="0"/>
+              </a:rPr>
+              <a:t>Foster community connections: The platform facilitates collaboration and social responsibility within the community.</a:t>
+            </a:r>
+          </a:p>
+          <a:p>
+            <a:pPr marL="0" marR="0" indent="0">
+              <a:lnSpc>
+                <a:spcPct val="107000"/>
+              </a:lnSpc>
+              <a:spcBef>
+                <a:spcPts val="200"/>
+              </a:spcBef>
+              <a:spcAft>
+                <a:spcPts val="0"/>
+              </a:spcAft>
+              <a:buNone/>
+            </a:pPr>
+            <a:r>
+              <a:rPr lang="en-IN" sz="1800" b="1" kern="100" dirty="0">
+                <a:solidFill>
+                  <a:srgbClr val="2F5496"/>
+                </a:solidFill>
+                <a:effectLst/>
+                <a:latin typeface="Calibri Light" panose="020F0302020204030204" pitchFamily="34" charset="0"/>
+                <a:ea typeface="Times New Roman" panose="02020603050405020304" pitchFamily="18" charset="0"/>
+                <a:cs typeface="Times New Roman" panose="02020603050405020304" pitchFamily="18" charset="0"/>
+              </a:rPr>
+              <a:t>Conclusion:</a:t>
+            </a:r>
+          </a:p>
+          <a:p>
+            <a:r>
+              <a:rPr lang="en-IN" sz="1800" dirty="0">
+                <a:effectLst/>
+                <a:latin typeface="Calibri" panose="020F0502020204030204" pitchFamily="34" charset="0"/>
+                <a:ea typeface="Calibri" panose="020F0502020204030204" pitchFamily="34" charset="0"/>
+                <a:cs typeface="Times New Roman" panose="02020603050405020304" pitchFamily="18" charset="0"/>
+              </a:rPr>
+              <a:t>Food Bridge presents a promising solution to address food waste and hunger simultaneously. The project contributes to a more sustainable and equitable food system by connecting those with excess food to those in need.</a:t>
+            </a:r>
+            <a:endParaRPr lang="en-IN" sz="1800" dirty="0"/>
           </a:p>
         </p:txBody>
       </p:sp>
     </p:spTree>
     <p:extLst>
       <p:ext uri="{BB962C8B-B14F-4D97-AF65-F5344CB8AC3E}">
-        <p14:creationId xmlns:p14="http://schemas.microsoft.com/office/powerpoint/2010/main" val="2288316045"/>
+        <p14:creationId xmlns:p14="http://schemas.microsoft.com/office/powerpoint/2010/main" val="2316192292"/>
       </p:ext>
     </p:extLst>
   </p:cSld>
@@ -4909,6 +4600,40 @@
 <file path=ppt/slides/slide5.xml><?xml version="1.0" encoding="utf-8"?>
 <p:sld xmlns:a="http://schemas.openxmlformats.org/drawingml/2006/main" xmlns:r="http://schemas.openxmlformats.org/officeDocument/2006/relationships" xmlns:p="http://schemas.openxmlformats.org/presentationml/2006/main">
   <p:cSld>
+    <p:bg>
+      <p:bgPr>
+        <a:gradFill>
+          <a:gsLst>
+            <a:gs pos="0">
+              <a:schemeClr val="accent1">
+                <a:lumMod val="5000"/>
+                <a:lumOff val="95000"/>
+              </a:schemeClr>
+            </a:gs>
+            <a:gs pos="86000">
+              <a:schemeClr val="accent1">
+                <a:lumMod val="45000"/>
+                <a:lumOff val="55000"/>
+              </a:schemeClr>
+            </a:gs>
+            <a:gs pos="94000">
+              <a:schemeClr val="accent1">
+                <a:lumMod val="45000"/>
+                <a:lumOff val="55000"/>
+              </a:schemeClr>
+            </a:gs>
+            <a:gs pos="100000">
+              <a:schemeClr val="accent1">
+                <a:lumMod val="30000"/>
+                <a:lumOff val="70000"/>
+              </a:schemeClr>
+            </a:gs>
+          </a:gsLst>
+          <a:lin ang="5400000" scaled="1"/>
+        </a:gradFill>
+        <a:effectLst/>
+      </p:bgPr>
+    </p:bg>
     <p:spTree>
       <p:nvGrpSpPr>
         <p:cNvPr id="1" name=""/>
@@ -4928,7 +4653,7 @@
           <p:cNvPr id="2" name="Title 1">
             <a:extLst>
               <a:ext uri="{FF2B5EF4-FFF2-40B4-BE49-F238E27FC236}">
-                <a16:creationId xmlns:a16="http://schemas.microsoft.com/office/drawing/2014/main" id="{5535D8F2-AC5C-6BAA-8DCF-27C98D4400D0}"/>
+                <a16:creationId xmlns:a16="http://schemas.microsoft.com/office/drawing/2014/main" id="{55E1E938-7C4B-DAD4-21CB-97ED317E0C0C}"/>
               </a:ext>
             </a:extLst>
           </p:cNvPr>
@@ -4945,51 +4670,122 @@
           <a:lstStyle/>
           <a:p>
             <a:r>
-              <a:rPr lang="en-IN" dirty="0"/>
-              <a:t>Block Diagram</a:t>
-            </a:r>
-          </a:p>
-        </p:txBody>
-      </p:sp>
-      <p:pic>
-        <p:nvPicPr>
-          <p:cNvPr id="11" name="Content Placeholder 10" descr="A screenshot of a computer screen&#10;&#10;Description automatically generated">
-            <a:extLst>
-              <a:ext uri="{FF2B5EF4-FFF2-40B4-BE49-F238E27FC236}">
-                <a16:creationId xmlns:a16="http://schemas.microsoft.com/office/drawing/2014/main" id="{8444087F-A9FD-46BE-5DF3-821624055EC4}"/>
-              </a:ext>
-            </a:extLst>
-          </p:cNvPr>
-          <p:cNvPicPr>
-            <a:picLocks noGrp="1" noChangeAspect="1"/>
-          </p:cNvPicPr>
+              <a:rPr lang="en-IN" b="1" dirty="0">
+                <a:solidFill>
+                  <a:srgbClr val="002060"/>
+                </a:solidFill>
+              </a:rPr>
+              <a:t>Objectives and Scope of the Project</a:t>
+            </a:r>
+          </a:p>
+        </p:txBody>
+      </p:sp>
+      <p:sp>
+        <p:nvSpPr>
+          <p:cNvPr id="3" name="Content Placeholder 2">
+            <a:extLst>
+              <a:ext uri="{FF2B5EF4-FFF2-40B4-BE49-F238E27FC236}">
+                <a16:creationId xmlns:a16="http://schemas.microsoft.com/office/drawing/2014/main" id="{7CCD58A4-F4E1-8B86-0E00-F4C4A7584A0C}"/>
+              </a:ext>
+            </a:extLst>
+          </p:cNvPr>
+          <p:cNvSpPr>
+            <a:spLocks noGrp="1"/>
+          </p:cNvSpPr>
           <p:nvPr>
             <p:ph idx="1"/>
           </p:nvPr>
-        </p:nvPicPr>
-        <p:blipFill>
-          <a:blip r:embed="rId2">
-            <a:extLst>
-              <a:ext uri="{28A0092B-C50C-407E-A947-70E740481C1C}">
-                <a14:useLocalDpi xmlns:a14="http://schemas.microsoft.com/office/drawing/2010/main" val="0"/>
-              </a:ext>
-            </a:extLst>
-          </a:blip>
-          <a:stretch>
-            <a:fillRect/>
-          </a:stretch>
-        </p:blipFill>
-        <p:spPr>
-          <a:xfrm>
-            <a:off x="2090056" y="1539551"/>
-            <a:ext cx="7688425" cy="4637412"/>
-          </a:xfrm>
-        </p:spPr>
-      </p:pic>
+        </p:nvSpPr>
+        <p:spPr/>
+        <p:txBody>
+          <a:bodyPr>
+            <a:normAutofit/>
+          </a:bodyPr>
+          <a:lstStyle/>
+          <a:p>
+            <a:pPr marL="0" indent="0">
+              <a:buNone/>
+            </a:pPr>
+            <a:r>
+              <a:rPr lang="en-US" sz="2000" dirty="0"/>
+              <a:t>Based on the abstract you provided, the objectives of the Food Bridge project can be summarized as follows:</a:t>
+            </a:r>
+          </a:p>
+          <a:p>
+            <a:pPr marL="514350" indent="-514350">
+              <a:buFont typeface="+mj-lt"/>
+              <a:buAutoNum type="arabicPeriod"/>
+            </a:pPr>
+            <a:r>
+              <a:rPr lang="en-US" sz="2000" b="1" dirty="0"/>
+              <a:t>Reduce food waste:</a:t>
+            </a:r>
+            <a:r>
+              <a:rPr lang="en-US" sz="2000" dirty="0"/>
+              <a:t> Develop a system that diverts surplus edible food from hotels away from landfills.</a:t>
+            </a:r>
+          </a:p>
+          <a:p>
+            <a:pPr marL="514350" indent="-514350">
+              <a:buFont typeface="+mj-lt"/>
+              <a:buAutoNum type="arabicPeriod"/>
+            </a:pPr>
+            <a:r>
+              <a:rPr lang="en-US" sz="2000" b="1" dirty="0"/>
+              <a:t>Enhance food security:</a:t>
+            </a:r>
+            <a:r>
+              <a:rPr lang="en-US" sz="2000" dirty="0"/>
+              <a:t> Provide orphanages and other designated recipients with access to nutritious meals they might otherwise lack.</a:t>
+            </a:r>
+          </a:p>
+          <a:p>
+            <a:pPr marL="514350" indent="-514350">
+              <a:buFont typeface="+mj-lt"/>
+              <a:buAutoNum type="arabicPeriod"/>
+            </a:pPr>
+            <a:r>
+              <a:rPr lang="en-US" sz="2000" b="1" dirty="0"/>
+              <a:t>Improve efficiency and sustainability:</a:t>
+            </a:r>
+            <a:r>
+              <a:rPr lang="en-US" sz="2000" dirty="0"/>
+              <a:t> Create a streamlined process for food redistribution within the community.</a:t>
+            </a:r>
+          </a:p>
+          <a:p>
+            <a:pPr marL="514350" indent="-514350">
+              <a:buFont typeface="+mj-lt"/>
+              <a:buAutoNum type="arabicPeriod"/>
+            </a:pPr>
+            <a:r>
+              <a:rPr lang="en-US" sz="2000" b="1" dirty="0"/>
+              <a:t>Foster social responsibility:</a:t>
+            </a:r>
+            <a:r>
+              <a:rPr lang="en-US" sz="2000" dirty="0"/>
+              <a:t> Encourage collaboration between hotels and social service organizations.</a:t>
+            </a:r>
+          </a:p>
+          <a:p>
+            <a:pPr marL="0" indent="0">
+              <a:buNone/>
+            </a:pPr>
+            <a:r>
+              <a:rPr lang="en-US" sz="1800" b="1" dirty="0"/>
+              <a:t>Project Scope: </a:t>
+            </a:r>
+            <a:r>
+              <a:rPr lang="en-US" sz="2000" dirty="0"/>
+              <a:t>The scope of the Food Bridge project encompasses the development and implementation of a web application with the following functionalities:</a:t>
+            </a:r>
+          </a:p>
+        </p:txBody>
+      </p:sp>
     </p:spTree>
     <p:extLst>
       <p:ext uri="{BB962C8B-B14F-4D97-AF65-F5344CB8AC3E}">
-        <p14:creationId xmlns:p14="http://schemas.microsoft.com/office/powerpoint/2010/main" val="775143654"/>
+        <p14:creationId xmlns:p14="http://schemas.microsoft.com/office/powerpoint/2010/main" val="2288316045"/>
       </p:ext>
     </p:extLst>
   </p:cSld>
@@ -5052,615 +4848,10 @@
       </p:grpSpPr>
       <p:sp>
         <p:nvSpPr>
-          <p:cNvPr id="2" name="Oval 1">
-            <a:extLst>
-              <a:ext uri="{FF2B5EF4-FFF2-40B4-BE49-F238E27FC236}">
-                <a16:creationId xmlns:a16="http://schemas.microsoft.com/office/drawing/2014/main" id="{55A93A38-7C4F-2AB3-C471-F26F5B7B465E}"/>
-              </a:ext>
-            </a:extLst>
-          </p:cNvPr>
-          <p:cNvSpPr/>
-          <p:nvPr/>
-        </p:nvSpPr>
-        <p:spPr>
-          <a:xfrm>
-            <a:off x="5096070" y="846172"/>
-            <a:ext cx="1379376" cy="482859"/>
-          </a:xfrm>
-          <a:prstGeom prst="ellipse">
-            <a:avLst/>
-          </a:prstGeom>
-          <a:solidFill>
-            <a:schemeClr val="accent1">
-              <a:lumMod val="75000"/>
-            </a:schemeClr>
-          </a:solidFill>
-        </p:spPr>
-        <p:style>
-          <a:lnRef idx="2">
-            <a:schemeClr val="accent1">
-              <a:shade val="15000"/>
-            </a:schemeClr>
-          </a:lnRef>
-          <a:fillRef idx="1">
-            <a:schemeClr val="accent1"/>
-          </a:fillRef>
-          <a:effectRef idx="0">
-            <a:schemeClr val="accent1"/>
-          </a:effectRef>
-          <a:fontRef idx="minor">
-            <a:schemeClr val="lt1"/>
-          </a:fontRef>
-        </p:style>
-        <p:txBody>
-          <a:bodyPr rtlCol="0" anchor="ctr"/>
-          <a:lstStyle/>
-          <a:p>
-            <a:pPr algn="ctr"/>
-            <a:r>
-              <a:rPr lang="en-IN" dirty="0"/>
-              <a:t>Login</a:t>
-            </a:r>
-          </a:p>
-        </p:txBody>
-      </p:sp>
-      <p:sp>
-        <p:nvSpPr>
-          <p:cNvPr id="3" name="Rectangle 2">
-            <a:extLst>
-              <a:ext uri="{FF2B5EF4-FFF2-40B4-BE49-F238E27FC236}">
-                <a16:creationId xmlns:a16="http://schemas.microsoft.com/office/drawing/2014/main" id="{12D0345F-691F-EFC8-07A7-9CFA824725A4}"/>
-              </a:ext>
-            </a:extLst>
-          </p:cNvPr>
-          <p:cNvSpPr/>
-          <p:nvPr/>
-        </p:nvSpPr>
-        <p:spPr>
-          <a:xfrm>
-            <a:off x="1406202" y="1686557"/>
-            <a:ext cx="3056552" cy="437469"/>
-          </a:xfrm>
-          <a:prstGeom prst="rect">
-            <a:avLst/>
-          </a:prstGeom>
-          <a:solidFill>
-            <a:srgbClr val="002060"/>
-          </a:solidFill>
-        </p:spPr>
-        <p:style>
-          <a:lnRef idx="2">
-            <a:schemeClr val="accent1">
-              <a:shade val="15000"/>
-            </a:schemeClr>
-          </a:lnRef>
-          <a:fillRef idx="1">
-            <a:schemeClr val="accent1"/>
-          </a:fillRef>
-          <a:effectRef idx="0">
-            <a:schemeClr val="accent1"/>
-          </a:effectRef>
-          <a:fontRef idx="minor">
-            <a:schemeClr val="lt1"/>
-          </a:fontRef>
-        </p:style>
-        <p:txBody>
-          <a:bodyPr rtlCol="0" anchor="ctr"/>
-          <a:lstStyle/>
-          <a:p>
-            <a:pPr algn="ctr"/>
-            <a:r>
-              <a:rPr lang="en-IN" dirty="0"/>
-              <a:t>Orphanage/Home User Login</a:t>
-            </a:r>
-          </a:p>
-        </p:txBody>
-      </p:sp>
-      <p:sp>
-        <p:nvSpPr>
-          <p:cNvPr id="4" name="Rectangle 3">
-            <a:extLst>
-              <a:ext uri="{FF2B5EF4-FFF2-40B4-BE49-F238E27FC236}">
-                <a16:creationId xmlns:a16="http://schemas.microsoft.com/office/drawing/2014/main" id="{B06B5A74-D10F-8A43-E3C9-C5E1B9A2BC39}"/>
-              </a:ext>
-            </a:extLst>
-          </p:cNvPr>
-          <p:cNvSpPr/>
-          <p:nvPr/>
-        </p:nvSpPr>
-        <p:spPr>
-          <a:xfrm>
-            <a:off x="6979296" y="1691476"/>
-            <a:ext cx="2985798" cy="454118"/>
-          </a:xfrm>
-          <a:prstGeom prst="rect">
-            <a:avLst/>
-          </a:prstGeom>
-          <a:solidFill>
-            <a:srgbClr val="002060"/>
-          </a:solidFill>
-        </p:spPr>
-        <p:style>
-          <a:lnRef idx="2">
-            <a:schemeClr val="accent1">
-              <a:shade val="15000"/>
-            </a:schemeClr>
-          </a:lnRef>
-          <a:fillRef idx="1">
-            <a:schemeClr val="accent1"/>
-          </a:fillRef>
-          <a:effectRef idx="0">
-            <a:schemeClr val="accent1"/>
-          </a:effectRef>
-          <a:fontRef idx="minor">
-            <a:schemeClr val="lt1"/>
-          </a:fontRef>
-        </p:style>
-        <p:txBody>
-          <a:bodyPr rtlCol="0" anchor="ctr"/>
-          <a:lstStyle/>
-          <a:p>
-            <a:pPr algn="ctr"/>
-            <a:r>
-              <a:rPr lang="en-IN" dirty="0"/>
-              <a:t>Hotels/Restaurant User Login</a:t>
-            </a:r>
-          </a:p>
-        </p:txBody>
-      </p:sp>
-      <p:sp>
-        <p:nvSpPr>
-          <p:cNvPr id="5" name="Rectangle 4">
-            <a:extLst>
-              <a:ext uri="{FF2B5EF4-FFF2-40B4-BE49-F238E27FC236}">
-                <a16:creationId xmlns:a16="http://schemas.microsoft.com/office/drawing/2014/main" id="{73E464F0-7DB1-A5B6-25E2-05252BBAA2A5}"/>
-              </a:ext>
-            </a:extLst>
-          </p:cNvPr>
-          <p:cNvSpPr/>
-          <p:nvPr/>
-        </p:nvSpPr>
-        <p:spPr>
-          <a:xfrm>
-            <a:off x="1683399" y="2581667"/>
-            <a:ext cx="2502159" cy="600075"/>
-          </a:xfrm>
-          <a:prstGeom prst="rect">
-            <a:avLst/>
-          </a:prstGeom>
-          <a:solidFill>
-            <a:srgbClr val="0070C0"/>
-          </a:solidFill>
-        </p:spPr>
-        <p:style>
-          <a:lnRef idx="2">
-            <a:schemeClr val="accent1">
-              <a:shade val="15000"/>
-            </a:schemeClr>
-          </a:lnRef>
-          <a:fillRef idx="1">
-            <a:schemeClr val="accent1"/>
-          </a:fillRef>
-          <a:effectRef idx="0">
-            <a:schemeClr val="accent1"/>
-          </a:effectRef>
-          <a:fontRef idx="minor">
-            <a:schemeClr val="lt1"/>
-          </a:fontRef>
-        </p:style>
-        <p:txBody>
-          <a:bodyPr rtlCol="0" anchor="ctr"/>
-          <a:lstStyle/>
-          <a:p>
-            <a:pPr algn="ctr"/>
-            <a:r>
-              <a:rPr lang="en-IN" dirty="0"/>
-              <a:t>Raise new Food request</a:t>
-            </a:r>
-          </a:p>
-        </p:txBody>
-      </p:sp>
-      <p:sp>
-        <p:nvSpPr>
-          <p:cNvPr id="6" name="Rectangle 5">
-            <a:extLst>
-              <a:ext uri="{FF2B5EF4-FFF2-40B4-BE49-F238E27FC236}">
-                <a16:creationId xmlns:a16="http://schemas.microsoft.com/office/drawing/2014/main" id="{AA1836D5-79B9-57D6-168A-543BB6A6E9AE}"/>
-              </a:ext>
-            </a:extLst>
-          </p:cNvPr>
-          <p:cNvSpPr/>
-          <p:nvPr/>
-        </p:nvSpPr>
-        <p:spPr>
-          <a:xfrm>
-            <a:off x="1683399" y="3477404"/>
-            <a:ext cx="2502159" cy="600075"/>
-          </a:xfrm>
-          <a:prstGeom prst="rect">
-            <a:avLst/>
-          </a:prstGeom>
-        </p:spPr>
-        <p:style>
-          <a:lnRef idx="2">
-            <a:schemeClr val="accent1">
-              <a:shade val="15000"/>
-            </a:schemeClr>
-          </a:lnRef>
-          <a:fillRef idx="1">
-            <a:schemeClr val="accent1"/>
-          </a:fillRef>
-          <a:effectRef idx="0">
-            <a:schemeClr val="accent1"/>
-          </a:effectRef>
-          <a:fontRef idx="minor">
-            <a:schemeClr val="lt1"/>
-          </a:fontRef>
-        </p:style>
-        <p:txBody>
-          <a:bodyPr rtlCol="0" anchor="ctr"/>
-          <a:lstStyle/>
-          <a:p>
-            <a:pPr algn="ctr"/>
-            <a:r>
-              <a:rPr lang="en-IN" dirty="0"/>
-              <a:t>Request is sent to all nearby Hotels</a:t>
-            </a:r>
-          </a:p>
-        </p:txBody>
-      </p:sp>
-      <p:sp>
-        <p:nvSpPr>
-          <p:cNvPr id="7" name="Rectangle 6">
-            <a:extLst>
-              <a:ext uri="{FF2B5EF4-FFF2-40B4-BE49-F238E27FC236}">
-                <a16:creationId xmlns:a16="http://schemas.microsoft.com/office/drawing/2014/main" id="{5A68BA99-0084-7862-1F26-5E46A9178219}"/>
-              </a:ext>
-            </a:extLst>
-          </p:cNvPr>
-          <p:cNvSpPr/>
-          <p:nvPr/>
-        </p:nvSpPr>
-        <p:spPr>
-          <a:xfrm>
-            <a:off x="1683399" y="4506686"/>
-            <a:ext cx="2502159" cy="600075"/>
-          </a:xfrm>
-          <a:prstGeom prst="rect">
-            <a:avLst/>
-          </a:prstGeom>
-        </p:spPr>
-        <p:style>
-          <a:lnRef idx="2">
-            <a:schemeClr val="accent1">
-              <a:shade val="15000"/>
-            </a:schemeClr>
-          </a:lnRef>
-          <a:fillRef idx="1">
-            <a:schemeClr val="accent1"/>
-          </a:fillRef>
-          <a:effectRef idx="0">
-            <a:schemeClr val="accent1"/>
-          </a:effectRef>
-          <a:fontRef idx="minor">
-            <a:schemeClr val="lt1"/>
-          </a:fontRef>
-        </p:style>
-        <p:txBody>
-          <a:bodyPr rtlCol="0" anchor="ctr"/>
-          <a:lstStyle/>
-          <a:p>
-            <a:pPr algn="ctr"/>
-            <a:r>
-              <a:rPr lang="en-IN" dirty="0"/>
-              <a:t>Accepted Hotel’s details are shared</a:t>
-            </a:r>
-          </a:p>
-        </p:txBody>
-      </p:sp>
-      <p:sp>
-        <p:nvSpPr>
-          <p:cNvPr id="8" name="Rectangle 7">
-            <a:extLst>
-              <a:ext uri="{FF2B5EF4-FFF2-40B4-BE49-F238E27FC236}">
-                <a16:creationId xmlns:a16="http://schemas.microsoft.com/office/drawing/2014/main" id="{E1E92E16-32D4-B85B-3E84-6A17A3D98F85}"/>
-              </a:ext>
-            </a:extLst>
-          </p:cNvPr>
-          <p:cNvSpPr/>
-          <p:nvPr/>
-        </p:nvSpPr>
-        <p:spPr>
-          <a:xfrm>
-            <a:off x="1683399" y="5402423"/>
-            <a:ext cx="2502159" cy="600075"/>
-          </a:xfrm>
-          <a:prstGeom prst="rect">
-            <a:avLst/>
-          </a:prstGeom>
-        </p:spPr>
-        <p:style>
-          <a:lnRef idx="2">
-            <a:schemeClr val="accent1">
-              <a:shade val="15000"/>
-            </a:schemeClr>
-          </a:lnRef>
-          <a:fillRef idx="1">
-            <a:schemeClr val="accent1"/>
-          </a:fillRef>
-          <a:effectRef idx="0">
-            <a:schemeClr val="accent1"/>
-          </a:effectRef>
-          <a:fontRef idx="minor">
-            <a:schemeClr val="lt1"/>
-          </a:fontRef>
-        </p:style>
-        <p:txBody>
-          <a:bodyPr rtlCol="0" anchor="ctr"/>
-          <a:lstStyle/>
-          <a:p>
-            <a:pPr algn="ctr"/>
-            <a:r>
-              <a:rPr lang="en-IN" dirty="0"/>
-              <a:t>Hotel delivers the Food</a:t>
-            </a:r>
-          </a:p>
-        </p:txBody>
-      </p:sp>
-      <p:sp>
-        <p:nvSpPr>
-          <p:cNvPr id="9" name="Rectangle 8">
-            <a:extLst>
-              <a:ext uri="{FF2B5EF4-FFF2-40B4-BE49-F238E27FC236}">
-                <a16:creationId xmlns:a16="http://schemas.microsoft.com/office/drawing/2014/main" id="{0675A0F6-DE49-CF9F-FDB2-322DC6EC5F00}"/>
-              </a:ext>
-            </a:extLst>
-          </p:cNvPr>
-          <p:cNvSpPr/>
-          <p:nvPr/>
-        </p:nvSpPr>
-        <p:spPr>
-          <a:xfrm>
-            <a:off x="7221115" y="2498611"/>
-            <a:ext cx="2502159" cy="600075"/>
-          </a:xfrm>
-          <a:prstGeom prst="rect">
-            <a:avLst/>
-          </a:prstGeom>
-          <a:solidFill>
-            <a:srgbClr val="0070C0"/>
-          </a:solidFill>
-        </p:spPr>
-        <p:style>
-          <a:lnRef idx="2">
-            <a:schemeClr val="accent1">
-              <a:shade val="15000"/>
-            </a:schemeClr>
-          </a:lnRef>
-          <a:fillRef idx="1">
-            <a:schemeClr val="accent1"/>
-          </a:fillRef>
-          <a:effectRef idx="0">
-            <a:schemeClr val="accent1"/>
-          </a:effectRef>
-          <a:fontRef idx="minor">
-            <a:schemeClr val="lt1"/>
-          </a:fontRef>
-        </p:style>
-        <p:txBody>
-          <a:bodyPr rtlCol="0" anchor="ctr"/>
-          <a:lstStyle/>
-          <a:p>
-            <a:pPr algn="ctr"/>
-            <a:r>
-              <a:rPr lang="en-IN" dirty="0"/>
-              <a:t>Food Requests are displayed</a:t>
-            </a:r>
-          </a:p>
-        </p:txBody>
-      </p:sp>
-      <p:sp>
-        <p:nvSpPr>
-          <p:cNvPr id="10" name="Rectangle 9">
-            <a:extLst>
-              <a:ext uri="{FF2B5EF4-FFF2-40B4-BE49-F238E27FC236}">
-                <a16:creationId xmlns:a16="http://schemas.microsoft.com/office/drawing/2014/main" id="{A372199F-5F92-559C-0042-FF5970C77F86}"/>
-              </a:ext>
-            </a:extLst>
-          </p:cNvPr>
-          <p:cNvSpPr/>
-          <p:nvPr/>
-        </p:nvSpPr>
-        <p:spPr>
-          <a:xfrm>
-            <a:off x="5702560" y="3679174"/>
-            <a:ext cx="2303884" cy="559839"/>
-          </a:xfrm>
-          <a:prstGeom prst="rect">
-            <a:avLst/>
-          </a:prstGeom>
-        </p:spPr>
-        <p:style>
-          <a:lnRef idx="2">
-            <a:schemeClr val="accent1">
-              <a:shade val="15000"/>
-            </a:schemeClr>
-          </a:lnRef>
-          <a:fillRef idx="1">
-            <a:schemeClr val="accent1"/>
-          </a:fillRef>
-          <a:effectRef idx="0">
-            <a:schemeClr val="accent1"/>
-          </a:effectRef>
-          <a:fontRef idx="minor">
-            <a:schemeClr val="lt1"/>
-          </a:fontRef>
-        </p:style>
-        <p:txBody>
-          <a:bodyPr rtlCol="0" anchor="ctr"/>
-          <a:lstStyle/>
-          <a:p>
-            <a:pPr algn="ctr"/>
-            <a:r>
-              <a:rPr lang="en-IN" dirty="0"/>
-              <a:t>Contact details are shared</a:t>
-            </a:r>
-          </a:p>
-        </p:txBody>
-      </p:sp>
-      <p:sp>
-        <p:nvSpPr>
-          <p:cNvPr id="11" name="Rectangle 10">
-            <a:extLst>
-              <a:ext uri="{FF2B5EF4-FFF2-40B4-BE49-F238E27FC236}">
-                <a16:creationId xmlns:a16="http://schemas.microsoft.com/office/drawing/2014/main" id="{3C7B4080-F0C0-2CD8-5B3B-0CC4580A7552}"/>
-              </a:ext>
-            </a:extLst>
-          </p:cNvPr>
-          <p:cNvSpPr/>
-          <p:nvPr/>
-        </p:nvSpPr>
-        <p:spPr>
-          <a:xfrm>
-            <a:off x="9060024" y="3817678"/>
-            <a:ext cx="1987421" cy="600075"/>
-          </a:xfrm>
-          <a:prstGeom prst="rect">
-            <a:avLst/>
-          </a:prstGeom>
-        </p:spPr>
-        <p:style>
-          <a:lnRef idx="2">
-            <a:schemeClr val="accent1">
-              <a:shade val="15000"/>
-            </a:schemeClr>
-          </a:lnRef>
-          <a:fillRef idx="1">
-            <a:schemeClr val="accent1"/>
-          </a:fillRef>
-          <a:effectRef idx="0">
-            <a:schemeClr val="accent1"/>
-          </a:effectRef>
-          <a:fontRef idx="minor">
-            <a:schemeClr val="lt1"/>
-          </a:fontRef>
-        </p:style>
-        <p:txBody>
-          <a:bodyPr rtlCol="0" anchor="ctr"/>
-          <a:lstStyle/>
-          <a:p>
-            <a:pPr algn="ctr"/>
-            <a:r>
-              <a:rPr lang="en-IN" dirty="0"/>
-              <a:t>Cancelled request moved to History</a:t>
-            </a:r>
-          </a:p>
-        </p:txBody>
-      </p:sp>
-      <p:sp>
-        <p:nvSpPr>
-          <p:cNvPr id="12" name="Rectangle 11">
-            <a:extLst>
-              <a:ext uri="{FF2B5EF4-FFF2-40B4-BE49-F238E27FC236}">
-                <a16:creationId xmlns:a16="http://schemas.microsoft.com/office/drawing/2014/main" id="{FB70EF5A-0529-7124-2372-A2A81766E478}"/>
-              </a:ext>
-            </a:extLst>
-          </p:cNvPr>
-          <p:cNvSpPr/>
-          <p:nvPr/>
-        </p:nvSpPr>
-        <p:spPr>
-          <a:xfrm>
-            <a:off x="5702560" y="4506686"/>
-            <a:ext cx="2303884" cy="600075"/>
-          </a:xfrm>
-          <a:prstGeom prst="rect">
-            <a:avLst/>
-          </a:prstGeom>
-        </p:spPr>
-        <p:style>
-          <a:lnRef idx="2">
-            <a:schemeClr val="accent1">
-              <a:shade val="15000"/>
-            </a:schemeClr>
-          </a:lnRef>
-          <a:fillRef idx="1">
-            <a:schemeClr val="accent1"/>
-          </a:fillRef>
-          <a:effectRef idx="0">
-            <a:schemeClr val="accent1"/>
-          </a:effectRef>
-          <a:fontRef idx="minor">
-            <a:schemeClr val="lt1"/>
-          </a:fontRef>
-        </p:style>
-        <p:txBody>
-          <a:bodyPr rtlCol="0" anchor="ctr"/>
-          <a:lstStyle/>
-          <a:p>
-            <a:pPr algn="ctr"/>
-            <a:r>
-              <a:rPr lang="en-IN" dirty="0"/>
-              <a:t>Hotel delivers the Food</a:t>
-            </a:r>
-          </a:p>
-        </p:txBody>
-      </p:sp>
-      <p:sp>
-        <p:nvSpPr>
-          <p:cNvPr id="13" name="Rectangle 12">
-            <a:extLst>
-              <a:ext uri="{FF2B5EF4-FFF2-40B4-BE49-F238E27FC236}">
-                <a16:creationId xmlns:a16="http://schemas.microsoft.com/office/drawing/2014/main" id="{4989F7EE-B05F-19ED-E118-8DF0C60D9325}"/>
-              </a:ext>
-            </a:extLst>
-          </p:cNvPr>
-          <p:cNvSpPr/>
-          <p:nvPr/>
-        </p:nvSpPr>
-        <p:spPr>
-          <a:xfrm>
-            <a:off x="5702560" y="5411753"/>
-            <a:ext cx="2303884" cy="600075"/>
-          </a:xfrm>
-          <a:prstGeom prst="rect">
-            <a:avLst/>
-          </a:prstGeom>
-        </p:spPr>
-        <p:style>
-          <a:lnRef idx="2">
-            <a:schemeClr val="accent1">
-              <a:shade val="15000"/>
-            </a:schemeClr>
-          </a:lnRef>
-          <a:fillRef idx="1">
-            <a:schemeClr val="accent1"/>
-          </a:fillRef>
-          <a:effectRef idx="0">
-            <a:schemeClr val="accent1"/>
-          </a:effectRef>
-          <a:fontRef idx="minor">
-            <a:schemeClr val="lt1"/>
-          </a:fontRef>
-        </p:style>
-        <p:txBody>
-          <a:bodyPr rtlCol="0" anchor="ctr"/>
-          <a:lstStyle/>
-          <a:p>
-            <a:pPr algn="ctr"/>
-            <a:r>
-              <a:rPr lang="en-IN" dirty="0"/>
-              <a:t>Completed request moved to History</a:t>
-            </a:r>
-          </a:p>
-        </p:txBody>
-      </p:sp>
-      <p:sp>
-        <p:nvSpPr>
-          <p:cNvPr id="14" name="Title 13">
-            <a:extLst>
-              <a:ext uri="{FF2B5EF4-FFF2-40B4-BE49-F238E27FC236}">
-                <a16:creationId xmlns:a16="http://schemas.microsoft.com/office/drawing/2014/main" id="{B6C19EAE-C0B3-AE41-4264-9323C3DB2A95}"/>
+          <p:cNvPr id="2" name="Title 1">
+            <a:extLst>
+              <a:ext uri="{FF2B5EF4-FFF2-40B4-BE49-F238E27FC236}">
+                <a16:creationId xmlns:a16="http://schemas.microsoft.com/office/drawing/2014/main" id="{55E1E938-7C4B-DAD4-21CB-97ED317E0C0C}"/>
               </a:ext>
             </a:extLst>
           </p:cNvPr>
@@ -5682,615 +4873,88 @@
                   <a:srgbClr val="002060"/>
                 </a:solidFill>
               </a:rPr>
-              <a:t>Block Diagram</a:t>
-            </a:r>
-          </a:p>
-        </p:txBody>
-      </p:sp>
-      <p:cxnSp>
-        <p:nvCxnSpPr>
-          <p:cNvPr id="16" name="Straight Arrow Connector 15">
-            <a:extLst>
-              <a:ext uri="{FF2B5EF4-FFF2-40B4-BE49-F238E27FC236}">
-                <a16:creationId xmlns:a16="http://schemas.microsoft.com/office/drawing/2014/main" id="{503D677F-180A-1627-C101-9428D62B72B2}"/>
-              </a:ext>
-            </a:extLst>
-          </p:cNvPr>
-          <p:cNvCxnSpPr>
-            <a:stCxn id="2" idx="4"/>
-          </p:cNvCxnSpPr>
-          <p:nvPr/>
-        </p:nvCxnSpPr>
-        <p:spPr>
-          <a:xfrm flipH="1">
-            <a:off x="3032449" y="1329031"/>
-            <a:ext cx="2753309" cy="340877"/>
-          </a:xfrm>
-          <a:prstGeom prst="straightConnector1">
-            <a:avLst/>
-          </a:prstGeom>
-          <a:ln>
-            <a:tailEnd type="triangle"/>
-          </a:ln>
-        </p:spPr>
-        <p:style>
-          <a:lnRef idx="3">
-            <a:schemeClr val="dk1"/>
-          </a:lnRef>
-          <a:fillRef idx="0">
-            <a:schemeClr val="dk1"/>
-          </a:fillRef>
-          <a:effectRef idx="2">
-            <a:schemeClr val="dk1"/>
-          </a:effectRef>
-          <a:fontRef idx="minor">
-            <a:schemeClr val="tx1"/>
-          </a:fontRef>
-        </p:style>
-      </p:cxnSp>
-      <p:cxnSp>
-        <p:nvCxnSpPr>
-          <p:cNvPr id="18" name="Straight Arrow Connector 17">
-            <a:extLst>
-              <a:ext uri="{FF2B5EF4-FFF2-40B4-BE49-F238E27FC236}">
-                <a16:creationId xmlns:a16="http://schemas.microsoft.com/office/drawing/2014/main" id="{42756FCF-AA35-C1C8-1EFE-1BBB1D23EB67}"/>
-              </a:ext>
-            </a:extLst>
-          </p:cNvPr>
-          <p:cNvCxnSpPr>
-            <a:stCxn id="2" idx="4"/>
-            <a:endCxn id="4" idx="0"/>
-          </p:cNvCxnSpPr>
-          <p:nvPr/>
-        </p:nvCxnSpPr>
-        <p:spPr>
-          <a:xfrm>
-            <a:off x="5785758" y="1329031"/>
-            <a:ext cx="2686437" cy="362445"/>
-          </a:xfrm>
-          <a:prstGeom prst="straightConnector1">
-            <a:avLst/>
-          </a:prstGeom>
-          <a:ln>
-            <a:tailEnd type="triangle"/>
-          </a:ln>
-        </p:spPr>
-        <p:style>
-          <a:lnRef idx="3">
-            <a:schemeClr val="dk1"/>
-          </a:lnRef>
-          <a:fillRef idx="0">
-            <a:schemeClr val="dk1"/>
-          </a:fillRef>
-          <a:effectRef idx="2">
-            <a:schemeClr val="dk1"/>
-          </a:effectRef>
-          <a:fontRef idx="minor">
-            <a:schemeClr val="tx1"/>
-          </a:fontRef>
-        </p:style>
-      </p:cxnSp>
-      <p:cxnSp>
-        <p:nvCxnSpPr>
-          <p:cNvPr id="20" name="Straight Arrow Connector 19">
-            <a:extLst>
-              <a:ext uri="{FF2B5EF4-FFF2-40B4-BE49-F238E27FC236}">
-                <a16:creationId xmlns:a16="http://schemas.microsoft.com/office/drawing/2014/main" id="{623006F4-7B69-AA21-8C7F-76C5C77B55B6}"/>
-              </a:ext>
-            </a:extLst>
-          </p:cNvPr>
-          <p:cNvCxnSpPr>
-            <a:stCxn id="3" idx="2"/>
-            <a:endCxn id="5" idx="0"/>
-          </p:cNvCxnSpPr>
-          <p:nvPr/>
-        </p:nvCxnSpPr>
-        <p:spPr>
-          <a:xfrm>
-            <a:off x="2934478" y="2124026"/>
-            <a:ext cx="1" cy="457641"/>
-          </a:xfrm>
-          <a:prstGeom prst="straightConnector1">
-            <a:avLst/>
-          </a:prstGeom>
-          <a:ln>
-            <a:tailEnd type="triangle"/>
-          </a:ln>
-        </p:spPr>
-        <p:style>
-          <a:lnRef idx="3">
-            <a:schemeClr val="dk1"/>
-          </a:lnRef>
-          <a:fillRef idx="0">
-            <a:schemeClr val="dk1"/>
-          </a:fillRef>
-          <a:effectRef idx="2">
-            <a:schemeClr val="dk1"/>
-          </a:effectRef>
-          <a:fontRef idx="minor">
-            <a:schemeClr val="tx1"/>
-          </a:fontRef>
-        </p:style>
-      </p:cxnSp>
-      <p:cxnSp>
-        <p:nvCxnSpPr>
-          <p:cNvPr id="22" name="Straight Arrow Connector 21">
-            <a:extLst>
-              <a:ext uri="{FF2B5EF4-FFF2-40B4-BE49-F238E27FC236}">
-                <a16:creationId xmlns:a16="http://schemas.microsoft.com/office/drawing/2014/main" id="{E7FE7FE2-BFF8-D0E5-1F0C-F66DF51A3DFA}"/>
-              </a:ext>
-            </a:extLst>
-          </p:cNvPr>
-          <p:cNvCxnSpPr>
-            <a:stCxn id="5" idx="2"/>
-            <a:endCxn id="6" idx="0"/>
-          </p:cNvCxnSpPr>
-          <p:nvPr/>
-        </p:nvCxnSpPr>
-        <p:spPr>
-          <a:xfrm>
-            <a:off x="2934479" y="3181742"/>
-            <a:ext cx="0" cy="295662"/>
-          </a:xfrm>
-          <a:prstGeom prst="straightConnector1">
-            <a:avLst/>
-          </a:prstGeom>
-          <a:ln>
-            <a:tailEnd type="triangle"/>
-          </a:ln>
-        </p:spPr>
-        <p:style>
-          <a:lnRef idx="3">
-            <a:schemeClr val="dk1"/>
-          </a:lnRef>
-          <a:fillRef idx="0">
-            <a:schemeClr val="dk1"/>
-          </a:fillRef>
-          <a:effectRef idx="2">
-            <a:schemeClr val="dk1"/>
-          </a:effectRef>
-          <a:fontRef idx="minor">
-            <a:schemeClr val="tx1"/>
-          </a:fontRef>
-        </p:style>
-      </p:cxnSp>
-      <p:cxnSp>
-        <p:nvCxnSpPr>
-          <p:cNvPr id="24" name="Straight Arrow Connector 23">
-            <a:extLst>
-              <a:ext uri="{FF2B5EF4-FFF2-40B4-BE49-F238E27FC236}">
-                <a16:creationId xmlns:a16="http://schemas.microsoft.com/office/drawing/2014/main" id="{D26EDBBF-3974-A8ED-6A4D-6DECE54E704C}"/>
-              </a:ext>
-            </a:extLst>
-          </p:cNvPr>
-          <p:cNvCxnSpPr>
-            <a:stCxn id="6" idx="2"/>
-            <a:endCxn id="7" idx="0"/>
-          </p:cNvCxnSpPr>
-          <p:nvPr/>
-        </p:nvCxnSpPr>
-        <p:spPr>
-          <a:xfrm>
-            <a:off x="2934479" y="4077479"/>
-            <a:ext cx="0" cy="429207"/>
-          </a:xfrm>
-          <a:prstGeom prst="straightConnector1">
-            <a:avLst/>
-          </a:prstGeom>
-          <a:ln>
-            <a:tailEnd type="triangle"/>
-          </a:ln>
-        </p:spPr>
-        <p:style>
-          <a:lnRef idx="3">
-            <a:schemeClr val="dk1"/>
-          </a:lnRef>
-          <a:fillRef idx="0">
-            <a:schemeClr val="dk1"/>
-          </a:fillRef>
-          <a:effectRef idx="2">
-            <a:schemeClr val="dk1"/>
-          </a:effectRef>
-          <a:fontRef idx="minor">
-            <a:schemeClr val="tx1"/>
-          </a:fontRef>
-        </p:style>
-      </p:cxnSp>
-      <p:cxnSp>
-        <p:nvCxnSpPr>
-          <p:cNvPr id="26" name="Straight Arrow Connector 25">
-            <a:extLst>
-              <a:ext uri="{FF2B5EF4-FFF2-40B4-BE49-F238E27FC236}">
-                <a16:creationId xmlns:a16="http://schemas.microsoft.com/office/drawing/2014/main" id="{B5030294-0ED6-3072-4F83-3F7C01E075F9}"/>
-              </a:ext>
-            </a:extLst>
-          </p:cNvPr>
-          <p:cNvCxnSpPr>
-            <a:stCxn id="7" idx="2"/>
-            <a:endCxn id="8" idx="0"/>
-          </p:cNvCxnSpPr>
-          <p:nvPr/>
-        </p:nvCxnSpPr>
-        <p:spPr>
-          <a:xfrm>
-            <a:off x="2934479" y="5106761"/>
-            <a:ext cx="0" cy="295662"/>
-          </a:xfrm>
-          <a:prstGeom prst="straightConnector1">
-            <a:avLst/>
-          </a:prstGeom>
-          <a:ln>
-            <a:tailEnd type="triangle"/>
-          </a:ln>
-        </p:spPr>
-        <p:style>
-          <a:lnRef idx="3">
-            <a:schemeClr val="dk1"/>
-          </a:lnRef>
-          <a:fillRef idx="0">
-            <a:schemeClr val="dk1"/>
-          </a:fillRef>
-          <a:effectRef idx="2">
-            <a:schemeClr val="dk1"/>
-          </a:effectRef>
-          <a:fontRef idx="minor">
-            <a:schemeClr val="tx1"/>
-          </a:fontRef>
-        </p:style>
-      </p:cxnSp>
-      <p:cxnSp>
-        <p:nvCxnSpPr>
-          <p:cNvPr id="28" name="Straight Arrow Connector 27">
-            <a:extLst>
-              <a:ext uri="{FF2B5EF4-FFF2-40B4-BE49-F238E27FC236}">
-                <a16:creationId xmlns:a16="http://schemas.microsoft.com/office/drawing/2014/main" id="{D8EAAE42-6657-44DF-A206-45C527CA3C71}"/>
-              </a:ext>
-            </a:extLst>
-          </p:cNvPr>
-          <p:cNvCxnSpPr>
-            <a:stCxn id="4" idx="2"/>
-            <a:endCxn id="9" idx="0"/>
-          </p:cNvCxnSpPr>
-          <p:nvPr/>
-        </p:nvCxnSpPr>
-        <p:spPr>
-          <a:xfrm>
-            <a:off x="8472195" y="2145594"/>
-            <a:ext cx="0" cy="353017"/>
-          </a:xfrm>
-          <a:prstGeom prst="straightConnector1">
-            <a:avLst/>
-          </a:prstGeom>
-          <a:ln>
-            <a:tailEnd type="triangle"/>
-          </a:ln>
-        </p:spPr>
-        <p:style>
-          <a:lnRef idx="3">
-            <a:schemeClr val="dk1"/>
-          </a:lnRef>
-          <a:fillRef idx="0">
-            <a:schemeClr val="dk1"/>
-          </a:fillRef>
-          <a:effectRef idx="2">
-            <a:schemeClr val="dk1"/>
-          </a:effectRef>
-          <a:fontRef idx="minor">
-            <a:schemeClr val="tx1"/>
-          </a:fontRef>
-        </p:style>
-      </p:cxnSp>
-      <p:cxnSp>
-        <p:nvCxnSpPr>
-          <p:cNvPr id="30" name="Straight Arrow Connector 29">
-            <a:extLst>
-              <a:ext uri="{FF2B5EF4-FFF2-40B4-BE49-F238E27FC236}">
-                <a16:creationId xmlns:a16="http://schemas.microsoft.com/office/drawing/2014/main" id="{291A282E-E434-A9C4-D10B-EC49A9E272D5}"/>
-              </a:ext>
-            </a:extLst>
-          </p:cNvPr>
-          <p:cNvCxnSpPr>
-            <a:stCxn id="9" idx="2"/>
-            <a:endCxn id="10" idx="0"/>
-          </p:cNvCxnSpPr>
-          <p:nvPr/>
-        </p:nvCxnSpPr>
-        <p:spPr>
-          <a:xfrm flipH="1">
-            <a:off x="6854502" y="3098686"/>
-            <a:ext cx="1617693" cy="580488"/>
-          </a:xfrm>
-          <a:prstGeom prst="straightConnector1">
-            <a:avLst/>
-          </a:prstGeom>
-          <a:ln>
-            <a:tailEnd type="triangle"/>
-          </a:ln>
-        </p:spPr>
-        <p:style>
-          <a:lnRef idx="3">
-            <a:schemeClr val="dk1"/>
-          </a:lnRef>
-          <a:fillRef idx="0">
-            <a:schemeClr val="dk1"/>
-          </a:fillRef>
-          <a:effectRef idx="2">
-            <a:schemeClr val="dk1"/>
-          </a:effectRef>
-          <a:fontRef idx="minor">
-            <a:schemeClr val="tx1"/>
-          </a:fontRef>
-        </p:style>
-      </p:cxnSp>
-      <p:cxnSp>
-        <p:nvCxnSpPr>
-          <p:cNvPr id="32" name="Straight Arrow Connector 31">
-            <a:extLst>
-              <a:ext uri="{FF2B5EF4-FFF2-40B4-BE49-F238E27FC236}">
-                <a16:creationId xmlns:a16="http://schemas.microsoft.com/office/drawing/2014/main" id="{C98EEA6C-A2CD-56A8-1D41-0563FBFCC290}"/>
-              </a:ext>
-            </a:extLst>
-          </p:cNvPr>
-          <p:cNvCxnSpPr>
-            <a:stCxn id="9" idx="2"/>
-            <a:endCxn id="11" idx="0"/>
-          </p:cNvCxnSpPr>
-          <p:nvPr/>
-        </p:nvCxnSpPr>
-        <p:spPr>
-          <a:xfrm>
-            <a:off x="8472195" y="3098686"/>
-            <a:ext cx="1581540" cy="718992"/>
-          </a:xfrm>
-          <a:prstGeom prst="straightConnector1">
-            <a:avLst/>
-          </a:prstGeom>
-          <a:ln>
-            <a:tailEnd type="triangle"/>
-          </a:ln>
-        </p:spPr>
-        <p:style>
-          <a:lnRef idx="3">
-            <a:schemeClr val="dk1"/>
-          </a:lnRef>
-          <a:fillRef idx="0">
-            <a:schemeClr val="dk1"/>
-          </a:fillRef>
-          <a:effectRef idx="2">
-            <a:schemeClr val="dk1"/>
-          </a:effectRef>
-          <a:fontRef idx="minor">
-            <a:schemeClr val="tx1"/>
-          </a:fontRef>
-        </p:style>
-      </p:cxnSp>
-      <p:cxnSp>
-        <p:nvCxnSpPr>
-          <p:cNvPr id="34" name="Straight Arrow Connector 33">
-            <a:extLst>
-              <a:ext uri="{FF2B5EF4-FFF2-40B4-BE49-F238E27FC236}">
-                <a16:creationId xmlns:a16="http://schemas.microsoft.com/office/drawing/2014/main" id="{78701DFC-0A88-3BCB-06D5-0F5554B00768}"/>
-              </a:ext>
-            </a:extLst>
-          </p:cNvPr>
-          <p:cNvCxnSpPr>
-            <a:stCxn id="10" idx="2"/>
-            <a:endCxn id="12" idx="0"/>
-          </p:cNvCxnSpPr>
-          <p:nvPr/>
-        </p:nvCxnSpPr>
-        <p:spPr>
-          <a:xfrm>
-            <a:off x="6854502" y="4239013"/>
-            <a:ext cx="0" cy="267673"/>
-          </a:xfrm>
-          <a:prstGeom prst="straightConnector1">
-            <a:avLst/>
-          </a:prstGeom>
-          <a:ln>
-            <a:tailEnd type="triangle"/>
-          </a:ln>
-        </p:spPr>
-        <p:style>
-          <a:lnRef idx="3">
-            <a:schemeClr val="dk1"/>
-          </a:lnRef>
-          <a:fillRef idx="0">
-            <a:schemeClr val="dk1"/>
-          </a:fillRef>
-          <a:effectRef idx="2">
-            <a:schemeClr val="dk1"/>
-          </a:effectRef>
-          <a:fontRef idx="minor">
-            <a:schemeClr val="tx1"/>
-          </a:fontRef>
-        </p:style>
-      </p:cxnSp>
-      <p:cxnSp>
-        <p:nvCxnSpPr>
-          <p:cNvPr id="36" name="Straight Arrow Connector 35">
-            <a:extLst>
-              <a:ext uri="{FF2B5EF4-FFF2-40B4-BE49-F238E27FC236}">
-                <a16:creationId xmlns:a16="http://schemas.microsoft.com/office/drawing/2014/main" id="{7E1EED12-A4A2-7176-F8B3-3AA22C9BC14F}"/>
-              </a:ext>
-            </a:extLst>
-          </p:cNvPr>
-          <p:cNvCxnSpPr>
-            <a:stCxn id="12" idx="2"/>
-            <a:endCxn id="13" idx="0"/>
-          </p:cNvCxnSpPr>
-          <p:nvPr/>
-        </p:nvCxnSpPr>
-        <p:spPr>
-          <a:xfrm>
-            <a:off x="6854502" y="5106761"/>
-            <a:ext cx="0" cy="304992"/>
-          </a:xfrm>
-          <a:prstGeom prst="straightConnector1">
-            <a:avLst/>
-          </a:prstGeom>
-          <a:ln>
-            <a:tailEnd type="triangle"/>
-          </a:ln>
-        </p:spPr>
-        <p:style>
-          <a:lnRef idx="3">
-            <a:schemeClr val="dk1"/>
-          </a:lnRef>
-          <a:fillRef idx="0">
-            <a:schemeClr val="dk1"/>
-          </a:fillRef>
-          <a:effectRef idx="2">
-            <a:schemeClr val="dk1"/>
-          </a:effectRef>
-          <a:fontRef idx="minor">
-            <a:schemeClr val="tx1"/>
-          </a:fontRef>
-        </p:style>
-      </p:cxnSp>
-      <p:cxnSp>
-        <p:nvCxnSpPr>
-          <p:cNvPr id="39" name="Straight Arrow Connector 38">
-            <a:extLst>
-              <a:ext uri="{FF2B5EF4-FFF2-40B4-BE49-F238E27FC236}">
-                <a16:creationId xmlns:a16="http://schemas.microsoft.com/office/drawing/2014/main" id="{2364EED7-B80B-A659-79D5-20F2B851CFDC}"/>
-              </a:ext>
-            </a:extLst>
-          </p:cNvPr>
-          <p:cNvCxnSpPr>
-            <a:stCxn id="8" idx="3"/>
-            <a:endCxn id="13" idx="1"/>
-          </p:cNvCxnSpPr>
-          <p:nvPr/>
-        </p:nvCxnSpPr>
-        <p:spPr>
-          <a:xfrm>
-            <a:off x="4185558" y="5702461"/>
-            <a:ext cx="1517002" cy="9330"/>
-          </a:xfrm>
-          <a:prstGeom prst="straightConnector1">
-            <a:avLst/>
-          </a:prstGeom>
-          <a:ln>
-            <a:tailEnd type="triangle"/>
-          </a:ln>
-        </p:spPr>
-        <p:style>
-          <a:lnRef idx="3">
-            <a:schemeClr val="dk1"/>
-          </a:lnRef>
-          <a:fillRef idx="0">
-            <a:schemeClr val="dk1"/>
-          </a:fillRef>
-          <a:effectRef idx="2">
-            <a:schemeClr val="dk1"/>
-          </a:effectRef>
-          <a:fontRef idx="minor">
-            <a:schemeClr val="tx1"/>
-          </a:fontRef>
-        </p:style>
-      </p:cxnSp>
-      <p:sp>
-        <p:nvSpPr>
-          <p:cNvPr id="40" name="TextBox 39">
-            <a:extLst>
-              <a:ext uri="{FF2B5EF4-FFF2-40B4-BE49-F238E27FC236}">
-                <a16:creationId xmlns:a16="http://schemas.microsoft.com/office/drawing/2014/main" id="{C1FEF4D1-A00D-29C1-5B16-EFADCF55D3AD}"/>
-              </a:ext>
-            </a:extLst>
-          </p:cNvPr>
-          <p:cNvSpPr txBox="1"/>
-          <p:nvPr/>
-        </p:nvSpPr>
-        <p:spPr>
-          <a:xfrm rot="20413168">
-            <a:off x="6865606" y="3146983"/>
-            <a:ext cx="1068744" cy="369332"/>
-          </a:xfrm>
-          <a:prstGeom prst="rect">
-            <a:avLst/>
-          </a:prstGeom>
-          <a:noFill/>
-        </p:spPr>
-        <p:txBody>
-          <a:bodyPr wrap="square" rtlCol="0">
-            <a:spAutoFit/>
+              <a:t>Objectives and Scope of the Project</a:t>
+            </a:r>
+          </a:p>
+        </p:txBody>
+      </p:sp>
+      <p:sp>
+        <p:nvSpPr>
+          <p:cNvPr id="3" name="Content Placeholder 2">
+            <a:extLst>
+              <a:ext uri="{FF2B5EF4-FFF2-40B4-BE49-F238E27FC236}">
+                <a16:creationId xmlns:a16="http://schemas.microsoft.com/office/drawing/2014/main" id="{7CCD58A4-F4E1-8B86-0E00-F4C4A7584A0C}"/>
+              </a:ext>
+            </a:extLst>
+          </p:cNvPr>
+          <p:cNvSpPr>
+            <a:spLocks noGrp="1"/>
+          </p:cNvSpPr>
+          <p:nvPr>
+            <p:ph idx="1"/>
+          </p:nvPr>
+        </p:nvSpPr>
+        <p:spPr/>
+        <p:txBody>
+          <a:bodyPr>
+            <a:normAutofit/>
           </a:bodyPr>
           <a:lstStyle/>
           <a:p>
-            <a:r>
-              <a:rPr lang="en-IN" b="1" dirty="0"/>
-              <a:t>Accepted</a:t>
-            </a:r>
-          </a:p>
-        </p:txBody>
-      </p:sp>
-      <p:sp>
-        <p:nvSpPr>
-          <p:cNvPr id="44" name="TextBox 43">
-            <a:extLst>
-              <a:ext uri="{FF2B5EF4-FFF2-40B4-BE49-F238E27FC236}">
-                <a16:creationId xmlns:a16="http://schemas.microsoft.com/office/drawing/2014/main" id="{B2D4E98A-1DD9-F002-19D5-EE483D269493}"/>
-              </a:ext>
-            </a:extLst>
-          </p:cNvPr>
-          <p:cNvSpPr txBox="1"/>
-          <p:nvPr/>
-        </p:nvSpPr>
-        <p:spPr>
-          <a:xfrm rot="1469581">
-            <a:off x="8924875" y="3223829"/>
-            <a:ext cx="1163264" cy="369332"/>
-          </a:xfrm>
-          <a:prstGeom prst="rect">
-            <a:avLst/>
-          </a:prstGeom>
-          <a:noFill/>
-        </p:spPr>
-        <p:txBody>
-          <a:bodyPr wrap="square" rtlCol="0">
-            <a:spAutoFit/>
-          </a:bodyPr>
-          <a:lstStyle/>
-          <a:p>
-            <a:r>
-              <a:rPr lang="en-IN" b="1" dirty="0"/>
-              <a:t>Cancelled</a:t>
-            </a:r>
-          </a:p>
-        </p:txBody>
-      </p:sp>
-      <p:sp>
-        <p:nvSpPr>
-          <p:cNvPr id="45" name="TextBox 44">
-            <a:extLst>
-              <a:ext uri="{FF2B5EF4-FFF2-40B4-BE49-F238E27FC236}">
-                <a16:creationId xmlns:a16="http://schemas.microsoft.com/office/drawing/2014/main" id="{498209CC-FB70-649E-8E4D-3AD8BC47D824}"/>
-              </a:ext>
-            </a:extLst>
-          </p:cNvPr>
-          <p:cNvSpPr txBox="1"/>
-          <p:nvPr/>
-        </p:nvSpPr>
-        <p:spPr>
-          <a:xfrm>
-            <a:off x="4333106" y="5342355"/>
-            <a:ext cx="1296950" cy="373227"/>
-          </a:xfrm>
-          <a:prstGeom prst="rect">
-            <a:avLst/>
-          </a:prstGeom>
-          <a:noFill/>
-        </p:spPr>
-        <p:txBody>
-          <a:bodyPr wrap="square" rtlCol="0">
-            <a:spAutoFit/>
-          </a:bodyPr>
-          <a:lstStyle/>
-          <a:p>
-            <a:r>
-              <a:rPr lang="en-IN" b="1" dirty="0"/>
-              <a:t>Completed</a:t>
+            <a:pPr marL="514350" indent="-514350">
+              <a:buFont typeface="+mj-lt"/>
+              <a:buAutoNum type="arabicPeriod"/>
+            </a:pPr>
+            <a:r>
+              <a:rPr lang="en-US" sz="2000" b="1" dirty="0"/>
+              <a:t>User registration and management:</a:t>
+            </a:r>
+            <a:r>
+              <a:rPr lang="en-US" sz="2000" dirty="0"/>
+              <a:t> Allow hotels and authorized recipient organizations to register and maintain their profiles within the application.</a:t>
+            </a:r>
+            <a:endParaRPr lang="en-US" sz="2000" b="1" dirty="0"/>
+          </a:p>
+          <a:p>
+            <a:pPr marL="514350" indent="-514350">
+              <a:buFont typeface="+mj-lt"/>
+              <a:buAutoNum type="arabicPeriod"/>
+            </a:pPr>
+            <a:r>
+              <a:rPr lang="en-US" sz="2000" b="1" dirty="0"/>
+              <a:t>Surplus food posting:</a:t>
+            </a:r>
+            <a:r>
+              <a:rPr lang="en-US" sz="2000" dirty="0"/>
+              <a:t> Enable hotels to post real-time alerts about available surplus food, including details like type, quantity, and preferred pick-up window.</a:t>
+            </a:r>
+          </a:p>
+          <a:p>
+            <a:pPr marL="514350" indent="-514350">
+              <a:buFont typeface="+mj-lt"/>
+              <a:buAutoNum type="arabicPeriod"/>
+            </a:pPr>
+            <a:r>
+              <a:rPr lang="en-US" sz="2000" b="1" dirty="0"/>
+              <a:t>Real-time notification system:</a:t>
+            </a:r>
+            <a:r>
+              <a:rPr lang="en-US" sz="2000" dirty="0"/>
+              <a:t>  Send instant alerts to registered orphanages and other recipients based on their location and food preferences.</a:t>
+            </a:r>
+          </a:p>
+          <a:p>
+            <a:pPr marL="514350" indent="-514350">
+              <a:buFont typeface="+mj-lt"/>
+              <a:buAutoNum type="arabicPeriod"/>
+            </a:pPr>
+            <a:r>
+              <a:rPr lang="en-US" sz="2000" b="1" dirty="0"/>
+              <a:t>Communication and coordination tools:</a:t>
+            </a:r>
+            <a:r>
+              <a:rPr lang="en-US" sz="2000" dirty="0"/>
+              <a:t> Facilitate communication between donors and recipients to coordinate smooth food pick-up and delivery arrangements.</a:t>
             </a:r>
           </a:p>
         </p:txBody>
@@ -6298,7 +4962,7 @@
     </p:spTree>
     <p:extLst>
       <p:ext uri="{BB962C8B-B14F-4D97-AF65-F5344CB8AC3E}">
-        <p14:creationId xmlns:p14="http://schemas.microsoft.com/office/powerpoint/2010/main" val="3412680038"/>
+        <p14:creationId xmlns:p14="http://schemas.microsoft.com/office/powerpoint/2010/main" val="328663847"/>
       </p:ext>
     </p:extLst>
   </p:cSld>
@@ -6361,10 +5025,615 @@
       </p:grpSpPr>
       <p:sp>
         <p:nvSpPr>
-          <p:cNvPr id="2" name="Title 1">
-            <a:extLst>
-              <a:ext uri="{FF2B5EF4-FFF2-40B4-BE49-F238E27FC236}">
-                <a16:creationId xmlns:a16="http://schemas.microsoft.com/office/drawing/2014/main" id="{51733CEC-2856-4EAA-2F69-C5214B3B2D80}"/>
+          <p:cNvPr id="2" name="Oval 1">
+            <a:extLst>
+              <a:ext uri="{FF2B5EF4-FFF2-40B4-BE49-F238E27FC236}">
+                <a16:creationId xmlns:a16="http://schemas.microsoft.com/office/drawing/2014/main" id="{55A93A38-7C4F-2AB3-C471-F26F5B7B465E}"/>
+              </a:ext>
+            </a:extLst>
+          </p:cNvPr>
+          <p:cNvSpPr/>
+          <p:nvPr/>
+        </p:nvSpPr>
+        <p:spPr>
+          <a:xfrm>
+            <a:off x="5096070" y="846172"/>
+            <a:ext cx="1379376" cy="465793"/>
+          </a:xfrm>
+          <a:prstGeom prst="ellipse">
+            <a:avLst/>
+          </a:prstGeom>
+          <a:solidFill>
+            <a:schemeClr val="accent1">
+              <a:lumMod val="75000"/>
+            </a:schemeClr>
+          </a:solidFill>
+        </p:spPr>
+        <p:style>
+          <a:lnRef idx="2">
+            <a:schemeClr val="accent1">
+              <a:shade val="15000"/>
+            </a:schemeClr>
+          </a:lnRef>
+          <a:fillRef idx="1">
+            <a:schemeClr val="accent1"/>
+          </a:fillRef>
+          <a:effectRef idx="0">
+            <a:schemeClr val="accent1"/>
+          </a:effectRef>
+          <a:fontRef idx="minor">
+            <a:schemeClr val="lt1"/>
+          </a:fontRef>
+        </p:style>
+        <p:txBody>
+          <a:bodyPr rtlCol="0" anchor="ctr"/>
+          <a:lstStyle/>
+          <a:p>
+            <a:pPr algn="ctr"/>
+            <a:r>
+              <a:rPr lang="en-IN" dirty="0"/>
+              <a:t>Login</a:t>
+            </a:r>
+          </a:p>
+        </p:txBody>
+      </p:sp>
+      <p:sp>
+        <p:nvSpPr>
+          <p:cNvPr id="3" name="Rectangle 2">
+            <a:extLst>
+              <a:ext uri="{FF2B5EF4-FFF2-40B4-BE49-F238E27FC236}">
+                <a16:creationId xmlns:a16="http://schemas.microsoft.com/office/drawing/2014/main" id="{12D0345F-691F-EFC8-07A7-9CFA824725A4}"/>
+              </a:ext>
+            </a:extLst>
+          </p:cNvPr>
+          <p:cNvSpPr/>
+          <p:nvPr/>
+        </p:nvSpPr>
+        <p:spPr>
+          <a:xfrm>
+            <a:off x="1406202" y="1686557"/>
+            <a:ext cx="3056552" cy="437469"/>
+          </a:xfrm>
+          <a:prstGeom prst="rect">
+            <a:avLst/>
+          </a:prstGeom>
+          <a:solidFill>
+            <a:srgbClr val="002060"/>
+          </a:solidFill>
+        </p:spPr>
+        <p:style>
+          <a:lnRef idx="2">
+            <a:schemeClr val="accent1">
+              <a:shade val="15000"/>
+            </a:schemeClr>
+          </a:lnRef>
+          <a:fillRef idx="1">
+            <a:schemeClr val="accent1"/>
+          </a:fillRef>
+          <a:effectRef idx="0">
+            <a:schemeClr val="accent1"/>
+          </a:effectRef>
+          <a:fontRef idx="minor">
+            <a:schemeClr val="lt1"/>
+          </a:fontRef>
+        </p:style>
+        <p:txBody>
+          <a:bodyPr rtlCol="0" anchor="ctr"/>
+          <a:lstStyle/>
+          <a:p>
+            <a:pPr algn="ctr"/>
+            <a:r>
+              <a:rPr lang="en-IN" dirty="0"/>
+              <a:t>Orphanage/Home User Login</a:t>
+            </a:r>
+          </a:p>
+        </p:txBody>
+      </p:sp>
+      <p:sp>
+        <p:nvSpPr>
+          <p:cNvPr id="4" name="Rectangle 3">
+            <a:extLst>
+              <a:ext uri="{FF2B5EF4-FFF2-40B4-BE49-F238E27FC236}">
+                <a16:creationId xmlns:a16="http://schemas.microsoft.com/office/drawing/2014/main" id="{B06B5A74-D10F-8A43-E3C9-C5E1B9A2BC39}"/>
+              </a:ext>
+            </a:extLst>
+          </p:cNvPr>
+          <p:cNvSpPr/>
+          <p:nvPr/>
+        </p:nvSpPr>
+        <p:spPr>
+          <a:xfrm>
+            <a:off x="6979296" y="1691476"/>
+            <a:ext cx="2985798" cy="454118"/>
+          </a:xfrm>
+          <a:prstGeom prst="rect">
+            <a:avLst/>
+          </a:prstGeom>
+          <a:solidFill>
+            <a:srgbClr val="002060"/>
+          </a:solidFill>
+        </p:spPr>
+        <p:style>
+          <a:lnRef idx="2">
+            <a:schemeClr val="accent1">
+              <a:shade val="15000"/>
+            </a:schemeClr>
+          </a:lnRef>
+          <a:fillRef idx="1">
+            <a:schemeClr val="accent1"/>
+          </a:fillRef>
+          <a:effectRef idx="0">
+            <a:schemeClr val="accent1"/>
+          </a:effectRef>
+          <a:fontRef idx="minor">
+            <a:schemeClr val="lt1"/>
+          </a:fontRef>
+        </p:style>
+        <p:txBody>
+          <a:bodyPr rtlCol="0" anchor="ctr"/>
+          <a:lstStyle/>
+          <a:p>
+            <a:pPr algn="ctr"/>
+            <a:r>
+              <a:rPr lang="en-IN" dirty="0"/>
+              <a:t>Hotels/Restaurant User Login</a:t>
+            </a:r>
+          </a:p>
+        </p:txBody>
+      </p:sp>
+      <p:sp>
+        <p:nvSpPr>
+          <p:cNvPr id="5" name="Rectangle 4">
+            <a:extLst>
+              <a:ext uri="{FF2B5EF4-FFF2-40B4-BE49-F238E27FC236}">
+                <a16:creationId xmlns:a16="http://schemas.microsoft.com/office/drawing/2014/main" id="{73E464F0-7DB1-A5B6-25E2-05252BBAA2A5}"/>
+              </a:ext>
+            </a:extLst>
+          </p:cNvPr>
+          <p:cNvSpPr/>
+          <p:nvPr/>
+        </p:nvSpPr>
+        <p:spPr>
+          <a:xfrm>
+            <a:off x="1683399" y="2581667"/>
+            <a:ext cx="2502159" cy="600075"/>
+          </a:xfrm>
+          <a:prstGeom prst="rect">
+            <a:avLst/>
+          </a:prstGeom>
+          <a:solidFill>
+            <a:srgbClr val="0070C0"/>
+          </a:solidFill>
+        </p:spPr>
+        <p:style>
+          <a:lnRef idx="2">
+            <a:schemeClr val="accent1">
+              <a:shade val="15000"/>
+            </a:schemeClr>
+          </a:lnRef>
+          <a:fillRef idx="1">
+            <a:schemeClr val="accent1"/>
+          </a:fillRef>
+          <a:effectRef idx="0">
+            <a:schemeClr val="accent1"/>
+          </a:effectRef>
+          <a:fontRef idx="minor">
+            <a:schemeClr val="lt1"/>
+          </a:fontRef>
+        </p:style>
+        <p:txBody>
+          <a:bodyPr rtlCol="0" anchor="ctr"/>
+          <a:lstStyle/>
+          <a:p>
+            <a:pPr algn="ctr"/>
+            <a:r>
+              <a:rPr lang="en-IN" dirty="0"/>
+              <a:t>Raise new Food request</a:t>
+            </a:r>
+          </a:p>
+        </p:txBody>
+      </p:sp>
+      <p:sp>
+        <p:nvSpPr>
+          <p:cNvPr id="6" name="Rectangle 5">
+            <a:extLst>
+              <a:ext uri="{FF2B5EF4-FFF2-40B4-BE49-F238E27FC236}">
+                <a16:creationId xmlns:a16="http://schemas.microsoft.com/office/drawing/2014/main" id="{AA1836D5-79B9-57D6-168A-543BB6A6E9AE}"/>
+              </a:ext>
+            </a:extLst>
+          </p:cNvPr>
+          <p:cNvSpPr/>
+          <p:nvPr/>
+        </p:nvSpPr>
+        <p:spPr>
+          <a:xfrm>
+            <a:off x="1683398" y="3677564"/>
+            <a:ext cx="2502159" cy="600075"/>
+          </a:xfrm>
+          <a:prstGeom prst="rect">
+            <a:avLst/>
+          </a:prstGeom>
+        </p:spPr>
+        <p:style>
+          <a:lnRef idx="2">
+            <a:schemeClr val="accent1">
+              <a:shade val="15000"/>
+            </a:schemeClr>
+          </a:lnRef>
+          <a:fillRef idx="1">
+            <a:schemeClr val="accent1"/>
+          </a:fillRef>
+          <a:effectRef idx="0">
+            <a:schemeClr val="accent1"/>
+          </a:effectRef>
+          <a:fontRef idx="minor">
+            <a:schemeClr val="lt1"/>
+          </a:fontRef>
+        </p:style>
+        <p:txBody>
+          <a:bodyPr rtlCol="0" anchor="ctr"/>
+          <a:lstStyle/>
+          <a:p>
+            <a:pPr algn="ctr"/>
+            <a:r>
+              <a:rPr lang="en-IN" dirty="0"/>
+              <a:t>Request is sent to all nearby Hotels</a:t>
+            </a:r>
+          </a:p>
+        </p:txBody>
+      </p:sp>
+      <p:sp>
+        <p:nvSpPr>
+          <p:cNvPr id="7" name="Rectangle 6">
+            <a:extLst>
+              <a:ext uri="{FF2B5EF4-FFF2-40B4-BE49-F238E27FC236}">
+                <a16:creationId xmlns:a16="http://schemas.microsoft.com/office/drawing/2014/main" id="{5A68BA99-0084-7862-1F26-5E46A9178219}"/>
+              </a:ext>
+            </a:extLst>
+          </p:cNvPr>
+          <p:cNvSpPr/>
+          <p:nvPr/>
+        </p:nvSpPr>
+        <p:spPr>
+          <a:xfrm>
+            <a:off x="1683398" y="4706846"/>
+            <a:ext cx="2502159" cy="600075"/>
+          </a:xfrm>
+          <a:prstGeom prst="rect">
+            <a:avLst/>
+          </a:prstGeom>
+        </p:spPr>
+        <p:style>
+          <a:lnRef idx="2">
+            <a:schemeClr val="accent1">
+              <a:shade val="15000"/>
+            </a:schemeClr>
+          </a:lnRef>
+          <a:fillRef idx="1">
+            <a:schemeClr val="accent1"/>
+          </a:fillRef>
+          <a:effectRef idx="0">
+            <a:schemeClr val="accent1"/>
+          </a:effectRef>
+          <a:fontRef idx="minor">
+            <a:schemeClr val="lt1"/>
+          </a:fontRef>
+        </p:style>
+        <p:txBody>
+          <a:bodyPr rtlCol="0" anchor="ctr"/>
+          <a:lstStyle/>
+          <a:p>
+            <a:pPr algn="ctr"/>
+            <a:r>
+              <a:rPr lang="en-IN" dirty="0"/>
+              <a:t>Accepted Hotel’s details are shared</a:t>
+            </a:r>
+          </a:p>
+        </p:txBody>
+      </p:sp>
+      <p:sp>
+        <p:nvSpPr>
+          <p:cNvPr id="8" name="Rectangle 7">
+            <a:extLst>
+              <a:ext uri="{FF2B5EF4-FFF2-40B4-BE49-F238E27FC236}">
+                <a16:creationId xmlns:a16="http://schemas.microsoft.com/office/drawing/2014/main" id="{E1E92E16-32D4-B85B-3E84-6A17A3D98F85}"/>
+              </a:ext>
+            </a:extLst>
+          </p:cNvPr>
+          <p:cNvSpPr/>
+          <p:nvPr/>
+        </p:nvSpPr>
+        <p:spPr>
+          <a:xfrm>
+            <a:off x="1683398" y="5602583"/>
+            <a:ext cx="2502159" cy="600075"/>
+          </a:xfrm>
+          <a:prstGeom prst="rect">
+            <a:avLst/>
+          </a:prstGeom>
+        </p:spPr>
+        <p:style>
+          <a:lnRef idx="2">
+            <a:schemeClr val="accent1">
+              <a:shade val="15000"/>
+            </a:schemeClr>
+          </a:lnRef>
+          <a:fillRef idx="1">
+            <a:schemeClr val="accent1"/>
+          </a:fillRef>
+          <a:effectRef idx="0">
+            <a:schemeClr val="accent1"/>
+          </a:effectRef>
+          <a:fontRef idx="minor">
+            <a:schemeClr val="lt1"/>
+          </a:fontRef>
+        </p:style>
+        <p:txBody>
+          <a:bodyPr rtlCol="0" anchor="ctr"/>
+          <a:lstStyle/>
+          <a:p>
+            <a:pPr algn="ctr"/>
+            <a:r>
+              <a:rPr lang="en-IN" dirty="0"/>
+              <a:t>Hotel delivers the Food</a:t>
+            </a:r>
+          </a:p>
+        </p:txBody>
+      </p:sp>
+      <p:sp>
+        <p:nvSpPr>
+          <p:cNvPr id="9" name="Rectangle 8">
+            <a:extLst>
+              <a:ext uri="{FF2B5EF4-FFF2-40B4-BE49-F238E27FC236}">
+                <a16:creationId xmlns:a16="http://schemas.microsoft.com/office/drawing/2014/main" id="{0675A0F6-DE49-CF9F-FDB2-322DC6EC5F00}"/>
+              </a:ext>
+            </a:extLst>
+          </p:cNvPr>
+          <p:cNvSpPr/>
+          <p:nvPr/>
+        </p:nvSpPr>
+        <p:spPr>
+          <a:xfrm>
+            <a:off x="7221115" y="2498611"/>
+            <a:ext cx="2502159" cy="600075"/>
+          </a:xfrm>
+          <a:prstGeom prst="rect">
+            <a:avLst/>
+          </a:prstGeom>
+          <a:solidFill>
+            <a:srgbClr val="0070C0"/>
+          </a:solidFill>
+        </p:spPr>
+        <p:style>
+          <a:lnRef idx="2">
+            <a:schemeClr val="accent1">
+              <a:shade val="15000"/>
+            </a:schemeClr>
+          </a:lnRef>
+          <a:fillRef idx="1">
+            <a:schemeClr val="accent1"/>
+          </a:fillRef>
+          <a:effectRef idx="0">
+            <a:schemeClr val="accent1"/>
+          </a:effectRef>
+          <a:fontRef idx="minor">
+            <a:schemeClr val="lt1"/>
+          </a:fontRef>
+        </p:style>
+        <p:txBody>
+          <a:bodyPr rtlCol="0" anchor="ctr"/>
+          <a:lstStyle/>
+          <a:p>
+            <a:pPr algn="ctr"/>
+            <a:r>
+              <a:rPr lang="en-IN" dirty="0"/>
+              <a:t>Food Requests are displayed</a:t>
+            </a:r>
+          </a:p>
+        </p:txBody>
+      </p:sp>
+      <p:sp>
+        <p:nvSpPr>
+          <p:cNvPr id="10" name="Rectangle 9">
+            <a:extLst>
+              <a:ext uri="{FF2B5EF4-FFF2-40B4-BE49-F238E27FC236}">
+                <a16:creationId xmlns:a16="http://schemas.microsoft.com/office/drawing/2014/main" id="{A372199F-5F92-559C-0042-FF5970C77F86}"/>
+              </a:ext>
+            </a:extLst>
+          </p:cNvPr>
+          <p:cNvSpPr/>
+          <p:nvPr/>
+        </p:nvSpPr>
+        <p:spPr>
+          <a:xfrm>
+            <a:off x="5700641" y="3870005"/>
+            <a:ext cx="2303884" cy="559839"/>
+          </a:xfrm>
+          <a:prstGeom prst="rect">
+            <a:avLst/>
+          </a:prstGeom>
+        </p:spPr>
+        <p:style>
+          <a:lnRef idx="2">
+            <a:schemeClr val="accent1">
+              <a:shade val="15000"/>
+            </a:schemeClr>
+          </a:lnRef>
+          <a:fillRef idx="1">
+            <a:schemeClr val="accent1"/>
+          </a:fillRef>
+          <a:effectRef idx="0">
+            <a:schemeClr val="accent1"/>
+          </a:effectRef>
+          <a:fontRef idx="minor">
+            <a:schemeClr val="lt1"/>
+          </a:fontRef>
+        </p:style>
+        <p:txBody>
+          <a:bodyPr rtlCol="0" anchor="ctr"/>
+          <a:lstStyle/>
+          <a:p>
+            <a:pPr algn="ctr"/>
+            <a:r>
+              <a:rPr lang="en-IN" dirty="0"/>
+              <a:t>Contact details are shared</a:t>
+            </a:r>
+          </a:p>
+        </p:txBody>
+      </p:sp>
+      <p:sp>
+        <p:nvSpPr>
+          <p:cNvPr id="11" name="Rectangle 10">
+            <a:extLst>
+              <a:ext uri="{FF2B5EF4-FFF2-40B4-BE49-F238E27FC236}">
+                <a16:creationId xmlns:a16="http://schemas.microsoft.com/office/drawing/2014/main" id="{3C7B4080-F0C0-2CD8-5B3B-0CC4580A7552}"/>
+              </a:ext>
+            </a:extLst>
+          </p:cNvPr>
+          <p:cNvSpPr/>
+          <p:nvPr/>
+        </p:nvSpPr>
+        <p:spPr>
+          <a:xfrm>
+            <a:off x="9118648" y="3870005"/>
+            <a:ext cx="1987421" cy="600075"/>
+          </a:xfrm>
+          <a:prstGeom prst="rect">
+            <a:avLst/>
+          </a:prstGeom>
+        </p:spPr>
+        <p:style>
+          <a:lnRef idx="2">
+            <a:schemeClr val="accent1">
+              <a:shade val="15000"/>
+            </a:schemeClr>
+          </a:lnRef>
+          <a:fillRef idx="1">
+            <a:schemeClr val="accent1"/>
+          </a:fillRef>
+          <a:effectRef idx="0">
+            <a:schemeClr val="accent1"/>
+          </a:effectRef>
+          <a:fontRef idx="minor">
+            <a:schemeClr val="lt1"/>
+          </a:fontRef>
+        </p:style>
+        <p:txBody>
+          <a:bodyPr rtlCol="0" anchor="ctr"/>
+          <a:lstStyle/>
+          <a:p>
+            <a:pPr algn="ctr"/>
+            <a:r>
+              <a:rPr lang="en-IN" dirty="0"/>
+              <a:t>Cancelled request moved to History</a:t>
+            </a:r>
+          </a:p>
+        </p:txBody>
+      </p:sp>
+      <p:sp>
+        <p:nvSpPr>
+          <p:cNvPr id="12" name="Rectangle 11">
+            <a:extLst>
+              <a:ext uri="{FF2B5EF4-FFF2-40B4-BE49-F238E27FC236}">
+                <a16:creationId xmlns:a16="http://schemas.microsoft.com/office/drawing/2014/main" id="{FB70EF5A-0529-7124-2372-A2A81766E478}"/>
+              </a:ext>
+            </a:extLst>
+          </p:cNvPr>
+          <p:cNvSpPr/>
+          <p:nvPr/>
+        </p:nvSpPr>
+        <p:spPr>
+          <a:xfrm>
+            <a:off x="5700641" y="4697517"/>
+            <a:ext cx="2303884" cy="600075"/>
+          </a:xfrm>
+          <a:prstGeom prst="rect">
+            <a:avLst/>
+          </a:prstGeom>
+        </p:spPr>
+        <p:style>
+          <a:lnRef idx="2">
+            <a:schemeClr val="accent1">
+              <a:shade val="15000"/>
+            </a:schemeClr>
+          </a:lnRef>
+          <a:fillRef idx="1">
+            <a:schemeClr val="accent1"/>
+          </a:fillRef>
+          <a:effectRef idx="0">
+            <a:schemeClr val="accent1"/>
+          </a:effectRef>
+          <a:fontRef idx="minor">
+            <a:schemeClr val="lt1"/>
+          </a:fontRef>
+        </p:style>
+        <p:txBody>
+          <a:bodyPr rtlCol="0" anchor="ctr"/>
+          <a:lstStyle/>
+          <a:p>
+            <a:pPr algn="ctr"/>
+            <a:r>
+              <a:rPr lang="en-IN" dirty="0"/>
+              <a:t>Hotel delivers the Food</a:t>
+            </a:r>
+          </a:p>
+        </p:txBody>
+      </p:sp>
+      <p:sp>
+        <p:nvSpPr>
+          <p:cNvPr id="13" name="Rectangle 12">
+            <a:extLst>
+              <a:ext uri="{FF2B5EF4-FFF2-40B4-BE49-F238E27FC236}">
+                <a16:creationId xmlns:a16="http://schemas.microsoft.com/office/drawing/2014/main" id="{4989F7EE-B05F-19ED-E118-8DF0C60D9325}"/>
+              </a:ext>
+            </a:extLst>
+          </p:cNvPr>
+          <p:cNvSpPr/>
+          <p:nvPr/>
+        </p:nvSpPr>
+        <p:spPr>
+          <a:xfrm>
+            <a:off x="5700641" y="5602584"/>
+            <a:ext cx="2303884" cy="600075"/>
+          </a:xfrm>
+          <a:prstGeom prst="rect">
+            <a:avLst/>
+          </a:prstGeom>
+        </p:spPr>
+        <p:style>
+          <a:lnRef idx="2">
+            <a:schemeClr val="accent1">
+              <a:shade val="15000"/>
+            </a:schemeClr>
+          </a:lnRef>
+          <a:fillRef idx="1">
+            <a:schemeClr val="accent1"/>
+          </a:fillRef>
+          <a:effectRef idx="0">
+            <a:schemeClr val="accent1"/>
+          </a:effectRef>
+          <a:fontRef idx="minor">
+            <a:schemeClr val="lt1"/>
+          </a:fontRef>
+        </p:style>
+        <p:txBody>
+          <a:bodyPr rtlCol="0" anchor="ctr"/>
+          <a:lstStyle/>
+          <a:p>
+            <a:pPr algn="ctr"/>
+            <a:r>
+              <a:rPr lang="en-IN" dirty="0"/>
+              <a:t>Completed request moved to History</a:t>
+            </a:r>
+          </a:p>
+        </p:txBody>
+      </p:sp>
+      <p:sp>
+        <p:nvSpPr>
+          <p:cNvPr id="14" name="Title 13">
+            <a:extLst>
+              <a:ext uri="{FF2B5EF4-FFF2-40B4-BE49-F238E27FC236}">
+                <a16:creationId xmlns:a16="http://schemas.microsoft.com/office/drawing/2014/main" id="{B6C19EAE-C0B3-AE41-4264-9323C3DB2A95}"/>
               </a:ext>
             </a:extLst>
           </p:cNvPr>
@@ -6375,7 +5644,12 @@
             <p:ph type="title"/>
           </p:nvPr>
         </p:nvSpPr>
-        <p:spPr/>
+        <p:spPr>
+          <a:xfrm>
+            <a:off x="838200" y="365126"/>
+            <a:ext cx="10515600" cy="641848"/>
+          </a:xfrm>
+        </p:spPr>
         <p:txBody>
           <a:bodyPr>
             <a:normAutofit fontScale="90000"/>
@@ -6388,39 +5662,617 @@
                   <a:srgbClr val="002060"/>
                 </a:solidFill>
               </a:rPr>
-              <a:t>Algorithm / Technique Proposed or Solution methodology</a:t>
-            </a:r>
-            <a:br>
-              <a:rPr lang="en-IN" dirty="0"/>
-            </a:br>
-            <a:endParaRPr lang="en-IN" dirty="0"/>
-          </a:p>
-        </p:txBody>
-      </p:sp>
-      <p:sp>
-        <p:nvSpPr>
-          <p:cNvPr id="3" name="Content Placeholder 2">
-            <a:extLst>
-              <a:ext uri="{FF2B5EF4-FFF2-40B4-BE49-F238E27FC236}">
-                <a16:creationId xmlns:a16="http://schemas.microsoft.com/office/drawing/2014/main" id="{1AF36672-D7D8-72F7-55A7-CFBB4D11AB52}"/>
-              </a:ext>
-            </a:extLst>
-          </p:cNvPr>
-          <p:cNvSpPr>
-            <a:spLocks noGrp="1"/>
-          </p:cNvSpPr>
-          <p:nvPr>
-            <p:ph idx="1"/>
-          </p:nvPr>
-        </p:nvSpPr>
-        <p:spPr/>
-        <p:txBody>
-          <a:bodyPr/>
-          <a:lstStyle/>
-          <a:p>
-            <a:r>
-              <a:rPr lang="en-IN" dirty="0"/>
-              <a:t>--content--</a:t>
+              <a:t>Block Diagram</a:t>
+            </a:r>
+          </a:p>
+        </p:txBody>
+      </p:sp>
+      <p:cxnSp>
+        <p:nvCxnSpPr>
+          <p:cNvPr id="16" name="Straight Arrow Connector 15">
+            <a:extLst>
+              <a:ext uri="{FF2B5EF4-FFF2-40B4-BE49-F238E27FC236}">
+                <a16:creationId xmlns:a16="http://schemas.microsoft.com/office/drawing/2014/main" id="{503D677F-180A-1627-C101-9428D62B72B2}"/>
+              </a:ext>
+            </a:extLst>
+          </p:cNvPr>
+          <p:cNvCxnSpPr>
+            <a:cxnSpLocks/>
+            <a:stCxn id="2" idx="4"/>
+          </p:cNvCxnSpPr>
+          <p:nvPr/>
+        </p:nvCxnSpPr>
+        <p:spPr>
+          <a:xfrm flipH="1">
+            <a:off x="3032449" y="1311965"/>
+            <a:ext cx="2753309" cy="357943"/>
+          </a:xfrm>
+          <a:prstGeom prst="straightConnector1">
+            <a:avLst/>
+          </a:prstGeom>
+          <a:ln>
+            <a:tailEnd type="triangle"/>
+          </a:ln>
+        </p:spPr>
+        <p:style>
+          <a:lnRef idx="3">
+            <a:schemeClr val="dk1"/>
+          </a:lnRef>
+          <a:fillRef idx="0">
+            <a:schemeClr val="dk1"/>
+          </a:fillRef>
+          <a:effectRef idx="2">
+            <a:schemeClr val="dk1"/>
+          </a:effectRef>
+          <a:fontRef idx="minor">
+            <a:schemeClr val="tx1"/>
+          </a:fontRef>
+        </p:style>
+      </p:cxnSp>
+      <p:cxnSp>
+        <p:nvCxnSpPr>
+          <p:cNvPr id="18" name="Straight Arrow Connector 17">
+            <a:extLst>
+              <a:ext uri="{FF2B5EF4-FFF2-40B4-BE49-F238E27FC236}">
+                <a16:creationId xmlns:a16="http://schemas.microsoft.com/office/drawing/2014/main" id="{42756FCF-AA35-C1C8-1EFE-1BBB1D23EB67}"/>
+              </a:ext>
+            </a:extLst>
+          </p:cNvPr>
+          <p:cNvCxnSpPr>
+            <a:cxnSpLocks/>
+            <a:stCxn id="2" idx="4"/>
+            <a:endCxn id="4" idx="0"/>
+          </p:cNvCxnSpPr>
+          <p:nvPr/>
+        </p:nvCxnSpPr>
+        <p:spPr>
+          <a:xfrm>
+            <a:off x="5785758" y="1311965"/>
+            <a:ext cx="2686437" cy="379511"/>
+          </a:xfrm>
+          <a:prstGeom prst="straightConnector1">
+            <a:avLst/>
+          </a:prstGeom>
+          <a:ln>
+            <a:tailEnd type="triangle"/>
+          </a:ln>
+        </p:spPr>
+        <p:style>
+          <a:lnRef idx="3">
+            <a:schemeClr val="dk1"/>
+          </a:lnRef>
+          <a:fillRef idx="0">
+            <a:schemeClr val="dk1"/>
+          </a:fillRef>
+          <a:effectRef idx="2">
+            <a:schemeClr val="dk1"/>
+          </a:effectRef>
+          <a:fontRef idx="minor">
+            <a:schemeClr val="tx1"/>
+          </a:fontRef>
+        </p:style>
+      </p:cxnSp>
+      <p:cxnSp>
+        <p:nvCxnSpPr>
+          <p:cNvPr id="20" name="Straight Arrow Connector 19">
+            <a:extLst>
+              <a:ext uri="{FF2B5EF4-FFF2-40B4-BE49-F238E27FC236}">
+                <a16:creationId xmlns:a16="http://schemas.microsoft.com/office/drawing/2014/main" id="{623006F4-7B69-AA21-8C7F-76C5C77B55B6}"/>
+              </a:ext>
+            </a:extLst>
+          </p:cNvPr>
+          <p:cNvCxnSpPr>
+            <a:stCxn id="3" idx="2"/>
+            <a:endCxn id="5" idx="0"/>
+          </p:cNvCxnSpPr>
+          <p:nvPr/>
+        </p:nvCxnSpPr>
+        <p:spPr>
+          <a:xfrm>
+            <a:off x="2934478" y="2124026"/>
+            <a:ext cx="1" cy="457641"/>
+          </a:xfrm>
+          <a:prstGeom prst="straightConnector1">
+            <a:avLst/>
+          </a:prstGeom>
+          <a:ln>
+            <a:tailEnd type="triangle"/>
+          </a:ln>
+        </p:spPr>
+        <p:style>
+          <a:lnRef idx="3">
+            <a:schemeClr val="dk1"/>
+          </a:lnRef>
+          <a:fillRef idx="0">
+            <a:schemeClr val="dk1"/>
+          </a:fillRef>
+          <a:effectRef idx="2">
+            <a:schemeClr val="dk1"/>
+          </a:effectRef>
+          <a:fontRef idx="minor">
+            <a:schemeClr val="tx1"/>
+          </a:fontRef>
+        </p:style>
+      </p:cxnSp>
+      <p:cxnSp>
+        <p:nvCxnSpPr>
+          <p:cNvPr id="22" name="Straight Arrow Connector 21">
+            <a:extLst>
+              <a:ext uri="{FF2B5EF4-FFF2-40B4-BE49-F238E27FC236}">
+                <a16:creationId xmlns:a16="http://schemas.microsoft.com/office/drawing/2014/main" id="{E7FE7FE2-BFF8-D0E5-1F0C-F66DF51A3DFA}"/>
+              </a:ext>
+            </a:extLst>
+          </p:cNvPr>
+          <p:cNvCxnSpPr>
+            <a:stCxn id="5" idx="2"/>
+            <a:endCxn id="6" idx="0"/>
+          </p:cNvCxnSpPr>
+          <p:nvPr/>
+        </p:nvCxnSpPr>
+        <p:spPr>
+          <a:xfrm flipH="1">
+            <a:off x="2934478" y="3181742"/>
+            <a:ext cx="1" cy="495822"/>
+          </a:xfrm>
+          <a:prstGeom prst="straightConnector1">
+            <a:avLst/>
+          </a:prstGeom>
+          <a:ln>
+            <a:tailEnd type="triangle"/>
+          </a:ln>
+        </p:spPr>
+        <p:style>
+          <a:lnRef idx="3">
+            <a:schemeClr val="dk1"/>
+          </a:lnRef>
+          <a:fillRef idx="0">
+            <a:schemeClr val="dk1"/>
+          </a:fillRef>
+          <a:effectRef idx="2">
+            <a:schemeClr val="dk1"/>
+          </a:effectRef>
+          <a:fontRef idx="minor">
+            <a:schemeClr val="tx1"/>
+          </a:fontRef>
+        </p:style>
+      </p:cxnSp>
+      <p:cxnSp>
+        <p:nvCxnSpPr>
+          <p:cNvPr id="24" name="Straight Arrow Connector 23">
+            <a:extLst>
+              <a:ext uri="{FF2B5EF4-FFF2-40B4-BE49-F238E27FC236}">
+                <a16:creationId xmlns:a16="http://schemas.microsoft.com/office/drawing/2014/main" id="{D26EDBBF-3974-A8ED-6A4D-6DECE54E704C}"/>
+              </a:ext>
+            </a:extLst>
+          </p:cNvPr>
+          <p:cNvCxnSpPr>
+            <a:stCxn id="6" idx="2"/>
+            <a:endCxn id="7" idx="0"/>
+          </p:cNvCxnSpPr>
+          <p:nvPr/>
+        </p:nvCxnSpPr>
+        <p:spPr>
+          <a:xfrm>
+            <a:off x="2934478" y="4277639"/>
+            <a:ext cx="0" cy="429207"/>
+          </a:xfrm>
+          <a:prstGeom prst="straightConnector1">
+            <a:avLst/>
+          </a:prstGeom>
+          <a:ln>
+            <a:tailEnd type="triangle"/>
+          </a:ln>
+        </p:spPr>
+        <p:style>
+          <a:lnRef idx="3">
+            <a:schemeClr val="dk1"/>
+          </a:lnRef>
+          <a:fillRef idx="0">
+            <a:schemeClr val="dk1"/>
+          </a:fillRef>
+          <a:effectRef idx="2">
+            <a:schemeClr val="dk1"/>
+          </a:effectRef>
+          <a:fontRef idx="minor">
+            <a:schemeClr val="tx1"/>
+          </a:fontRef>
+        </p:style>
+      </p:cxnSp>
+      <p:cxnSp>
+        <p:nvCxnSpPr>
+          <p:cNvPr id="26" name="Straight Arrow Connector 25">
+            <a:extLst>
+              <a:ext uri="{FF2B5EF4-FFF2-40B4-BE49-F238E27FC236}">
+                <a16:creationId xmlns:a16="http://schemas.microsoft.com/office/drawing/2014/main" id="{B5030294-0ED6-3072-4F83-3F7C01E075F9}"/>
+              </a:ext>
+            </a:extLst>
+          </p:cNvPr>
+          <p:cNvCxnSpPr>
+            <a:stCxn id="7" idx="2"/>
+            <a:endCxn id="8" idx="0"/>
+          </p:cNvCxnSpPr>
+          <p:nvPr/>
+        </p:nvCxnSpPr>
+        <p:spPr>
+          <a:xfrm>
+            <a:off x="2934478" y="5306921"/>
+            <a:ext cx="0" cy="295662"/>
+          </a:xfrm>
+          <a:prstGeom prst="straightConnector1">
+            <a:avLst/>
+          </a:prstGeom>
+          <a:ln>
+            <a:tailEnd type="triangle"/>
+          </a:ln>
+        </p:spPr>
+        <p:style>
+          <a:lnRef idx="3">
+            <a:schemeClr val="dk1"/>
+          </a:lnRef>
+          <a:fillRef idx="0">
+            <a:schemeClr val="dk1"/>
+          </a:fillRef>
+          <a:effectRef idx="2">
+            <a:schemeClr val="dk1"/>
+          </a:effectRef>
+          <a:fontRef idx="minor">
+            <a:schemeClr val="tx1"/>
+          </a:fontRef>
+        </p:style>
+      </p:cxnSp>
+      <p:cxnSp>
+        <p:nvCxnSpPr>
+          <p:cNvPr id="28" name="Straight Arrow Connector 27">
+            <a:extLst>
+              <a:ext uri="{FF2B5EF4-FFF2-40B4-BE49-F238E27FC236}">
+                <a16:creationId xmlns:a16="http://schemas.microsoft.com/office/drawing/2014/main" id="{D8EAAE42-6657-44DF-A206-45C527CA3C71}"/>
+              </a:ext>
+            </a:extLst>
+          </p:cNvPr>
+          <p:cNvCxnSpPr>
+            <a:stCxn id="4" idx="2"/>
+            <a:endCxn id="9" idx="0"/>
+          </p:cNvCxnSpPr>
+          <p:nvPr/>
+        </p:nvCxnSpPr>
+        <p:spPr>
+          <a:xfrm>
+            <a:off x="8472195" y="2145594"/>
+            <a:ext cx="0" cy="353017"/>
+          </a:xfrm>
+          <a:prstGeom prst="straightConnector1">
+            <a:avLst/>
+          </a:prstGeom>
+          <a:ln>
+            <a:tailEnd type="triangle"/>
+          </a:ln>
+        </p:spPr>
+        <p:style>
+          <a:lnRef idx="3">
+            <a:schemeClr val="dk1"/>
+          </a:lnRef>
+          <a:fillRef idx="0">
+            <a:schemeClr val="dk1"/>
+          </a:fillRef>
+          <a:effectRef idx="2">
+            <a:schemeClr val="dk1"/>
+          </a:effectRef>
+          <a:fontRef idx="minor">
+            <a:schemeClr val="tx1"/>
+          </a:fontRef>
+        </p:style>
+      </p:cxnSp>
+      <p:cxnSp>
+        <p:nvCxnSpPr>
+          <p:cNvPr id="30" name="Straight Arrow Connector 29">
+            <a:extLst>
+              <a:ext uri="{FF2B5EF4-FFF2-40B4-BE49-F238E27FC236}">
+                <a16:creationId xmlns:a16="http://schemas.microsoft.com/office/drawing/2014/main" id="{291A282E-E434-A9C4-D10B-EC49A9E272D5}"/>
+              </a:ext>
+            </a:extLst>
+          </p:cNvPr>
+          <p:cNvCxnSpPr>
+            <a:stCxn id="9" idx="2"/>
+            <a:endCxn id="10" idx="0"/>
+          </p:cNvCxnSpPr>
+          <p:nvPr/>
+        </p:nvCxnSpPr>
+        <p:spPr>
+          <a:xfrm flipH="1">
+            <a:off x="6852583" y="3098686"/>
+            <a:ext cx="1619612" cy="771319"/>
+          </a:xfrm>
+          <a:prstGeom prst="straightConnector1">
+            <a:avLst/>
+          </a:prstGeom>
+          <a:ln>
+            <a:tailEnd type="triangle"/>
+          </a:ln>
+        </p:spPr>
+        <p:style>
+          <a:lnRef idx="3">
+            <a:schemeClr val="dk1"/>
+          </a:lnRef>
+          <a:fillRef idx="0">
+            <a:schemeClr val="dk1"/>
+          </a:fillRef>
+          <a:effectRef idx="2">
+            <a:schemeClr val="dk1"/>
+          </a:effectRef>
+          <a:fontRef idx="minor">
+            <a:schemeClr val="tx1"/>
+          </a:fontRef>
+        </p:style>
+      </p:cxnSp>
+      <p:cxnSp>
+        <p:nvCxnSpPr>
+          <p:cNvPr id="32" name="Straight Arrow Connector 31">
+            <a:extLst>
+              <a:ext uri="{FF2B5EF4-FFF2-40B4-BE49-F238E27FC236}">
+                <a16:creationId xmlns:a16="http://schemas.microsoft.com/office/drawing/2014/main" id="{C98EEA6C-A2CD-56A8-1D41-0563FBFCC290}"/>
+              </a:ext>
+            </a:extLst>
+          </p:cNvPr>
+          <p:cNvCxnSpPr>
+            <a:stCxn id="9" idx="2"/>
+            <a:endCxn id="11" idx="0"/>
+          </p:cNvCxnSpPr>
+          <p:nvPr/>
+        </p:nvCxnSpPr>
+        <p:spPr>
+          <a:xfrm>
+            <a:off x="8472195" y="3098686"/>
+            <a:ext cx="1640164" cy="771319"/>
+          </a:xfrm>
+          <a:prstGeom prst="straightConnector1">
+            <a:avLst/>
+          </a:prstGeom>
+          <a:ln>
+            <a:tailEnd type="triangle"/>
+          </a:ln>
+        </p:spPr>
+        <p:style>
+          <a:lnRef idx="3">
+            <a:schemeClr val="dk1"/>
+          </a:lnRef>
+          <a:fillRef idx="0">
+            <a:schemeClr val="dk1"/>
+          </a:fillRef>
+          <a:effectRef idx="2">
+            <a:schemeClr val="dk1"/>
+          </a:effectRef>
+          <a:fontRef idx="minor">
+            <a:schemeClr val="tx1"/>
+          </a:fontRef>
+        </p:style>
+      </p:cxnSp>
+      <p:cxnSp>
+        <p:nvCxnSpPr>
+          <p:cNvPr id="34" name="Straight Arrow Connector 33">
+            <a:extLst>
+              <a:ext uri="{FF2B5EF4-FFF2-40B4-BE49-F238E27FC236}">
+                <a16:creationId xmlns:a16="http://schemas.microsoft.com/office/drawing/2014/main" id="{78701DFC-0A88-3BCB-06D5-0F5554B00768}"/>
+              </a:ext>
+            </a:extLst>
+          </p:cNvPr>
+          <p:cNvCxnSpPr>
+            <a:stCxn id="10" idx="2"/>
+            <a:endCxn id="12" idx="0"/>
+          </p:cNvCxnSpPr>
+          <p:nvPr/>
+        </p:nvCxnSpPr>
+        <p:spPr>
+          <a:xfrm>
+            <a:off x="6852583" y="4429844"/>
+            <a:ext cx="0" cy="267673"/>
+          </a:xfrm>
+          <a:prstGeom prst="straightConnector1">
+            <a:avLst/>
+          </a:prstGeom>
+          <a:ln>
+            <a:tailEnd type="triangle"/>
+          </a:ln>
+        </p:spPr>
+        <p:style>
+          <a:lnRef idx="3">
+            <a:schemeClr val="dk1"/>
+          </a:lnRef>
+          <a:fillRef idx="0">
+            <a:schemeClr val="dk1"/>
+          </a:fillRef>
+          <a:effectRef idx="2">
+            <a:schemeClr val="dk1"/>
+          </a:effectRef>
+          <a:fontRef idx="minor">
+            <a:schemeClr val="tx1"/>
+          </a:fontRef>
+        </p:style>
+      </p:cxnSp>
+      <p:cxnSp>
+        <p:nvCxnSpPr>
+          <p:cNvPr id="36" name="Straight Arrow Connector 35">
+            <a:extLst>
+              <a:ext uri="{FF2B5EF4-FFF2-40B4-BE49-F238E27FC236}">
+                <a16:creationId xmlns:a16="http://schemas.microsoft.com/office/drawing/2014/main" id="{7E1EED12-A4A2-7176-F8B3-3AA22C9BC14F}"/>
+              </a:ext>
+            </a:extLst>
+          </p:cNvPr>
+          <p:cNvCxnSpPr>
+            <a:stCxn id="12" idx="2"/>
+            <a:endCxn id="13" idx="0"/>
+          </p:cNvCxnSpPr>
+          <p:nvPr/>
+        </p:nvCxnSpPr>
+        <p:spPr>
+          <a:xfrm>
+            <a:off x="6852583" y="5297592"/>
+            <a:ext cx="0" cy="304992"/>
+          </a:xfrm>
+          <a:prstGeom prst="straightConnector1">
+            <a:avLst/>
+          </a:prstGeom>
+          <a:ln>
+            <a:tailEnd type="triangle"/>
+          </a:ln>
+        </p:spPr>
+        <p:style>
+          <a:lnRef idx="3">
+            <a:schemeClr val="dk1"/>
+          </a:lnRef>
+          <a:fillRef idx="0">
+            <a:schemeClr val="dk1"/>
+          </a:fillRef>
+          <a:effectRef idx="2">
+            <a:schemeClr val="dk1"/>
+          </a:effectRef>
+          <a:fontRef idx="minor">
+            <a:schemeClr val="tx1"/>
+          </a:fontRef>
+        </p:style>
+      </p:cxnSp>
+      <p:cxnSp>
+        <p:nvCxnSpPr>
+          <p:cNvPr id="39" name="Straight Arrow Connector 38">
+            <a:extLst>
+              <a:ext uri="{FF2B5EF4-FFF2-40B4-BE49-F238E27FC236}">
+                <a16:creationId xmlns:a16="http://schemas.microsoft.com/office/drawing/2014/main" id="{2364EED7-B80B-A659-79D5-20F2B851CFDC}"/>
+              </a:ext>
+            </a:extLst>
+          </p:cNvPr>
+          <p:cNvCxnSpPr>
+            <a:stCxn id="8" idx="3"/>
+            <a:endCxn id="13" idx="1"/>
+          </p:cNvCxnSpPr>
+          <p:nvPr/>
+        </p:nvCxnSpPr>
+        <p:spPr>
+          <a:xfrm>
+            <a:off x="4185557" y="5902621"/>
+            <a:ext cx="1515084" cy="1"/>
+          </a:xfrm>
+          <a:prstGeom prst="straightConnector1">
+            <a:avLst/>
+          </a:prstGeom>
+          <a:ln>
+            <a:tailEnd type="triangle"/>
+          </a:ln>
+        </p:spPr>
+        <p:style>
+          <a:lnRef idx="3">
+            <a:schemeClr val="dk1"/>
+          </a:lnRef>
+          <a:fillRef idx="0">
+            <a:schemeClr val="dk1"/>
+          </a:fillRef>
+          <a:effectRef idx="2">
+            <a:schemeClr val="dk1"/>
+          </a:effectRef>
+          <a:fontRef idx="minor">
+            <a:schemeClr val="tx1"/>
+          </a:fontRef>
+        </p:style>
+      </p:cxnSp>
+      <p:sp>
+        <p:nvSpPr>
+          <p:cNvPr id="40" name="TextBox 39">
+            <a:extLst>
+              <a:ext uri="{FF2B5EF4-FFF2-40B4-BE49-F238E27FC236}">
+                <a16:creationId xmlns:a16="http://schemas.microsoft.com/office/drawing/2014/main" id="{C1FEF4D1-A00D-29C1-5B16-EFADCF55D3AD}"/>
+              </a:ext>
+            </a:extLst>
+          </p:cNvPr>
+          <p:cNvSpPr txBox="1"/>
+          <p:nvPr/>
+        </p:nvSpPr>
+        <p:spPr>
+          <a:xfrm rot="20413168">
+            <a:off x="6865606" y="3146983"/>
+            <a:ext cx="1068744" cy="369332"/>
+          </a:xfrm>
+          <a:prstGeom prst="rect">
+            <a:avLst/>
+          </a:prstGeom>
+          <a:noFill/>
+        </p:spPr>
+        <p:txBody>
+          <a:bodyPr wrap="square" rtlCol="0">
+            <a:spAutoFit/>
+          </a:bodyPr>
+          <a:lstStyle/>
+          <a:p>
+            <a:r>
+              <a:rPr lang="en-IN" b="1" dirty="0"/>
+              <a:t>Accepted</a:t>
+            </a:r>
+          </a:p>
+        </p:txBody>
+      </p:sp>
+      <p:sp>
+        <p:nvSpPr>
+          <p:cNvPr id="44" name="TextBox 43">
+            <a:extLst>
+              <a:ext uri="{FF2B5EF4-FFF2-40B4-BE49-F238E27FC236}">
+                <a16:creationId xmlns:a16="http://schemas.microsoft.com/office/drawing/2014/main" id="{B2D4E98A-1DD9-F002-19D5-EE483D269493}"/>
+              </a:ext>
+            </a:extLst>
+          </p:cNvPr>
+          <p:cNvSpPr txBox="1"/>
+          <p:nvPr/>
+        </p:nvSpPr>
+        <p:spPr>
+          <a:xfrm rot="1469581">
+            <a:off x="8924875" y="3223829"/>
+            <a:ext cx="1163264" cy="369332"/>
+          </a:xfrm>
+          <a:prstGeom prst="rect">
+            <a:avLst/>
+          </a:prstGeom>
+          <a:noFill/>
+        </p:spPr>
+        <p:txBody>
+          <a:bodyPr wrap="square" rtlCol="0">
+            <a:spAutoFit/>
+          </a:bodyPr>
+          <a:lstStyle/>
+          <a:p>
+            <a:r>
+              <a:rPr lang="en-IN" b="1" dirty="0"/>
+              <a:t>Cancelled</a:t>
+            </a:r>
+          </a:p>
+        </p:txBody>
+      </p:sp>
+      <p:sp>
+        <p:nvSpPr>
+          <p:cNvPr id="45" name="TextBox 44">
+            <a:extLst>
+              <a:ext uri="{FF2B5EF4-FFF2-40B4-BE49-F238E27FC236}">
+                <a16:creationId xmlns:a16="http://schemas.microsoft.com/office/drawing/2014/main" id="{498209CC-FB70-649E-8E4D-3AD8BC47D824}"/>
+              </a:ext>
+            </a:extLst>
+          </p:cNvPr>
+          <p:cNvSpPr txBox="1"/>
+          <p:nvPr/>
+        </p:nvSpPr>
+        <p:spPr>
+          <a:xfrm>
+            <a:off x="4333106" y="5342355"/>
+            <a:ext cx="1296950" cy="373227"/>
+          </a:xfrm>
+          <a:prstGeom prst="rect">
+            <a:avLst/>
+          </a:prstGeom>
+          <a:noFill/>
+        </p:spPr>
+        <p:txBody>
+          <a:bodyPr wrap="square" rtlCol="0">
+            <a:spAutoFit/>
+          </a:bodyPr>
+          <a:lstStyle/>
+          <a:p>
+            <a:r>
+              <a:rPr lang="en-IN" b="1" dirty="0"/>
+              <a:t>Completed</a:t>
             </a:r>
           </a:p>
         </p:txBody>
@@ -6428,7 +6280,7 @@
     </p:spTree>
     <p:extLst>
       <p:ext uri="{BB962C8B-B14F-4D97-AF65-F5344CB8AC3E}">
-        <p14:creationId xmlns:p14="http://schemas.microsoft.com/office/powerpoint/2010/main" val="615103540"/>
+        <p14:creationId xmlns:p14="http://schemas.microsoft.com/office/powerpoint/2010/main" val="3412680038"/>
       </p:ext>
     </p:extLst>
   </p:cSld>
@@ -6494,7 +6346,7 @@
           <p:cNvPr id="2" name="Title 1">
             <a:extLst>
               <a:ext uri="{FF2B5EF4-FFF2-40B4-BE49-F238E27FC236}">
-                <a16:creationId xmlns:a16="http://schemas.microsoft.com/office/drawing/2014/main" id="{29E05B5E-3D07-702A-72B6-55CEE9840CB8}"/>
+                <a16:creationId xmlns:a16="http://schemas.microsoft.com/office/drawing/2014/main" id="{629BF9F0-5EA9-5A1D-BFE8-082B2052EF66}"/>
               </a:ext>
             </a:extLst>
           </p:cNvPr>
@@ -6511,8 +6363,12 @@
           <a:lstStyle/>
           <a:p>
             <a:r>
-              <a:rPr lang="en-IN" dirty="0"/>
-              <a:t>Hardware Requirements</a:t>
+              <a:rPr lang="en-IN" b="1" dirty="0">
+                <a:solidFill>
+                  <a:srgbClr val="002060"/>
+                </a:solidFill>
+              </a:rPr>
+              <a:t>Software Requirements</a:t>
             </a:r>
           </a:p>
         </p:txBody>
@@ -6522,7 +6378,7 @@
           <p:cNvPr id="3" name="Content Placeholder 2">
             <a:extLst>
               <a:ext uri="{FF2B5EF4-FFF2-40B4-BE49-F238E27FC236}">
-                <a16:creationId xmlns:a16="http://schemas.microsoft.com/office/drawing/2014/main" id="{F1029298-822C-49E7-274E-B3E6E2B516BC}"/>
+                <a16:creationId xmlns:a16="http://schemas.microsoft.com/office/drawing/2014/main" id="{2D2E4DF0-3FB2-0B30-22EA-B09B1A8305CF}"/>
               </a:ext>
             </a:extLst>
           </p:cNvPr>
@@ -6533,19 +6389,73 @@
             <p:ph idx="1"/>
           </p:nvPr>
         </p:nvSpPr>
-        <p:spPr/>
-        <p:txBody>
-          <a:bodyPr/>
-          <a:lstStyle/>
-          <a:p>
-            <a:endParaRPr lang="en-IN" dirty="0"/>
+        <p:spPr>
+          <a:xfrm>
+            <a:off x="838200" y="1690688"/>
+            <a:ext cx="10515600" cy="4351338"/>
+          </a:xfrm>
+        </p:spPr>
+        <p:txBody>
+          <a:bodyPr>
+            <a:normAutofit/>
+          </a:bodyPr>
+          <a:lstStyle/>
+          <a:p>
+            <a:r>
+              <a:rPr lang="en-IN" sz="2400" b="1" dirty="0"/>
+              <a:t>Front-End Framework:</a:t>
+            </a:r>
+            <a:r>
+              <a:rPr lang="en-IN" sz="2400" dirty="0"/>
+              <a:t> Angular 17, Ionic</a:t>
+            </a:r>
+          </a:p>
+          <a:p>
+            <a:r>
+              <a:rPr lang="en-IN" sz="2400" b="1" dirty="0"/>
+              <a:t>Development Environment:</a:t>
+            </a:r>
+            <a:r>
+              <a:rPr lang="en-IN" sz="2400" dirty="0"/>
+              <a:t> Visual Studio Code</a:t>
+            </a:r>
+          </a:p>
+          <a:p>
+            <a:r>
+              <a:rPr lang="en-IN" sz="2400" b="1" dirty="0"/>
+              <a:t>Database Management:</a:t>
+            </a:r>
+            <a:r>
+              <a:rPr lang="en-IN" sz="2400" dirty="0"/>
+              <a:t> Firestore</a:t>
+            </a:r>
+          </a:p>
+          <a:p>
+            <a:r>
+              <a:rPr lang="en-IN" sz="2400" b="1" dirty="0"/>
+              <a:t>Hosting: </a:t>
+            </a:r>
+            <a:r>
+              <a:rPr lang="en-IN" sz="2400" dirty="0"/>
+              <a:t>Firebase</a:t>
+            </a:r>
+          </a:p>
+          <a:p>
+            <a:r>
+              <a:rPr lang="en-IN" sz="2400" b="1" dirty="0"/>
+              <a:t>Login Management:</a:t>
+            </a:r>
+            <a:r>
+              <a:rPr lang="en-IN" sz="2400" dirty="0"/>
+              <a:t> Google OAuth</a:t>
+            </a:r>
           </a:p>
         </p:txBody>
       </p:sp>
     </p:spTree>
     <p:extLst>
       <p:ext uri="{BB962C8B-B14F-4D97-AF65-F5344CB8AC3E}">
-        <p14:creationId xmlns:p14="http://schemas.microsoft.com/office/powerpoint/2010/main" val="1894299884"/>
+        <p14:creationId xmlns:p14="http://schemas.microsoft.com/office/powerpoint/2010/main" val="4294784492"/>
       </p:ext>
     </p:extLst>
   </p:cSld>
@@ -6611,7 +6521,7 @@
           <p:cNvPr id="2" name="Title 1">
             <a:extLst>
               <a:ext uri="{FF2B5EF4-FFF2-40B4-BE49-F238E27FC236}">
-                <a16:creationId xmlns:a16="http://schemas.microsoft.com/office/drawing/2014/main" id="{629BF9F0-5EA9-5A1D-BFE8-082B2052EF66}"/>
+                <a16:creationId xmlns:a16="http://schemas.microsoft.com/office/drawing/2014/main" id="{56B6D8E8-610E-90C9-2A59-7B083558350B}"/>
               </a:ext>
             </a:extLst>
           </p:cNvPr>
@@ -6633,67 +6543,280 @@
                   <a:srgbClr val="002060"/>
                 </a:solidFill>
               </a:rPr>
-              <a:t>Software Requirements</a:t>
-            </a:r>
-          </a:p>
-        </p:txBody>
-      </p:sp>
-      <p:sp>
-        <p:nvSpPr>
-          <p:cNvPr id="3" name="Content Placeholder 2">
-            <a:extLst>
-              <a:ext uri="{FF2B5EF4-FFF2-40B4-BE49-F238E27FC236}">
-                <a16:creationId xmlns:a16="http://schemas.microsoft.com/office/drawing/2014/main" id="{2D2E4DF0-3FB2-0B30-22EA-B09B1A8305CF}"/>
-              </a:ext>
-            </a:extLst>
-          </p:cNvPr>
-          <p:cNvSpPr>
-            <a:spLocks noGrp="1"/>
-          </p:cNvSpPr>
-          <p:nvPr>
-            <p:ph idx="1"/>
-          </p:nvPr>
-        </p:nvSpPr>
-        <p:spPr/>
-        <p:txBody>
-          <a:bodyPr/>
-          <a:lstStyle/>
-          <a:p>
-            <a:r>
-              <a:rPr lang="en-IN" dirty="0"/>
-              <a:t>Front-End Framework: Angular 17, Ionic</a:t>
-            </a:r>
-          </a:p>
-          <a:p>
-            <a:r>
-              <a:rPr lang="en-IN" dirty="0"/>
-              <a:t>Development Environment: Visual Studio Code</a:t>
-            </a:r>
-          </a:p>
-          <a:p>
-            <a:r>
-              <a:rPr lang="en-IN" dirty="0"/>
-              <a:t>Database Management: Firestore</a:t>
-            </a:r>
-          </a:p>
-          <a:p>
-            <a:r>
-              <a:rPr lang="en-IN" dirty="0"/>
-              <a:t>Hosting: Firestore</a:t>
-            </a:r>
-          </a:p>
-          <a:p>
-            <a:r>
-              <a:rPr lang="en-IN" dirty="0"/>
-              <a:t>Login Management: Firestore</a:t>
-            </a:r>
+              <a:t>UML Diagram</a:t>
+            </a:r>
+          </a:p>
+        </p:txBody>
+      </p:sp>
+      <p:sp>
+        <p:nvSpPr>
+          <p:cNvPr id="3" name="Rectangle 2">
+            <a:extLst>
+              <a:ext uri="{FF2B5EF4-FFF2-40B4-BE49-F238E27FC236}">
+                <a16:creationId xmlns:a16="http://schemas.microsoft.com/office/drawing/2014/main" id="{F5DD1303-0B21-62A3-A0CD-672E8E41FAC0}"/>
+              </a:ext>
+            </a:extLst>
+          </p:cNvPr>
+          <p:cNvSpPr/>
+          <p:nvPr/>
+        </p:nvSpPr>
+        <p:spPr>
+          <a:xfrm>
+            <a:off x="1895724" y="2080303"/>
+            <a:ext cx="2642118" cy="2955956"/>
+          </a:xfrm>
+          <a:prstGeom prst="rect">
+            <a:avLst/>
+          </a:prstGeom>
+        </p:spPr>
+        <p:style>
+          <a:lnRef idx="2">
+            <a:schemeClr val="accent1">
+              <a:shade val="15000"/>
+            </a:schemeClr>
+          </a:lnRef>
+          <a:fillRef idx="1">
+            <a:schemeClr val="accent1"/>
+          </a:fillRef>
+          <a:effectRef idx="0">
+            <a:schemeClr val="accent1"/>
+          </a:effectRef>
+          <a:fontRef idx="minor">
+            <a:schemeClr val="lt1"/>
+          </a:fontRef>
+        </p:style>
+        <p:txBody>
+          <a:bodyPr rtlCol="0" anchor="ctr"/>
+          <a:lstStyle/>
+          <a:p>
+            <a:pPr algn="ctr"/>
+            <a:r>
+              <a:rPr lang="en-IN" sz="2000" b="1" dirty="0"/>
+              <a:t>User details</a:t>
+            </a:r>
+          </a:p>
+          <a:p>
+            <a:pPr marL="285750" indent="-285750">
+              <a:buFont typeface="Arial" panose="020B0604020202020204" pitchFamily="34" charset="0"/>
+              <a:buChar char="•"/>
+            </a:pPr>
+            <a:r>
+              <a:rPr lang="en-IN" dirty="0" err="1"/>
+              <a:t>user_name</a:t>
+            </a:r>
+            <a:endParaRPr lang="en-IN" dirty="0"/>
+          </a:p>
+          <a:p>
+            <a:pPr marL="285750" indent="-285750">
+              <a:buFont typeface="Arial" panose="020B0604020202020204" pitchFamily="34" charset="0"/>
+              <a:buChar char="•"/>
+            </a:pPr>
+            <a:r>
+              <a:rPr lang="en-IN" dirty="0" err="1"/>
+              <a:t>contact_number</a:t>
+            </a:r>
+            <a:endParaRPr lang="en-IN" dirty="0"/>
+          </a:p>
+          <a:p>
+            <a:pPr marL="285750" indent="-285750">
+              <a:buFont typeface="Arial" panose="020B0604020202020204" pitchFamily="34" charset="0"/>
+              <a:buChar char="•"/>
+            </a:pPr>
+            <a:r>
+              <a:rPr lang="en-IN" dirty="0" err="1"/>
+              <a:t>organization_type</a:t>
+            </a:r>
+            <a:endParaRPr lang="en-IN" dirty="0"/>
+          </a:p>
+          <a:p>
+            <a:pPr marL="285750" indent="-285750">
+              <a:buFont typeface="Arial" panose="020B0604020202020204" pitchFamily="34" charset="0"/>
+              <a:buChar char="•"/>
+            </a:pPr>
+            <a:r>
+              <a:rPr lang="en-IN" dirty="0" err="1"/>
+              <a:t>organization_name</a:t>
+            </a:r>
+            <a:endParaRPr lang="en-IN" dirty="0"/>
+          </a:p>
+          <a:p>
+            <a:pPr marL="285750" indent="-285750">
+              <a:buFont typeface="Arial" panose="020B0604020202020204" pitchFamily="34" charset="0"/>
+              <a:buChar char="•"/>
+            </a:pPr>
+            <a:r>
+              <a:rPr lang="en-IN" dirty="0" err="1"/>
+              <a:t>user_address</a:t>
+            </a:r>
+            <a:endParaRPr lang="en-IN" dirty="0"/>
+          </a:p>
+        </p:txBody>
+      </p:sp>
+      <p:sp>
+        <p:nvSpPr>
+          <p:cNvPr id="4" name="Rectangle 3">
+            <a:extLst>
+              <a:ext uri="{FF2B5EF4-FFF2-40B4-BE49-F238E27FC236}">
+                <a16:creationId xmlns:a16="http://schemas.microsoft.com/office/drawing/2014/main" id="{18A4F943-97E0-48D6-7601-2A656D598A0D}"/>
+              </a:ext>
+            </a:extLst>
+          </p:cNvPr>
+          <p:cNvSpPr/>
+          <p:nvPr/>
+        </p:nvSpPr>
+        <p:spPr>
+          <a:xfrm>
+            <a:off x="6702544" y="2080302"/>
+            <a:ext cx="2530151" cy="2955957"/>
+          </a:xfrm>
+          <a:prstGeom prst="rect">
+            <a:avLst/>
+          </a:prstGeom>
+        </p:spPr>
+        <p:style>
+          <a:lnRef idx="2">
+            <a:schemeClr val="accent1">
+              <a:shade val="15000"/>
+            </a:schemeClr>
+          </a:lnRef>
+          <a:fillRef idx="1">
+            <a:schemeClr val="accent1"/>
+          </a:fillRef>
+          <a:effectRef idx="0">
+            <a:schemeClr val="accent1"/>
+          </a:effectRef>
+          <a:fontRef idx="minor">
+            <a:schemeClr val="lt1"/>
+          </a:fontRef>
+        </p:style>
+        <p:txBody>
+          <a:bodyPr rtlCol="0" anchor="ctr"/>
+          <a:lstStyle/>
+          <a:p>
+            <a:pPr algn="ctr"/>
+            <a:r>
+              <a:rPr lang="en-IN" sz="2000" b="1" dirty="0"/>
+              <a:t>Request</a:t>
+            </a:r>
+          </a:p>
+          <a:p>
+            <a:pPr marL="285750" indent="-285750">
+              <a:buFont typeface="Arial" panose="020B0604020202020204" pitchFamily="34" charset="0"/>
+              <a:buChar char="•"/>
+            </a:pPr>
+            <a:r>
+              <a:rPr lang="en-IN" dirty="0" err="1"/>
+              <a:t>request_id</a:t>
+            </a:r>
+            <a:endParaRPr lang="en-IN" dirty="0"/>
+          </a:p>
+          <a:p>
+            <a:pPr marL="285750" indent="-285750">
+              <a:buFont typeface="Arial" panose="020B0604020202020204" pitchFamily="34" charset="0"/>
+              <a:buChar char="•"/>
+            </a:pPr>
+            <a:r>
+              <a:rPr lang="en-IN" dirty="0" err="1"/>
+              <a:t>user_name</a:t>
+            </a:r>
+            <a:endParaRPr lang="en-IN" dirty="0"/>
+          </a:p>
+          <a:p>
+            <a:pPr marL="285750" indent="-285750">
+              <a:buFont typeface="Arial" panose="020B0604020202020204" pitchFamily="34" charset="0"/>
+              <a:buChar char="•"/>
+            </a:pPr>
+            <a:r>
+              <a:rPr lang="en-IN" dirty="0" err="1"/>
+              <a:t>contact_number</a:t>
+            </a:r>
+            <a:endParaRPr lang="en-IN" dirty="0"/>
+          </a:p>
+          <a:p>
+            <a:pPr marL="285750" indent="-285750">
+              <a:buFont typeface="Arial" panose="020B0604020202020204" pitchFamily="34" charset="0"/>
+              <a:buChar char="•"/>
+            </a:pPr>
+            <a:r>
+              <a:rPr lang="en-IN" dirty="0" err="1"/>
+              <a:t>organization_name</a:t>
+            </a:r>
+            <a:endParaRPr lang="en-IN" dirty="0"/>
+          </a:p>
+          <a:p>
+            <a:pPr marL="285750" indent="-285750">
+              <a:buFont typeface="Arial" panose="020B0604020202020204" pitchFamily="34" charset="0"/>
+              <a:buChar char="•"/>
+            </a:pPr>
+            <a:r>
+              <a:rPr lang="en-IN" dirty="0" err="1"/>
+              <a:t>user_address</a:t>
+            </a:r>
+            <a:endParaRPr lang="en-IN" dirty="0"/>
+          </a:p>
+          <a:p>
+            <a:pPr marL="285750" indent="-285750">
+              <a:buFont typeface="Arial" panose="020B0604020202020204" pitchFamily="34" charset="0"/>
+              <a:buChar char="•"/>
+            </a:pPr>
+            <a:r>
+              <a:rPr lang="en-IN" dirty="0" err="1"/>
+              <a:t>food_count</a:t>
+            </a:r>
+            <a:endParaRPr lang="en-IN" dirty="0"/>
+          </a:p>
+        </p:txBody>
+      </p:sp>
+      <p:sp>
+        <p:nvSpPr>
+          <p:cNvPr id="5" name="Arrow: Right 4">
+            <a:extLst>
+              <a:ext uri="{FF2B5EF4-FFF2-40B4-BE49-F238E27FC236}">
+                <a16:creationId xmlns:a16="http://schemas.microsoft.com/office/drawing/2014/main" id="{1855BE3F-3F3A-F3B3-0D34-0F02B344A73F}"/>
+              </a:ext>
+            </a:extLst>
+          </p:cNvPr>
+          <p:cNvSpPr/>
+          <p:nvPr/>
+        </p:nvSpPr>
+        <p:spPr>
+          <a:xfrm>
+            <a:off x="4724454" y="3306353"/>
+            <a:ext cx="1782147" cy="512261"/>
+          </a:xfrm>
+          <a:prstGeom prst="rightArrow">
+            <a:avLst/>
+          </a:prstGeom>
+        </p:spPr>
+        <p:style>
+          <a:lnRef idx="2">
+            <a:schemeClr val="accent1">
+              <a:shade val="15000"/>
+            </a:schemeClr>
+          </a:lnRef>
+          <a:fillRef idx="1">
+            <a:schemeClr val="accent1"/>
+          </a:fillRef>
+          <a:effectRef idx="0">
+            <a:schemeClr val="accent1"/>
+          </a:effectRef>
+          <a:fontRef idx="minor">
+            <a:schemeClr val="lt1"/>
+          </a:fontRef>
+        </p:style>
+        <p:txBody>
+          <a:bodyPr rtlCol="0" anchor="ctr"/>
+          <a:lstStyle/>
+          <a:p>
+            <a:pPr algn="ctr"/>
+            <a:endParaRPr lang="en-IN"/>
           </a:p>
         </p:txBody>
       </p:sp>
     </p:spTree>
     <p:extLst>
       <p:ext uri="{BB962C8B-B14F-4D97-AF65-F5344CB8AC3E}">
-        <p14:creationId xmlns:p14="http://schemas.microsoft.com/office/powerpoint/2010/main" val="4294784492"/>
+        <p14:creationId xmlns:p14="http://schemas.microsoft.com/office/powerpoint/2010/main" val="4254367455"/>
       </p:ext>
     </p:extLst>
   </p:cSld>

--- a/FoodBridge.pptx
+++ b/FoodBridge.pptx
@@ -274,7 +274,7 @@
               <a:rPr lang="en-IN" smtClean="0"/>
               <a:t>09-03-2024</a:t>
             </a:fld>
-            <a:endParaRPr lang="en-IN"/>
+            <a:endParaRPr lang="en-IN" dirty="0"/>
           </a:p>
         </p:txBody>
       </p:sp>
@@ -299,7 +299,7 @@
           <a:bodyPr/>
           <a:lstStyle/>
           <a:p>
-            <a:endParaRPr lang="en-IN"/>
+            <a:endParaRPr lang="en-IN" dirty="0"/>
           </a:p>
         </p:txBody>
       </p:sp>
@@ -328,7 +328,7 @@
               <a:rPr lang="en-IN" smtClean="0"/>
               <a:t>‹#›</a:t>
             </a:fld>
-            <a:endParaRPr lang="en-IN"/>
+            <a:endParaRPr lang="en-IN" dirty="0"/>
           </a:p>
         </p:txBody>
       </p:sp>
@@ -474,7 +474,7 @@
               <a:rPr lang="en-IN" smtClean="0"/>
               <a:t>09-03-2024</a:t>
             </a:fld>
-            <a:endParaRPr lang="en-IN"/>
+            <a:endParaRPr lang="en-IN" dirty="0"/>
           </a:p>
         </p:txBody>
       </p:sp>
@@ -499,7 +499,7 @@
           <a:bodyPr/>
           <a:lstStyle/>
           <a:p>
-            <a:endParaRPr lang="en-IN"/>
+            <a:endParaRPr lang="en-IN" dirty="0"/>
           </a:p>
         </p:txBody>
       </p:sp>
@@ -528,7 +528,7 @@
               <a:rPr lang="en-IN" smtClean="0"/>
               <a:t>‹#›</a:t>
             </a:fld>
-            <a:endParaRPr lang="en-IN"/>
+            <a:endParaRPr lang="en-IN" dirty="0"/>
           </a:p>
         </p:txBody>
       </p:sp>
@@ -684,7 +684,7 @@
               <a:rPr lang="en-IN" smtClean="0"/>
               <a:t>09-03-2024</a:t>
             </a:fld>
-            <a:endParaRPr lang="en-IN"/>
+            <a:endParaRPr lang="en-IN" dirty="0"/>
           </a:p>
         </p:txBody>
       </p:sp>
@@ -709,7 +709,7 @@
           <a:bodyPr/>
           <a:lstStyle/>
           <a:p>
-            <a:endParaRPr lang="en-IN"/>
+            <a:endParaRPr lang="en-IN" dirty="0"/>
           </a:p>
         </p:txBody>
       </p:sp>
@@ -738,7 +738,7 @@
               <a:rPr lang="en-IN" smtClean="0"/>
               <a:t>‹#›</a:t>
             </a:fld>
-            <a:endParaRPr lang="en-IN"/>
+            <a:endParaRPr lang="en-IN" dirty="0"/>
           </a:p>
         </p:txBody>
       </p:sp>
@@ -884,7 +884,7 @@
               <a:rPr lang="en-IN" smtClean="0"/>
               <a:t>09-03-2024</a:t>
             </a:fld>
-            <a:endParaRPr lang="en-IN"/>
+            <a:endParaRPr lang="en-IN" dirty="0"/>
           </a:p>
         </p:txBody>
       </p:sp>
@@ -909,7 +909,7 @@
           <a:bodyPr/>
           <a:lstStyle/>
           <a:p>
-            <a:endParaRPr lang="en-IN"/>
+            <a:endParaRPr lang="en-IN" dirty="0"/>
           </a:p>
         </p:txBody>
       </p:sp>
@@ -938,7 +938,7 @@
               <a:rPr lang="en-IN" smtClean="0"/>
               <a:t>‹#›</a:t>
             </a:fld>
-            <a:endParaRPr lang="en-IN"/>
+            <a:endParaRPr lang="en-IN" dirty="0"/>
           </a:p>
         </p:txBody>
       </p:sp>
@@ -1160,7 +1160,7 @@
               <a:rPr lang="en-IN" smtClean="0"/>
               <a:t>09-03-2024</a:t>
             </a:fld>
-            <a:endParaRPr lang="en-IN"/>
+            <a:endParaRPr lang="en-IN" dirty="0"/>
           </a:p>
         </p:txBody>
       </p:sp>
@@ -1185,7 +1185,7 @@
           <a:bodyPr/>
           <a:lstStyle/>
           <a:p>
-            <a:endParaRPr lang="en-IN"/>
+            <a:endParaRPr lang="en-IN" dirty="0"/>
           </a:p>
         </p:txBody>
       </p:sp>
@@ -1214,7 +1214,7 @@
               <a:rPr lang="en-IN" smtClean="0"/>
               <a:t>‹#›</a:t>
             </a:fld>
-            <a:endParaRPr lang="en-IN"/>
+            <a:endParaRPr lang="en-IN" dirty="0"/>
           </a:p>
         </p:txBody>
       </p:sp>
@@ -1428,7 +1428,7 @@
               <a:rPr lang="en-IN" smtClean="0"/>
               <a:t>09-03-2024</a:t>
             </a:fld>
-            <a:endParaRPr lang="en-IN"/>
+            <a:endParaRPr lang="en-IN" dirty="0"/>
           </a:p>
         </p:txBody>
       </p:sp>
@@ -1453,7 +1453,7 @@
           <a:bodyPr/>
           <a:lstStyle/>
           <a:p>
-            <a:endParaRPr lang="en-IN"/>
+            <a:endParaRPr lang="en-IN" dirty="0"/>
           </a:p>
         </p:txBody>
       </p:sp>
@@ -1482,7 +1482,7 @@
               <a:rPr lang="en-IN" smtClean="0"/>
               <a:t>‹#›</a:t>
             </a:fld>
-            <a:endParaRPr lang="en-IN"/>
+            <a:endParaRPr lang="en-IN" dirty="0"/>
           </a:p>
         </p:txBody>
       </p:sp>
@@ -1843,7 +1843,7 @@
               <a:rPr lang="en-IN" smtClean="0"/>
               <a:t>09-03-2024</a:t>
             </a:fld>
-            <a:endParaRPr lang="en-IN"/>
+            <a:endParaRPr lang="en-IN" dirty="0"/>
           </a:p>
         </p:txBody>
       </p:sp>
@@ -1868,7 +1868,7 @@
           <a:bodyPr/>
           <a:lstStyle/>
           <a:p>
-            <a:endParaRPr lang="en-IN"/>
+            <a:endParaRPr lang="en-IN" dirty="0"/>
           </a:p>
         </p:txBody>
       </p:sp>
@@ -1897,7 +1897,7 @@
               <a:rPr lang="en-IN" smtClean="0"/>
               <a:t>‹#›</a:t>
             </a:fld>
-            <a:endParaRPr lang="en-IN"/>
+            <a:endParaRPr lang="en-IN" dirty="0"/>
           </a:p>
         </p:txBody>
       </p:sp>
@@ -1985,7 +1985,7 @@
               <a:rPr lang="en-IN" smtClean="0"/>
               <a:t>09-03-2024</a:t>
             </a:fld>
-            <a:endParaRPr lang="en-IN"/>
+            <a:endParaRPr lang="en-IN" dirty="0"/>
           </a:p>
         </p:txBody>
       </p:sp>
@@ -2010,7 +2010,7 @@
           <a:bodyPr/>
           <a:lstStyle/>
           <a:p>
-            <a:endParaRPr lang="en-IN"/>
+            <a:endParaRPr lang="en-IN" dirty="0"/>
           </a:p>
         </p:txBody>
       </p:sp>
@@ -2039,7 +2039,7 @@
               <a:rPr lang="en-IN" smtClean="0"/>
               <a:t>‹#›</a:t>
             </a:fld>
-            <a:endParaRPr lang="en-IN"/>
+            <a:endParaRPr lang="en-IN" dirty="0"/>
           </a:p>
         </p:txBody>
       </p:sp>
@@ -2098,7 +2098,7 @@
               <a:rPr lang="en-IN" smtClean="0"/>
               <a:t>09-03-2024</a:t>
             </a:fld>
-            <a:endParaRPr lang="en-IN"/>
+            <a:endParaRPr lang="en-IN" dirty="0"/>
           </a:p>
         </p:txBody>
       </p:sp>
@@ -2123,7 +2123,7 @@
           <a:bodyPr/>
           <a:lstStyle/>
           <a:p>
-            <a:endParaRPr lang="en-IN"/>
+            <a:endParaRPr lang="en-IN" dirty="0"/>
           </a:p>
         </p:txBody>
       </p:sp>
@@ -2152,7 +2152,7 @@
               <a:rPr lang="en-IN" smtClean="0"/>
               <a:t>‹#›</a:t>
             </a:fld>
-            <a:endParaRPr lang="en-IN"/>
+            <a:endParaRPr lang="en-IN" dirty="0"/>
           </a:p>
         </p:txBody>
       </p:sp>
@@ -2411,7 +2411,7 @@
               <a:rPr lang="en-IN" smtClean="0"/>
               <a:t>09-03-2024</a:t>
             </a:fld>
-            <a:endParaRPr lang="en-IN"/>
+            <a:endParaRPr lang="en-IN" dirty="0"/>
           </a:p>
         </p:txBody>
       </p:sp>
@@ -2436,7 +2436,7 @@
           <a:bodyPr/>
           <a:lstStyle/>
           <a:p>
-            <a:endParaRPr lang="en-IN"/>
+            <a:endParaRPr lang="en-IN" dirty="0"/>
           </a:p>
         </p:txBody>
       </p:sp>
@@ -2465,7 +2465,7 @@
               <a:rPr lang="en-IN" smtClean="0"/>
               <a:t>‹#›</a:t>
             </a:fld>
-            <a:endParaRPr lang="en-IN"/>
+            <a:endParaRPr lang="en-IN" dirty="0"/>
           </a:p>
         </p:txBody>
       </p:sp>
@@ -2600,7 +2600,7 @@
             </a:lvl9pPr>
           </a:lstStyle>
           <a:p>
-            <a:endParaRPr lang="en-IN"/>
+            <a:endParaRPr lang="en-IN" dirty="0"/>
           </a:p>
         </p:txBody>
       </p:sp>
@@ -2700,7 +2700,7 @@
               <a:rPr lang="en-IN" smtClean="0"/>
               <a:t>09-03-2024</a:t>
             </a:fld>
-            <a:endParaRPr lang="en-IN"/>
+            <a:endParaRPr lang="en-IN" dirty="0"/>
           </a:p>
         </p:txBody>
       </p:sp>
@@ -2725,7 +2725,7 @@
           <a:bodyPr/>
           <a:lstStyle/>
           <a:p>
-            <a:endParaRPr lang="en-IN"/>
+            <a:endParaRPr lang="en-IN" dirty="0"/>
           </a:p>
         </p:txBody>
       </p:sp>
@@ -2754,7 +2754,7 @@
               <a:rPr lang="en-IN" smtClean="0"/>
               <a:t>‹#›</a:t>
             </a:fld>
-            <a:endParaRPr lang="en-IN"/>
+            <a:endParaRPr lang="en-IN" dirty="0"/>
           </a:p>
         </p:txBody>
       </p:sp>
@@ -2943,7 +2943,7 @@
               <a:rPr lang="en-IN" smtClean="0"/>
               <a:t>09-03-2024</a:t>
             </a:fld>
-            <a:endParaRPr lang="en-IN"/>
+            <a:endParaRPr lang="en-IN" dirty="0"/>
           </a:p>
         </p:txBody>
       </p:sp>
@@ -2986,7 +2986,7 @@
             </a:lvl1pPr>
           </a:lstStyle>
           <a:p>
-            <a:endParaRPr lang="en-IN"/>
+            <a:endParaRPr lang="en-IN" dirty="0"/>
           </a:p>
         </p:txBody>
       </p:sp>
@@ -3033,7 +3033,7 @@
               <a:rPr lang="en-IN" smtClean="0"/>
               <a:t>‹#›</a:t>
             </a:fld>
-            <a:endParaRPr lang="en-IN"/>
+            <a:endParaRPr lang="en-IN" dirty="0"/>
           </a:p>
         </p:txBody>
       </p:sp>
@@ -3453,7 +3453,7 @@
           <a:lstStyle/>
           <a:p>
             <a:r>
-              <a:rPr lang="en-IN" sz="4000" dirty="0">
+              <a:rPr lang="en-IN" b="1" dirty="0">
                 <a:solidFill>
                   <a:srgbClr val="002060"/>
                 </a:solidFill>
@@ -3462,7 +3462,7 @@
               <a:t>FOOD BRIDGE - </a:t>
             </a:r>
             <a:r>
-              <a:rPr lang="en-US" sz="4000" dirty="0">
+              <a:rPr lang="en-US" b="1" dirty="0">
                 <a:solidFill>
                   <a:srgbClr val="002060"/>
                 </a:solidFill>
@@ -3470,7 +3470,7 @@
               </a:rPr>
               <a:t>Bridging The Gap Between Food Sources And People In Need</a:t>
             </a:r>
-            <a:endParaRPr lang="en-IN" sz="4000" dirty="0">
+            <a:endParaRPr lang="en-IN" b="1" dirty="0">
               <a:solidFill>
                 <a:srgbClr val="002060"/>
               </a:solidFill>
@@ -3497,8 +3497,8 @@
         </p:nvSpPr>
         <p:spPr>
           <a:xfrm>
-            <a:off x="838200" y="5041127"/>
-            <a:ext cx="8165841" cy="1685676"/>
+            <a:off x="838200" y="5366467"/>
+            <a:ext cx="8165841" cy="1126408"/>
           </a:xfrm>
         </p:spPr>
         <p:txBody>
@@ -3510,7 +3510,7 @@
             </a:pPr>
             <a:r>
               <a:rPr lang="en-IN" dirty="0"/>
-              <a:t>By</a:t>
+              <a:t>Student Name: Sriram V (2231MCA0011)</a:t>
             </a:r>
           </a:p>
           <a:p>
@@ -3519,24 +3519,7 @@
             </a:pPr>
             <a:r>
               <a:rPr lang="en-IN" dirty="0"/>
-              <a:t>Sriram V (2231MCA0011)</a:t>
-            </a:r>
-          </a:p>
-          <a:p>
-            <a:pPr marL="0" indent="0">
-              <a:buNone/>
-            </a:pPr>
-            <a:r>
-              <a:rPr lang="en-IN" dirty="0"/>
-              <a:t>Guide Name: </a:t>
-            </a:r>
-            <a:r>
-              <a:rPr lang="en-IN" dirty="0" err="1"/>
-              <a:t>Dr.</a:t>
-            </a:r>
-            <a:r>
-              <a:rPr lang="en-IN" dirty="0"/>
-              <a:t> Geetha P (Associate Professor, IST)</a:t>
+              <a:t>Guide Name: Dr. Geetha P (Associate Professor, IST)</a:t>
             </a:r>
           </a:p>
         </p:txBody>
@@ -4264,13 +4247,22 @@
               <a:buChar char=""/>
             </a:pPr>
             <a:r>
+              <a:rPr lang="en-IN" sz="1800" b="1" kern="100" dirty="0">
+                <a:effectLst/>
+                <a:latin typeface="Calibri" panose="020F0502020204030204" pitchFamily="34" charset="0"/>
+                <a:ea typeface="Calibri" panose="020F0502020204030204" pitchFamily="34" charset="0"/>
+                <a:cs typeface="Times New Roman" panose="02020603050405020304" pitchFamily="18" charset="0"/>
+              </a:rPr>
+              <a:t>Web application development: </a:t>
+            </a:r>
+            <a:r>
               <a:rPr lang="en-IN" sz="1800" kern="100" dirty="0">
                 <a:effectLst/>
                 <a:latin typeface="Calibri" panose="020F0502020204030204" pitchFamily="34" charset="0"/>
                 <a:ea typeface="Calibri" panose="020F0502020204030204" pitchFamily="34" charset="0"/>
                 <a:cs typeface="Times New Roman" panose="02020603050405020304" pitchFamily="18" charset="0"/>
               </a:rPr>
-              <a:t>Web application development: Food Bridge offers a user-friendly interface for both hotels and orphanages to register and manage their needs.</a:t>
+              <a:t>Food Bridge offers a user-friendly interface for both hotels and orphanages to register and manage their needs.</a:t>
             </a:r>
           </a:p>
           <a:p>
@@ -4288,13 +4280,22 @@
               <a:buChar char=""/>
             </a:pPr>
             <a:r>
+              <a:rPr lang="en-IN" sz="1800" b="1" kern="100" dirty="0">
+                <a:effectLst/>
+                <a:latin typeface="Calibri" panose="020F0502020204030204" pitchFamily="34" charset="0"/>
+                <a:ea typeface="Calibri" panose="020F0502020204030204" pitchFamily="34" charset="0"/>
+                <a:cs typeface="Times New Roman" panose="02020603050405020304" pitchFamily="18" charset="0"/>
+              </a:rPr>
+              <a:t>Real-time notification system: </a:t>
+            </a:r>
+            <a:r>
               <a:rPr lang="en-IN" sz="1800" kern="100" dirty="0">
                 <a:effectLst/>
                 <a:latin typeface="Calibri" panose="020F0502020204030204" pitchFamily="34" charset="0"/>
                 <a:ea typeface="Calibri" panose="020F0502020204030204" pitchFamily="34" charset="0"/>
                 <a:cs typeface="Times New Roman" panose="02020603050405020304" pitchFamily="18" charset="0"/>
               </a:rPr>
-              <a:t>Real-time notification system: Hotels can post alerts about available surplus food, specifying type, quantity, and pickup time. Orphanages and other authorized recipients receive instant notifications based on their location and preferences.</a:t>
+              <a:t>Hotels can post alerts about available surplus food, specifying type, quantity, and pickup time. Orphanages and other authorized recipients receive instant notifications based on their location and preferences.</a:t>
             </a:r>
           </a:p>
           <a:p>
@@ -4312,13 +4313,22 @@
               <a:buChar char=""/>
             </a:pPr>
             <a:r>
+              <a:rPr lang="en-IN" sz="1800" b="1" kern="100" dirty="0">
+                <a:effectLst/>
+                <a:latin typeface="Calibri" panose="020F0502020204030204" pitchFamily="34" charset="0"/>
+                <a:ea typeface="Calibri" panose="020F0502020204030204" pitchFamily="34" charset="0"/>
+                <a:cs typeface="Times New Roman" panose="02020603050405020304" pitchFamily="18" charset="0"/>
+              </a:rPr>
+              <a:t>Coordination and logistics: </a:t>
+            </a:r>
+            <a:r>
               <a:rPr lang="en-IN" sz="1800" kern="100" dirty="0">
                 <a:effectLst/>
                 <a:latin typeface="Calibri" panose="020F0502020204030204" pitchFamily="34" charset="0"/>
                 <a:ea typeface="Calibri" panose="020F0502020204030204" pitchFamily="34" charset="0"/>
                 <a:cs typeface="Times New Roman" panose="02020603050405020304" pitchFamily="18" charset="0"/>
               </a:rPr>
-              <a:t>Coordination and logistics: The system facilitates communication and coordination between donors and recipients, ensuring smooth food pick-up and delivery.</a:t>
+              <a:t>The system facilitates communication and coordination between donors and recipients, ensuring smooth food pick-up and delivery.</a:t>
             </a:r>
           </a:p>
         </p:txBody>
@@ -4487,13 +4497,22 @@
               <a:buChar char=""/>
             </a:pPr>
             <a:r>
+              <a:rPr lang="en-IN" sz="1800" b="1" kern="100" dirty="0">
+                <a:effectLst/>
+                <a:latin typeface="Calibri" panose="020F0502020204030204" pitchFamily="34" charset="0"/>
+                <a:ea typeface="Calibri" panose="020F0502020204030204" pitchFamily="34" charset="0"/>
+                <a:cs typeface="Times New Roman" panose="02020603050405020304" pitchFamily="18" charset="0"/>
+              </a:rPr>
+              <a:t>Reduced food waste: </a:t>
+            </a:r>
+            <a:r>
               <a:rPr lang="en-IN" sz="1800" kern="100" dirty="0">
                 <a:effectLst/>
                 <a:latin typeface="Calibri" panose="020F0502020204030204" pitchFamily="34" charset="0"/>
                 <a:ea typeface="Calibri" panose="020F0502020204030204" pitchFamily="34" charset="0"/>
                 <a:cs typeface="Times New Roman" panose="02020603050405020304" pitchFamily="18" charset="0"/>
               </a:rPr>
-              <a:t>Reduced food waste: Food Bridge diverts edible food from landfills, promoting environmental sustainability.</a:t>
+              <a:t>Food Bridge diverts edible food from landfills, promoting environmental sustainability.</a:t>
             </a:r>
           </a:p>
           <a:p>
@@ -4511,13 +4530,22 @@
               <a:buChar char=""/>
             </a:pPr>
             <a:r>
+              <a:rPr lang="en-IN" sz="1800" b="1" kern="100" dirty="0">
+                <a:effectLst/>
+                <a:latin typeface="Calibri" panose="020F0502020204030204" pitchFamily="34" charset="0"/>
+                <a:ea typeface="Calibri" panose="020F0502020204030204" pitchFamily="34" charset="0"/>
+                <a:cs typeface="Times New Roman" panose="02020603050405020304" pitchFamily="18" charset="0"/>
+              </a:rPr>
+              <a:t>Enhanced food security: </a:t>
+            </a:r>
+            <a:r>
               <a:rPr lang="en-IN" sz="1800" kern="100" dirty="0">
                 <a:effectLst/>
                 <a:latin typeface="Calibri" panose="020F0502020204030204" pitchFamily="34" charset="0"/>
                 <a:ea typeface="Calibri" panose="020F0502020204030204" pitchFamily="34" charset="0"/>
                 <a:cs typeface="Times New Roman" panose="02020603050405020304" pitchFamily="18" charset="0"/>
               </a:rPr>
-              <a:t>Enhanced food security: Orphanages and other vulnerable communities gain access to nutritious meals, improving their well-being.</a:t>
+              <a:t>Orphanages and other vulnerable communities gain access to nutritious meals, improving their well-being.</a:t>
             </a:r>
           </a:p>
           <a:p>
@@ -4535,13 +4563,22 @@
               <a:buChar char=""/>
             </a:pPr>
             <a:r>
+              <a:rPr lang="en-IN" sz="1800" b="1" kern="100" dirty="0">
+                <a:effectLst/>
+                <a:latin typeface="Calibri" panose="020F0502020204030204" pitchFamily="34" charset="0"/>
+                <a:ea typeface="Calibri" panose="020F0502020204030204" pitchFamily="34" charset="0"/>
+                <a:cs typeface="Times New Roman" panose="02020603050405020304" pitchFamily="18" charset="0"/>
+              </a:rPr>
+              <a:t>Foster community connections:</a:t>
+            </a:r>
+            <a:r>
               <a:rPr lang="en-IN" sz="1800" kern="100" dirty="0">
                 <a:effectLst/>
                 <a:latin typeface="Calibri" panose="020F0502020204030204" pitchFamily="34" charset="0"/>
                 <a:ea typeface="Calibri" panose="020F0502020204030204" pitchFamily="34" charset="0"/>
                 <a:cs typeface="Times New Roman" panose="02020603050405020304" pitchFamily="18" charset="0"/>
               </a:rPr>
-              <a:t>Foster community connections: The platform facilitates collaboration and social responsibility within the community.</a:t>
+              <a:t> The platform facilitates collaboration and social responsibility within the community.</a:t>
             </a:r>
           </a:p>
           <a:p>
@@ -4675,7 +4712,7 @@
                   <a:srgbClr val="002060"/>
                 </a:solidFill>
               </a:rPr>
-              <a:t>Objectives and Scope of the Project</a:t>
+              <a:t>Objectives of the Project</a:t>
             </a:r>
           </a:p>
         </p:txBody>
@@ -4702,15 +4739,6 @@
             <a:normAutofit/>
           </a:bodyPr>
           <a:lstStyle/>
-          <a:p>
-            <a:pPr marL="0" indent="0">
-              <a:buNone/>
-            </a:pPr>
-            <a:r>
-              <a:rPr lang="en-US" sz="2000" dirty="0"/>
-              <a:t>Based on the abstract you provided, the objectives of the Food Bridge project can be summarized as follows:</a:t>
-            </a:r>
-          </a:p>
           <a:p>
             <a:pPr marL="514350" indent="-514350">
               <a:buFont typeface="+mj-lt"/>
@@ -4765,19 +4793,6 @@
             <a:r>
               <a:rPr lang="en-US" sz="2000" dirty="0"/>
               <a:t> Encourage collaboration between hotels and social service organizations.</a:t>
-            </a:r>
-          </a:p>
-          <a:p>
-            <a:pPr marL="0" indent="0">
-              <a:buNone/>
-            </a:pPr>
-            <a:r>
-              <a:rPr lang="en-US" sz="1800" b="1" dirty="0"/>
-              <a:t>Project Scope: </a:t>
-            </a:r>
-            <a:r>
-              <a:rPr lang="en-US" sz="2000" dirty="0"/>
-              <a:t>The scope of the Food Bridge project encompasses the development and implementation of a web application with the following functionalities:</a:t>
             </a:r>
           </a:p>
         </p:txBody>
@@ -4873,7 +4888,7 @@
                   <a:srgbClr val="002060"/>
                 </a:solidFill>
               </a:rPr>
-              <a:t>Objectives and Scope of the Project</a:t>
+              <a:t>Scope of the Project</a:t>
             </a:r>
           </a:p>
         </p:txBody>
@@ -4900,6 +4915,16 @@
             <a:normAutofit/>
           </a:bodyPr>
           <a:lstStyle/>
+          <a:p>
+            <a:pPr marL="0" indent="0">
+              <a:buNone/>
+            </a:pPr>
+            <a:r>
+              <a:rPr lang="en-US" sz="2000" dirty="0"/>
+              <a:t>The scope of the Food Bridge project encompasses the development and implementation of a web application with the following functionalities:</a:t>
+            </a:r>
+            <a:endParaRPr lang="en-US" sz="2000" b="1" dirty="0"/>
+          </a:p>
           <a:p>
             <a:pPr marL="514350" indent="-514350">
               <a:buFont typeface="+mj-lt"/>
@@ -5037,7 +5062,7 @@
         </p:nvSpPr>
         <p:spPr>
           <a:xfrm>
-            <a:off x="5096070" y="846172"/>
+            <a:off x="5096070" y="958036"/>
             <a:ext cx="1379376" cy="465793"/>
           </a:xfrm>
           <a:prstGeom prst="ellipse">
@@ -5091,7 +5116,7 @@
         </p:nvSpPr>
         <p:spPr>
           <a:xfrm>
-            <a:off x="1406202" y="1686557"/>
+            <a:off x="1406203" y="1807760"/>
             <a:ext cx="3056552" cy="437469"/>
           </a:xfrm>
           <a:prstGeom prst="rect">
@@ -5143,7 +5168,7 @@
         </p:nvSpPr>
         <p:spPr>
           <a:xfrm>
-            <a:off x="6979296" y="1691476"/>
+            <a:off x="6979296" y="1790823"/>
             <a:ext cx="2985798" cy="454118"/>
           </a:xfrm>
           <a:prstGeom prst="rect">
@@ -5195,7 +5220,7 @@
         </p:nvSpPr>
         <p:spPr>
           <a:xfrm>
-            <a:off x="1683399" y="2581667"/>
+            <a:off x="1683396" y="2545266"/>
             <a:ext cx="2502159" cy="600075"/>
           </a:xfrm>
           <a:prstGeom prst="rect">
@@ -5247,7 +5272,7 @@
         </p:nvSpPr>
         <p:spPr>
           <a:xfrm>
-            <a:off x="1683398" y="3677564"/>
+            <a:off x="1683398" y="3952377"/>
             <a:ext cx="2502159" cy="600075"/>
           </a:xfrm>
           <a:prstGeom prst="rect">
@@ -5296,7 +5321,7 @@
         </p:nvSpPr>
         <p:spPr>
           <a:xfrm>
-            <a:off x="1683398" y="4706846"/>
+            <a:off x="1683398" y="4895354"/>
             <a:ext cx="2502159" cy="600075"/>
           </a:xfrm>
           <a:prstGeom prst="rect">
@@ -5345,7 +5370,7 @@
         </p:nvSpPr>
         <p:spPr>
           <a:xfrm>
-            <a:off x="1683398" y="5602583"/>
+            <a:off x="1683397" y="5864416"/>
             <a:ext cx="2502159" cy="600075"/>
           </a:xfrm>
           <a:prstGeom prst="rect">
@@ -5394,7 +5419,7 @@
         </p:nvSpPr>
         <p:spPr>
           <a:xfrm>
-            <a:off x="7221115" y="2498611"/>
+            <a:off x="7221115" y="2470419"/>
             <a:ext cx="2502159" cy="600075"/>
           </a:xfrm>
           <a:prstGeom prst="rect">
@@ -5446,7 +5471,7 @@
         </p:nvSpPr>
         <p:spPr>
           <a:xfrm>
-            <a:off x="5700641" y="3870005"/>
+            <a:off x="5700641" y="4000290"/>
             <a:ext cx="2303884" cy="559839"/>
           </a:xfrm>
           <a:prstGeom prst="rect">
@@ -5495,7 +5520,7 @@
         </p:nvSpPr>
         <p:spPr>
           <a:xfrm>
-            <a:off x="9118648" y="3870005"/>
+            <a:off x="9151800" y="3960054"/>
             <a:ext cx="1987421" cy="600075"/>
           </a:xfrm>
           <a:prstGeom prst="rect">
@@ -5544,7 +5569,7 @@
         </p:nvSpPr>
         <p:spPr>
           <a:xfrm>
-            <a:off x="5700641" y="4697517"/>
+            <a:off x="5700641" y="4895354"/>
             <a:ext cx="2303884" cy="600075"/>
           </a:xfrm>
           <a:prstGeom prst="rect">
@@ -5593,7 +5618,7 @@
         </p:nvSpPr>
         <p:spPr>
           <a:xfrm>
-            <a:off x="5700641" y="5602584"/>
+            <a:off x="5700641" y="5863345"/>
             <a:ext cx="2303884" cy="600075"/>
           </a:xfrm>
           <a:prstGeom prst="rect">
@@ -5679,13 +5704,14 @@
           <p:cNvCxnSpPr>
             <a:cxnSpLocks/>
             <a:stCxn id="2" idx="4"/>
+            <a:endCxn id="3" idx="0"/>
           </p:cNvCxnSpPr>
           <p:nvPr/>
         </p:nvCxnSpPr>
         <p:spPr>
           <a:xfrm flipH="1">
-            <a:off x="3032449" y="1311965"/>
-            <a:ext cx="2753309" cy="357943"/>
+            <a:off x="2934479" y="1423829"/>
+            <a:ext cx="2851279" cy="383931"/>
           </a:xfrm>
           <a:prstGeom prst="straightConnector1">
             <a:avLst/>
@@ -5727,8 +5753,8 @@
         </p:nvCxnSpPr>
         <p:spPr>
           <a:xfrm>
-            <a:off x="5785758" y="1311965"/>
-            <a:ext cx="2686437" cy="379511"/>
+            <a:off x="5785758" y="1423829"/>
+            <a:ext cx="2686437" cy="366994"/>
           </a:xfrm>
           <a:prstGeom prst="straightConnector1">
             <a:avLst/>
@@ -5768,9 +5794,9 @@
           <p:nvPr/>
         </p:nvCxnSpPr>
         <p:spPr>
-          <a:xfrm>
-            <a:off x="2934478" y="2124026"/>
-            <a:ext cx="1" cy="457641"/>
+          <a:xfrm flipH="1">
+            <a:off x="2934476" y="2245229"/>
+            <a:ext cx="3" cy="300037"/>
           </a:xfrm>
           <a:prstGeom prst="straightConnector1">
             <a:avLst/>
@@ -5810,9 +5836,9 @@
           <p:nvPr/>
         </p:nvCxnSpPr>
         <p:spPr>
-          <a:xfrm flipH="1">
-            <a:off x="2934478" y="3181742"/>
-            <a:ext cx="1" cy="495822"/>
+          <a:xfrm>
+            <a:off x="2934476" y="3145341"/>
+            <a:ext cx="2" cy="807036"/>
           </a:xfrm>
           <a:prstGeom prst="straightConnector1">
             <a:avLst/>
@@ -5853,8 +5879,8 @@
         </p:nvCxnSpPr>
         <p:spPr>
           <a:xfrm>
-            <a:off x="2934478" y="4277639"/>
-            <a:ext cx="0" cy="429207"/>
+            <a:off x="2934478" y="4552452"/>
+            <a:ext cx="0" cy="342902"/>
           </a:xfrm>
           <a:prstGeom prst="straightConnector1">
             <a:avLst/>
@@ -5894,9 +5920,9 @@
           <p:nvPr/>
         </p:nvCxnSpPr>
         <p:spPr>
-          <a:xfrm>
-            <a:off x="2934478" y="5306921"/>
-            <a:ext cx="0" cy="295662"/>
+          <a:xfrm flipH="1">
+            <a:off x="2934477" y="5495429"/>
+            <a:ext cx="1" cy="368987"/>
           </a:xfrm>
           <a:prstGeom prst="straightConnector1">
             <a:avLst/>
@@ -5937,8 +5963,8 @@
         </p:nvCxnSpPr>
         <p:spPr>
           <a:xfrm>
-            <a:off x="8472195" y="2145594"/>
-            <a:ext cx="0" cy="353017"/>
+            <a:off x="8472195" y="2244941"/>
+            <a:ext cx="0" cy="225478"/>
           </a:xfrm>
           <a:prstGeom prst="straightConnector1">
             <a:avLst/>
@@ -5979,8 +6005,8 @@
         </p:nvCxnSpPr>
         <p:spPr>
           <a:xfrm flipH="1">
-            <a:off x="6852583" y="3098686"/>
-            <a:ext cx="1619612" cy="771319"/>
+            <a:off x="6852583" y="3070494"/>
+            <a:ext cx="1619612" cy="929796"/>
           </a:xfrm>
           <a:prstGeom prst="straightConnector1">
             <a:avLst/>
@@ -6021,8 +6047,8 @@
         </p:nvCxnSpPr>
         <p:spPr>
           <a:xfrm>
-            <a:off x="8472195" y="3098686"/>
-            <a:ext cx="1640164" cy="771319"/>
+            <a:off x="8472195" y="3070494"/>
+            <a:ext cx="1673316" cy="889560"/>
           </a:xfrm>
           <a:prstGeom prst="straightConnector1">
             <a:avLst/>
@@ -6063,8 +6089,8 @@
         </p:nvCxnSpPr>
         <p:spPr>
           <a:xfrm>
-            <a:off x="6852583" y="4429844"/>
-            <a:ext cx="0" cy="267673"/>
+            <a:off x="6852583" y="4560129"/>
+            <a:ext cx="0" cy="335225"/>
           </a:xfrm>
           <a:prstGeom prst="straightConnector1">
             <a:avLst/>
@@ -6105,8 +6131,8 @@
         </p:nvCxnSpPr>
         <p:spPr>
           <a:xfrm>
-            <a:off x="6852583" y="5297592"/>
-            <a:ext cx="0" cy="304992"/>
+            <a:off x="6852583" y="5495429"/>
+            <a:ext cx="0" cy="367916"/>
           </a:xfrm>
           <a:prstGeom prst="straightConnector1">
             <a:avLst/>
@@ -6146,9 +6172,9 @@
           <p:nvPr/>
         </p:nvCxnSpPr>
         <p:spPr>
-          <a:xfrm>
-            <a:off x="4185557" y="5902621"/>
-            <a:ext cx="1515084" cy="1"/>
+          <a:xfrm flipV="1">
+            <a:off x="4185556" y="6163383"/>
+            <a:ext cx="1515085" cy="1071"/>
           </a:xfrm>
           <a:prstGeom prst="straightConnector1">
             <a:avLst/>
@@ -6185,8 +6211,8 @@
           <p:nvPr/>
         </p:nvSpPr>
         <p:spPr>
-          <a:xfrm rot="20413168">
-            <a:off x="6865606" y="3146983"/>
+          <a:xfrm rot="19795089">
+            <a:off x="6825803" y="3336224"/>
             <a:ext cx="1068744" cy="369332"/>
           </a:xfrm>
           <a:prstGeom prst="rect">
@@ -6220,8 +6246,8 @@
           <p:nvPr/>
         </p:nvSpPr>
         <p:spPr>
-          <a:xfrm rot="1469581">
-            <a:off x="8924875" y="3223829"/>
+          <a:xfrm rot="1683578">
+            <a:off x="8906593" y="3244333"/>
             <a:ext cx="1163264" cy="369332"/>
           </a:xfrm>
           <a:prstGeom prst="rect">
@@ -6256,7 +6282,7 @@
         </p:nvSpPr>
         <p:spPr>
           <a:xfrm>
-            <a:off x="4333106" y="5342355"/>
+            <a:off x="4360118" y="5825214"/>
             <a:ext cx="1296950" cy="373227"/>
           </a:xfrm>
           <a:prstGeom prst="rect">
@@ -6601,10 +6627,9 @@
               <a:buChar char="•"/>
             </a:pPr>
             <a:r>
-              <a:rPr lang="en-IN" dirty="0" err="1"/>
+              <a:rPr lang="en-IN" dirty="0"/>
               <a:t>user_name</a:t>
             </a:r>
-            <a:endParaRPr lang="en-IN" dirty="0"/>
           </a:p>
           <a:p>
             <a:pPr marL="285750" indent="-285750">
@@ -6612,10 +6637,9 @@
               <a:buChar char="•"/>
             </a:pPr>
             <a:r>
-              <a:rPr lang="en-IN" dirty="0" err="1"/>
+              <a:rPr lang="en-IN" dirty="0"/>
               <a:t>contact_number</a:t>
             </a:r>
-            <a:endParaRPr lang="en-IN" dirty="0"/>
           </a:p>
           <a:p>
             <a:pPr marL="285750" indent="-285750">
@@ -6623,10 +6647,9 @@
               <a:buChar char="•"/>
             </a:pPr>
             <a:r>
-              <a:rPr lang="en-IN" dirty="0" err="1"/>
+              <a:rPr lang="en-IN" dirty="0"/>
               <a:t>organization_type</a:t>
             </a:r>
-            <a:endParaRPr lang="en-IN" dirty="0"/>
           </a:p>
           <a:p>
             <a:pPr marL="285750" indent="-285750">
@@ -6634,10 +6657,9 @@
               <a:buChar char="•"/>
             </a:pPr>
             <a:r>
-              <a:rPr lang="en-IN" dirty="0" err="1"/>
+              <a:rPr lang="en-IN" dirty="0"/>
               <a:t>organization_name</a:t>
             </a:r>
-            <a:endParaRPr lang="en-IN" dirty="0"/>
           </a:p>
           <a:p>
             <a:pPr marL="285750" indent="-285750">
@@ -6645,10 +6667,9 @@
               <a:buChar char="•"/>
             </a:pPr>
             <a:r>
-              <a:rPr lang="en-IN" dirty="0" err="1"/>
+              <a:rPr lang="en-IN" dirty="0"/>
               <a:t>user_address</a:t>
             </a:r>
-            <a:endParaRPr lang="en-IN" dirty="0"/>
           </a:p>
         </p:txBody>
       </p:sp>
@@ -6705,10 +6726,9 @@
               <a:buChar char="•"/>
             </a:pPr>
             <a:r>
-              <a:rPr lang="en-IN" dirty="0" err="1"/>
+              <a:rPr lang="en-IN" dirty="0"/>
               <a:t>request_id</a:t>
             </a:r>
-            <a:endParaRPr lang="en-IN" dirty="0"/>
           </a:p>
           <a:p>
             <a:pPr marL="285750" indent="-285750">
@@ -6716,10 +6736,9 @@
               <a:buChar char="•"/>
             </a:pPr>
             <a:r>
-              <a:rPr lang="en-IN" dirty="0" err="1"/>
+              <a:rPr lang="en-IN" dirty="0"/>
               <a:t>user_name</a:t>
             </a:r>
-            <a:endParaRPr lang="en-IN" dirty="0"/>
           </a:p>
           <a:p>
             <a:pPr marL="285750" indent="-285750">
@@ -6727,10 +6746,9 @@
               <a:buChar char="•"/>
             </a:pPr>
             <a:r>
-              <a:rPr lang="en-IN" dirty="0" err="1"/>
+              <a:rPr lang="en-IN" dirty="0"/>
               <a:t>contact_number</a:t>
             </a:r>
-            <a:endParaRPr lang="en-IN" dirty="0"/>
           </a:p>
           <a:p>
             <a:pPr marL="285750" indent="-285750">
@@ -6738,10 +6756,9 @@
               <a:buChar char="•"/>
             </a:pPr>
             <a:r>
-              <a:rPr lang="en-IN" dirty="0" err="1"/>
+              <a:rPr lang="en-IN" dirty="0"/>
               <a:t>organization_name</a:t>
             </a:r>
-            <a:endParaRPr lang="en-IN" dirty="0"/>
           </a:p>
           <a:p>
             <a:pPr marL="285750" indent="-285750">
@@ -6749,10 +6766,9 @@
               <a:buChar char="•"/>
             </a:pPr>
             <a:r>
-              <a:rPr lang="en-IN" dirty="0" err="1"/>
+              <a:rPr lang="en-IN" dirty="0"/>
               <a:t>user_address</a:t>
             </a:r>
-            <a:endParaRPr lang="en-IN" dirty="0"/>
           </a:p>
           <a:p>
             <a:pPr marL="285750" indent="-285750">
@@ -6760,10 +6776,9 @@
               <a:buChar char="•"/>
             </a:pPr>
             <a:r>
-              <a:rPr lang="en-IN" dirty="0" err="1"/>
+              <a:rPr lang="en-IN" dirty="0"/>
               <a:t>food_count</a:t>
             </a:r>
-            <a:endParaRPr lang="en-IN" dirty="0"/>
           </a:p>
         </p:txBody>
       </p:sp>
@@ -6809,7 +6824,7 @@
           <a:lstStyle/>
           <a:p>
             <a:pPr algn="ctr"/>
-            <a:endParaRPr lang="en-IN"/>
+            <a:endParaRPr lang="en-IN" dirty="0"/>
           </a:p>
         </p:txBody>
       </p:sp>
